--- a/trabalho 3/apresentacao.pptx
+++ b/trabalho 3/apresentacao.pptx
@@ -12,13 +12,22 @@
     <p:sldId id="258" r:id="rId6"/>
     <p:sldId id="259" r:id="rId7"/>
     <p:sldId id="260" r:id="rId8"/>
-    <p:sldId id="274" r:id="rId9"/>
-    <p:sldId id="279" r:id="rId10"/>
-    <p:sldId id="275" r:id="rId11"/>
-    <p:sldId id="276" r:id="rId12"/>
-    <p:sldId id="266" r:id="rId13"/>
-    <p:sldId id="277" r:id="rId14"/>
-    <p:sldId id="278" r:id="rId15"/>
+    <p:sldId id="282" r:id="rId9"/>
+    <p:sldId id="280" r:id="rId10"/>
+    <p:sldId id="283" r:id="rId11"/>
+    <p:sldId id="284" r:id="rId12"/>
+    <p:sldId id="274" r:id="rId13"/>
+    <p:sldId id="285" r:id="rId14"/>
+    <p:sldId id="288" r:id="rId15"/>
+    <p:sldId id="279" r:id="rId16"/>
+    <p:sldId id="286" r:id="rId17"/>
+    <p:sldId id="287" r:id="rId18"/>
+    <p:sldId id="289" r:id="rId19"/>
+    <p:sldId id="290" r:id="rId20"/>
+    <p:sldId id="277" r:id="rId21"/>
+    <p:sldId id="291" r:id="rId22"/>
+    <p:sldId id="281" r:id="rId23"/>
+    <p:sldId id="278" r:id="rId24"/>
   </p:sldIdLst>
   <p:sldSz cx="9144000" cy="6858000" type="screen4x3"/>
   <p:notesSz cx="7559675" cy="10691813"/>
@@ -120,6 +129,609 @@
 </p:presentation>
 </file>
 
+<file path=ppt/charts/chart1.xml><?xml version="1.0" encoding="utf-8"?>
+<c:chartSpace xmlns:c="http://schemas.openxmlformats.org/drawingml/2006/chart" xmlns:a="http://schemas.openxmlformats.org/drawingml/2006/main" xmlns:r="http://schemas.openxmlformats.org/officeDocument/2006/relationships">
+  <c:date1904 val="1"/>
+  <c:lang val="pt-BR"/>
+  <c:chart>
+    <c:title>
+      <c:tx>
+        <c:rich>
+          <a:bodyPr/>
+          <a:lstStyle/>
+          <a:p>
+            <a:pPr>
+              <a:defRPr/>
+            </a:pPr>
+            <a:r>
+              <a:rPr lang="pt-BR"/>
+              <a:t>MSE</a:t>
+            </a:r>
+            <a:r>
+              <a:rPr lang="pt-BR" baseline="0"/>
+              <a:t> e PSNR</a:t>
+            </a:r>
+            <a:endParaRPr lang="pt-BR"/>
+          </a:p>
+        </c:rich>
+      </c:tx>
+      <c:layout/>
+    </c:title>
+    <c:plotArea>
+      <c:layout/>
+      <c:lineChart>
+        <c:grouping val="standard"/>
+        <c:ser>
+          <c:idx val="0"/>
+          <c:order val="0"/>
+          <c:tx>
+            <c:v>MSE</c:v>
+          </c:tx>
+          <c:cat>
+            <c:numRef>
+              <c:f>Mean!$A$2:$A$5</c:f>
+              <c:numCache>
+                <c:formatCode>General</c:formatCode>
+                <c:ptCount val="4"/>
+                <c:pt idx="0">
+                  <c:v>5</c:v>
+                </c:pt>
+                <c:pt idx="1">
+                  <c:v>10</c:v>
+                </c:pt>
+                <c:pt idx="2">
+                  <c:v>50</c:v>
+                </c:pt>
+                <c:pt idx="3">
+                  <c:v>100</c:v>
+                </c:pt>
+              </c:numCache>
+            </c:numRef>
+          </c:cat>
+          <c:val>
+            <c:numRef>
+              <c:f>Mean!$B$2:$B$5</c:f>
+              <c:numCache>
+                <c:formatCode>General</c:formatCode>
+                <c:ptCount val="4"/>
+                <c:pt idx="0">
+                  <c:v>47.2</c:v>
+                </c:pt>
+                <c:pt idx="1">
+                  <c:v>28.97</c:v>
+                </c:pt>
+                <c:pt idx="2">
+                  <c:v>6.41</c:v>
+                </c:pt>
+                <c:pt idx="3">
+                  <c:v>3.21</c:v>
+                </c:pt>
+              </c:numCache>
+            </c:numRef>
+          </c:val>
+        </c:ser>
+        <c:ser>
+          <c:idx val="1"/>
+          <c:order val="1"/>
+          <c:tx>
+            <c:v>PSNR</c:v>
+          </c:tx>
+          <c:val>
+            <c:numRef>
+              <c:f>Mean!$D$2:$D$5</c:f>
+              <c:numCache>
+                <c:formatCode>General</c:formatCode>
+                <c:ptCount val="4"/>
+                <c:pt idx="0">
+                  <c:v>27.08</c:v>
+                </c:pt>
+                <c:pt idx="1">
+                  <c:v>30.09</c:v>
+                </c:pt>
+                <c:pt idx="2">
+                  <c:v>37.03</c:v>
+                </c:pt>
+                <c:pt idx="3">
+                  <c:v>40</c:v>
+                </c:pt>
+              </c:numCache>
+            </c:numRef>
+          </c:val>
+        </c:ser>
+        <c:marker val="1"/>
+        <c:axId val="71019136"/>
+        <c:axId val="74191616"/>
+      </c:lineChart>
+      <c:catAx>
+        <c:axId val="71019136"/>
+        <c:scaling>
+          <c:orientation val="minMax"/>
+        </c:scaling>
+        <c:axPos val="b"/>
+        <c:title>
+          <c:tx>
+            <c:rich>
+              <a:bodyPr/>
+              <a:lstStyle/>
+              <a:p>
+                <a:pPr>
+                  <a:defRPr/>
+                </a:pPr>
+                <a:r>
+                  <a:rPr lang="pt-BR"/>
+                  <a:t>Número</a:t>
+                </a:r>
+                <a:r>
+                  <a:rPr lang="pt-BR" baseline="0"/>
+                  <a:t> de Imagens</a:t>
+                </a:r>
+                <a:endParaRPr lang="pt-BR"/>
+              </a:p>
+            </c:rich>
+          </c:tx>
+          <c:layout/>
+        </c:title>
+        <c:numFmt formatCode="General" sourceLinked="1"/>
+        <c:tickLblPos val="nextTo"/>
+        <c:crossAx val="74191616"/>
+        <c:crosses val="autoZero"/>
+        <c:auto val="1"/>
+        <c:lblAlgn val="ctr"/>
+        <c:lblOffset val="100"/>
+      </c:catAx>
+      <c:valAx>
+        <c:axId val="74191616"/>
+        <c:scaling>
+          <c:orientation val="minMax"/>
+        </c:scaling>
+        <c:axPos val="l"/>
+        <c:majorGridlines/>
+        <c:numFmt formatCode="General" sourceLinked="1"/>
+        <c:tickLblPos val="nextTo"/>
+        <c:crossAx val="71019136"/>
+        <c:crosses val="autoZero"/>
+        <c:crossBetween val="between"/>
+      </c:valAx>
+    </c:plotArea>
+    <c:legend>
+      <c:legendPos val="r"/>
+      <c:layout/>
+    </c:legend>
+    <c:plotVisOnly val="1"/>
+  </c:chart>
+  <c:externalData r:id="rId1"/>
+</c:chartSpace>
+</file>
+
+<file path=ppt/charts/chart2.xml><?xml version="1.0" encoding="utf-8"?>
+<c:chartSpace xmlns:c="http://schemas.openxmlformats.org/drawingml/2006/chart" xmlns:a="http://schemas.openxmlformats.org/drawingml/2006/main" xmlns:r="http://schemas.openxmlformats.org/officeDocument/2006/relationships">
+  <c:lang val="pt-BR"/>
+  <c:chart>
+    <c:title>
+      <c:layout/>
+    </c:title>
+    <c:plotArea>
+      <c:layout/>
+      <c:lineChart>
+        <c:grouping val="standard"/>
+        <c:ser>
+          <c:idx val="0"/>
+          <c:order val="0"/>
+          <c:tx>
+            <c:v>SSIM</c:v>
+          </c:tx>
+          <c:cat>
+            <c:numRef>
+              <c:f>Mean!$A$2:$A$5</c:f>
+              <c:numCache>
+                <c:formatCode>General</c:formatCode>
+                <c:ptCount val="4"/>
+                <c:pt idx="0">
+                  <c:v>5</c:v>
+                </c:pt>
+                <c:pt idx="1">
+                  <c:v>10</c:v>
+                </c:pt>
+                <c:pt idx="2">
+                  <c:v>50</c:v>
+                </c:pt>
+                <c:pt idx="3">
+                  <c:v>100</c:v>
+                </c:pt>
+              </c:numCache>
+            </c:numRef>
+          </c:cat>
+          <c:val>
+            <c:numRef>
+              <c:f>Mean!$C$2:$C$5</c:f>
+              <c:numCache>
+                <c:formatCode>General</c:formatCode>
+                <c:ptCount val="4"/>
+                <c:pt idx="0">
+                  <c:v>0.8460000000000002</c:v>
+                </c:pt>
+                <c:pt idx="1">
+                  <c:v>0.91100000000000003</c:v>
+                </c:pt>
+                <c:pt idx="2">
+                  <c:v>0.9790000000000002</c:v>
+                </c:pt>
+                <c:pt idx="3">
+                  <c:v>0.98899999999999999</c:v>
+                </c:pt>
+              </c:numCache>
+            </c:numRef>
+          </c:val>
+        </c:ser>
+        <c:marker val="1"/>
+        <c:axId val="74219904"/>
+        <c:axId val="74221824"/>
+      </c:lineChart>
+      <c:catAx>
+        <c:axId val="74219904"/>
+        <c:scaling>
+          <c:orientation val="minMax"/>
+        </c:scaling>
+        <c:axPos val="b"/>
+        <c:title>
+          <c:tx>
+            <c:rich>
+              <a:bodyPr/>
+              <a:lstStyle/>
+              <a:p>
+                <a:pPr>
+                  <a:defRPr/>
+                </a:pPr>
+                <a:r>
+                  <a:rPr lang="pt-BR"/>
+                  <a:t>Número de Imagens</a:t>
+                </a:r>
+              </a:p>
+            </c:rich>
+          </c:tx>
+          <c:layout/>
+        </c:title>
+        <c:numFmt formatCode="General" sourceLinked="1"/>
+        <c:tickLblPos val="nextTo"/>
+        <c:crossAx val="74221824"/>
+        <c:crosses val="autoZero"/>
+        <c:auto val="1"/>
+        <c:lblAlgn val="ctr"/>
+        <c:lblOffset val="100"/>
+      </c:catAx>
+      <c:valAx>
+        <c:axId val="74221824"/>
+        <c:scaling>
+          <c:orientation val="minMax"/>
+        </c:scaling>
+        <c:axPos val="l"/>
+        <c:majorGridlines/>
+        <c:numFmt formatCode="General" sourceLinked="1"/>
+        <c:tickLblPos val="nextTo"/>
+        <c:crossAx val="74219904"/>
+        <c:crosses val="autoZero"/>
+        <c:crossBetween val="between"/>
+      </c:valAx>
+    </c:plotArea>
+    <c:legend>
+      <c:legendPos val="r"/>
+      <c:layout/>
+    </c:legend>
+    <c:plotVisOnly val="1"/>
+  </c:chart>
+  <c:externalData r:id="rId1"/>
+</c:chartSpace>
+</file>
+
+<file path=ppt/charts/chart3.xml><?xml version="1.0" encoding="utf-8"?>
+<c:chartSpace xmlns:c="http://schemas.openxmlformats.org/drawingml/2006/chart" xmlns:a="http://schemas.openxmlformats.org/drawingml/2006/main" xmlns:r="http://schemas.openxmlformats.org/officeDocument/2006/relationships">
+  <c:lang val="pt-BR"/>
+  <c:chart>
+    <c:title>
+      <c:tx>
+        <c:rich>
+          <a:bodyPr/>
+          <a:lstStyle/>
+          <a:p>
+            <a:pPr>
+              <a:defRPr/>
+            </a:pPr>
+            <a:r>
+              <a:rPr lang="pt-BR"/>
+              <a:t>MSE</a:t>
+            </a:r>
+            <a:r>
+              <a:rPr lang="pt-BR" baseline="0"/>
+              <a:t> e PSNR</a:t>
+            </a:r>
+            <a:endParaRPr lang="pt-BR"/>
+          </a:p>
+        </c:rich>
+      </c:tx>
+      <c:layout/>
+    </c:title>
+    <c:plotArea>
+      <c:layout/>
+      <c:lineChart>
+        <c:grouping val="standard"/>
+        <c:ser>
+          <c:idx val="0"/>
+          <c:order val="0"/>
+          <c:tx>
+            <c:v>MSE</c:v>
+          </c:tx>
+          <c:cat>
+            <c:numRef>
+              <c:f>'Adaptive Mean'!$A$2:$A$5</c:f>
+              <c:numCache>
+                <c:formatCode>General</c:formatCode>
+                <c:ptCount val="4"/>
+                <c:pt idx="0">
+                  <c:v>3</c:v>
+                </c:pt>
+                <c:pt idx="1">
+                  <c:v>5</c:v>
+                </c:pt>
+                <c:pt idx="2">
+                  <c:v>7</c:v>
+                </c:pt>
+                <c:pt idx="3">
+                  <c:v>9</c:v>
+                </c:pt>
+              </c:numCache>
+            </c:numRef>
+          </c:cat>
+          <c:val>
+            <c:numRef>
+              <c:f>'Adaptive Mean'!$B$2:$B$5</c:f>
+              <c:numCache>
+                <c:formatCode>General</c:formatCode>
+                <c:ptCount val="4"/>
+                <c:pt idx="0">
+                  <c:v>48.37</c:v>
+                </c:pt>
+                <c:pt idx="1">
+                  <c:v>35.340000000000003</c:v>
+                </c:pt>
+                <c:pt idx="2">
+                  <c:v>33.28</c:v>
+                </c:pt>
+                <c:pt idx="3">
+                  <c:v>34.17</c:v>
+                </c:pt>
+              </c:numCache>
+            </c:numRef>
+          </c:val>
+        </c:ser>
+        <c:ser>
+          <c:idx val="1"/>
+          <c:order val="1"/>
+          <c:tx>
+            <c:v>PSNR</c:v>
+          </c:tx>
+          <c:cat>
+            <c:numRef>
+              <c:f>'Adaptive Mean'!$A$2:$A$5</c:f>
+              <c:numCache>
+                <c:formatCode>General</c:formatCode>
+                <c:ptCount val="4"/>
+                <c:pt idx="0">
+                  <c:v>3</c:v>
+                </c:pt>
+                <c:pt idx="1">
+                  <c:v>5</c:v>
+                </c:pt>
+                <c:pt idx="2">
+                  <c:v>7</c:v>
+                </c:pt>
+                <c:pt idx="3">
+                  <c:v>9</c:v>
+                </c:pt>
+              </c:numCache>
+            </c:numRef>
+          </c:cat>
+          <c:val>
+            <c:numRef>
+              <c:f>'Adaptive Mean'!$D$2:$D$5</c:f>
+              <c:numCache>
+                <c:formatCode>General</c:formatCode>
+                <c:ptCount val="4"/>
+                <c:pt idx="0">
+                  <c:v>26.74</c:v>
+                </c:pt>
+                <c:pt idx="1">
+                  <c:v>27.88</c:v>
+                </c:pt>
+                <c:pt idx="2">
+                  <c:v>27.18</c:v>
+                </c:pt>
+                <c:pt idx="3">
+                  <c:v>26.34</c:v>
+                </c:pt>
+              </c:numCache>
+            </c:numRef>
+          </c:val>
+        </c:ser>
+        <c:marker val="1"/>
+        <c:axId val="84387712"/>
+        <c:axId val="84439040"/>
+      </c:lineChart>
+      <c:catAx>
+        <c:axId val="84387712"/>
+        <c:scaling>
+          <c:orientation val="minMax"/>
+        </c:scaling>
+        <c:axPos val="b"/>
+        <c:title>
+          <c:tx>
+            <c:rich>
+              <a:bodyPr/>
+              <a:lstStyle/>
+              <a:p>
+                <a:pPr>
+                  <a:defRPr/>
+                </a:pPr>
+                <a:r>
+                  <a:rPr lang="pt-BR"/>
+                  <a:t>Máscara</a:t>
+                </a:r>
+              </a:p>
+            </c:rich>
+          </c:tx>
+          <c:layout/>
+        </c:title>
+        <c:numFmt formatCode="General" sourceLinked="1"/>
+        <c:tickLblPos val="nextTo"/>
+        <c:crossAx val="84439040"/>
+        <c:crosses val="autoZero"/>
+        <c:auto val="1"/>
+        <c:lblAlgn val="ctr"/>
+        <c:lblOffset val="100"/>
+      </c:catAx>
+      <c:valAx>
+        <c:axId val="84439040"/>
+        <c:scaling>
+          <c:orientation val="minMax"/>
+        </c:scaling>
+        <c:axPos val="l"/>
+        <c:majorGridlines/>
+        <c:numFmt formatCode="General" sourceLinked="1"/>
+        <c:tickLblPos val="nextTo"/>
+        <c:crossAx val="84387712"/>
+        <c:crosses val="autoZero"/>
+        <c:crossBetween val="between"/>
+      </c:valAx>
+    </c:plotArea>
+    <c:legend>
+      <c:legendPos val="r"/>
+      <c:layout/>
+    </c:legend>
+    <c:plotVisOnly val="1"/>
+  </c:chart>
+  <c:externalData r:id="rId1"/>
+</c:chartSpace>
+</file>
+
+<file path=ppt/charts/chart4.xml><?xml version="1.0" encoding="utf-8"?>
+<c:chartSpace xmlns:c="http://schemas.openxmlformats.org/drawingml/2006/chart" xmlns:a="http://schemas.openxmlformats.org/drawingml/2006/main" xmlns:r="http://schemas.openxmlformats.org/officeDocument/2006/relationships">
+  <c:lang val="pt-BR"/>
+  <c:chart>
+    <c:title>
+      <c:layout/>
+    </c:title>
+    <c:plotArea>
+      <c:layout/>
+      <c:lineChart>
+        <c:grouping val="standard"/>
+        <c:ser>
+          <c:idx val="0"/>
+          <c:order val="0"/>
+          <c:tx>
+            <c:v>SSIM</c:v>
+          </c:tx>
+          <c:cat>
+            <c:numRef>
+              <c:f>'Adaptive Mean'!$A$2:$A$5</c:f>
+              <c:numCache>
+                <c:formatCode>General</c:formatCode>
+                <c:ptCount val="4"/>
+                <c:pt idx="0">
+                  <c:v>3</c:v>
+                </c:pt>
+                <c:pt idx="1">
+                  <c:v>5</c:v>
+                </c:pt>
+                <c:pt idx="2">
+                  <c:v>7</c:v>
+                </c:pt>
+                <c:pt idx="3">
+                  <c:v>9</c:v>
+                </c:pt>
+              </c:numCache>
+            </c:numRef>
+          </c:cat>
+          <c:val>
+            <c:numRef>
+              <c:f>'Adaptive Mean'!$C$2:$C$5</c:f>
+              <c:numCache>
+                <c:formatCode>General</c:formatCode>
+                <c:ptCount val="4"/>
+                <c:pt idx="0">
+                  <c:v>0.73199999999999998</c:v>
+                </c:pt>
+                <c:pt idx="1">
+                  <c:v>0.81100000000000005</c:v>
+                </c:pt>
+                <c:pt idx="2">
+                  <c:v>0.82299999999999995</c:v>
+                </c:pt>
+                <c:pt idx="3">
+                  <c:v>0.80800000000000005</c:v>
+                </c:pt>
+              </c:numCache>
+            </c:numRef>
+          </c:val>
+        </c:ser>
+        <c:marker val="1"/>
+        <c:axId val="93746304"/>
+        <c:axId val="93757824"/>
+      </c:lineChart>
+      <c:catAx>
+        <c:axId val="93746304"/>
+        <c:scaling>
+          <c:orientation val="minMax"/>
+        </c:scaling>
+        <c:axPos val="b"/>
+        <c:title>
+          <c:tx>
+            <c:rich>
+              <a:bodyPr/>
+              <a:lstStyle/>
+              <a:p>
+                <a:pPr>
+                  <a:defRPr/>
+                </a:pPr>
+                <a:r>
+                  <a:rPr lang="pt-BR"/>
+                  <a:t>Máscara</a:t>
+                </a:r>
+              </a:p>
+            </c:rich>
+          </c:tx>
+          <c:layout/>
+        </c:title>
+        <c:numFmt formatCode="General" sourceLinked="1"/>
+        <c:tickLblPos val="nextTo"/>
+        <c:crossAx val="93757824"/>
+        <c:crosses val="autoZero"/>
+        <c:auto val="1"/>
+        <c:lblAlgn val="ctr"/>
+        <c:lblOffset val="100"/>
+      </c:catAx>
+      <c:valAx>
+        <c:axId val="93757824"/>
+        <c:scaling>
+          <c:orientation val="minMax"/>
+        </c:scaling>
+        <c:axPos val="l"/>
+        <c:majorGridlines/>
+        <c:numFmt formatCode="General" sourceLinked="1"/>
+        <c:tickLblPos val="nextTo"/>
+        <c:crossAx val="93746304"/>
+        <c:crosses val="autoZero"/>
+        <c:crossBetween val="between"/>
+      </c:valAx>
+    </c:plotArea>
+    <c:legend>
+      <c:legendPos val="r"/>
+      <c:layout/>
+    </c:legend>
+    <c:plotVisOnly val="1"/>
+  </c:chart>
+  <c:externalData r:id="rId1"/>
+</c:chartSpace>
+</file>
+
 <file path=ppt/slideLayouts/slideLayout1.xml><?xml version="1.0" encoding="utf-8"?>
 <p:sldLayout xmlns:a="http://schemas.openxmlformats.org/drawingml/2006/main" xmlns:r="http://schemas.openxmlformats.org/officeDocument/2006/relationships" xmlns:p="http://schemas.openxmlformats.org/presentationml/2006/main" type="blank" preserve="1">
   <p:cSld name="Blank Slide">
@@ -7930,14 +8542,14 @@
       </p:grpSpPr>
       <p:sp>
         <p:nvSpPr>
-          <p:cNvPr id="207" name="TextShape 1"/>
+          <p:cNvPr id="159" name="TextShape 1"/>
           <p:cNvSpPr txBox="1"/>
           <p:nvPr/>
         </p:nvSpPr>
         <p:spPr>
           <a:xfrm>
-            <a:off x="457200" y="274680"/>
-            <a:ext cx="7467120" cy="1142640"/>
+            <a:off x="395536" y="116632"/>
+            <a:ext cx="7776864" cy="1142640"/>
           </a:xfrm>
           <a:prstGeom prst="rect">
             <a:avLst/>
@@ -7952,18 +8564,18 @@
           <a:lstStyle/>
           <a:p>
             <a:r>
-              <a:rPr lang="pt-BR" sz="3000" strike="noStrike" spc="-1" dirty="0">
-                <a:solidFill>
-                  <a:srgbClr val="000000"/>
-                </a:solidFill>
-                <a:uFill>
-                  <a:solidFill>
-                    <a:srgbClr val="FFFFFF"/>
-                  </a:solidFill>
-                </a:uFill>
-                <a:latin typeface="Century Schoolbook"/>
-              </a:rPr>
-              <a:t>RESULTADOS: </a:t>
+              <a:rPr lang="pt-BR" sz="3000" b="1" strike="noStrike" spc="-1" dirty="0" smtClean="0">
+                <a:solidFill>
+                  <a:srgbClr val="000000"/>
+                </a:solidFill>
+                <a:uFill>
+                  <a:solidFill>
+                    <a:srgbClr val="FFFFFF"/>
+                  </a:solidFill>
+                </a:uFill>
+                <a:latin typeface="Century Schoolbook"/>
+              </a:rPr>
+              <a:t>RESULTADO</a:t>
             </a:r>
             <a:r>
               <a:rPr lang="pt-BR" sz="3000" strike="noStrike" spc="-1" dirty="0" smtClean="0">
@@ -7977,271 +8589,204 @@
                 </a:uFill>
                 <a:latin typeface="Century Schoolbook"/>
               </a:rPr>
-              <a:t>BAIXO NÍVEL DE DETALHES</a:t>
-            </a:r>
-            <a:endParaRPr lang="pt-BR" sz="1800" strike="noStrike" spc="-1" dirty="0">
-              <a:solidFill>
-                <a:srgbClr val="000000"/>
-              </a:solidFill>
-              <a:uFill>
-                <a:solidFill>
-                  <a:srgbClr val="FFFFFF"/>
-                </a:solidFill>
-              </a:uFill>
-              <a:latin typeface="Century Schoolbook"/>
-            </a:endParaRPr>
+              <a:t>: MÉDIA DAS IMAGENS</a:t>
+            </a:r>
           </a:p>
         </p:txBody>
       </p:sp>
       <p:pic>
         <p:nvPicPr>
-          <p:cNvPr id="208" name="Imagem 207"/>
-          <p:cNvPicPr/>
+          <p:cNvPr id="5" name="Imagem 4" descr="lena5.png"/>
+          <p:cNvPicPr>
+            <a:picLocks noChangeAspect="1"/>
+          </p:cNvPicPr>
           <p:nvPr/>
         </p:nvPicPr>
         <p:blipFill>
           <a:blip r:embed="rId2" cstate="print"/>
-          <a:stretch/>
+          <a:stretch>
+            <a:fillRect/>
+          </a:stretch>
         </p:blipFill>
         <p:spPr>
           <a:xfrm>
-            <a:off x="1116720" y="1599840"/>
-            <a:ext cx="2324520" cy="2324520"/>
-          </a:xfrm>
-          <a:prstGeom prst="rect">
-            <a:avLst/>
-          </a:prstGeom>
-          <a:ln>
-            <a:noFill/>
-          </a:ln>
+            <a:off x="395536" y="1700808"/>
+            <a:ext cx="3909776" cy="3909776"/>
+          </a:xfrm>
+          <a:prstGeom prst="rect">
+            <a:avLst/>
+          </a:prstGeom>
         </p:spPr>
       </p:pic>
+      <p:sp>
+        <p:nvSpPr>
+          <p:cNvPr id="7" name="CaixaDeTexto 6"/>
+          <p:cNvSpPr txBox="1"/>
+          <p:nvPr/>
+        </p:nvSpPr>
+        <p:spPr>
+          <a:xfrm>
+            <a:off x="323528" y="1290246"/>
+            <a:ext cx="4392488" cy="338554"/>
+          </a:xfrm>
+          <a:prstGeom prst="rect">
+            <a:avLst/>
+          </a:prstGeom>
+          <a:noFill/>
+        </p:spPr>
+        <p:txBody>
+          <a:bodyPr wrap="square" rtlCol="0">
+            <a:spAutoFit/>
+          </a:bodyPr>
+          <a:lstStyle/>
+          <a:p>
+            <a:r>
+              <a:rPr lang="en-US" sz="1600" dirty="0" smtClean="0">
+                <a:latin typeface="Century Schoolbook" pitchFamily="18" charset="0"/>
+              </a:rPr>
+              <a:t>MSE = 47.2, PSNR = 27.08, SSIM = 0.846</a:t>
+            </a:r>
+            <a:endParaRPr lang="en-US" sz="1600" dirty="0">
+              <a:latin typeface="Century Schoolbook" pitchFamily="18" charset="0"/>
+            </a:endParaRPr>
+          </a:p>
+        </p:txBody>
+      </p:sp>
       <p:pic>
         <p:nvPicPr>
-          <p:cNvPr id="209" name="Imagem 208"/>
-          <p:cNvPicPr/>
+          <p:cNvPr id="8" name="Imagem 7" descr="lena10.png"/>
+          <p:cNvPicPr>
+            <a:picLocks noChangeAspect="1"/>
+          </p:cNvPicPr>
           <p:nvPr/>
         </p:nvPicPr>
         <p:blipFill>
           <a:blip r:embed="rId3" cstate="print"/>
-          <a:stretch/>
+          <a:stretch>
+            <a:fillRect/>
+          </a:stretch>
         </p:blipFill>
         <p:spPr>
           <a:xfrm>
-            <a:off x="4943160" y="1599840"/>
-            <a:ext cx="2324520" cy="2324520"/>
-          </a:xfrm>
-          <a:prstGeom prst="rect">
-            <a:avLst/>
-          </a:prstGeom>
-          <a:ln>
-            <a:noFill/>
-          </a:ln>
+            <a:off x="4694848" y="1700808"/>
+            <a:ext cx="3909600" cy="3909600"/>
+          </a:xfrm>
+          <a:prstGeom prst="rect">
+            <a:avLst/>
+          </a:prstGeom>
         </p:spPr>
       </p:pic>
-      <p:pic>
-        <p:nvPicPr>
-          <p:cNvPr id="210" name="Imagem 209"/>
-          <p:cNvPicPr/>
-          <p:nvPr/>
-        </p:nvPicPr>
-        <p:blipFill>
-          <a:blip r:embed="rId4" cstate="print"/>
-          <a:stretch/>
-        </p:blipFill>
-        <p:spPr>
-          <a:xfrm>
-            <a:off x="4943160" y="4145760"/>
-            <a:ext cx="2324520" cy="2324520"/>
-          </a:xfrm>
-          <a:prstGeom prst="rect">
-            <a:avLst/>
-          </a:prstGeom>
-          <a:ln>
-            <a:noFill/>
-          </a:ln>
-        </p:spPr>
-      </p:pic>
-      <p:pic>
-        <p:nvPicPr>
-          <p:cNvPr id="211" name="Imagem 210"/>
-          <p:cNvPicPr/>
-          <p:nvPr/>
-        </p:nvPicPr>
-        <p:blipFill>
-          <a:blip r:embed="rId5" cstate="print"/>
-          <a:stretch/>
-        </p:blipFill>
-        <p:spPr>
-          <a:xfrm>
-            <a:off x="1116720" y="4145760"/>
-            <a:ext cx="2324520" cy="2324520"/>
-          </a:xfrm>
-          <a:prstGeom prst="rect">
-            <a:avLst/>
-          </a:prstGeom>
-          <a:ln>
-            <a:noFill/>
-          </a:ln>
-        </p:spPr>
-      </p:pic>
-      <p:sp>
-        <p:nvSpPr>
-          <p:cNvPr id="212" name="TextShape 2"/>
+      <p:sp>
+        <p:nvSpPr>
+          <p:cNvPr id="9" name="CaixaDeTexto 8"/>
           <p:cNvSpPr txBox="1"/>
           <p:nvPr/>
         </p:nvSpPr>
         <p:spPr>
           <a:xfrm>
-            <a:off x="1908000" y="1280880"/>
-            <a:ext cx="684000" cy="318960"/>
+            <a:off x="4572000" y="1268760"/>
+            <a:ext cx="4392488" cy="338554"/>
           </a:xfrm>
           <a:prstGeom prst="rect">
             <a:avLst/>
           </a:prstGeom>
           <a:noFill/>
-          <a:ln>
-            <a:noFill/>
-          </a:ln>
-        </p:spPr>
-        <p:txBody>
-          <a:bodyPr lIns="90000" tIns="45000" rIns="90000" bIns="45000"/>
-          <a:lstStyle/>
-          <a:p>
-            <a:r>
-              <a:rPr lang="pt-BR" sz="1600" strike="noStrike" spc="-1">
-                <a:solidFill>
-                  <a:srgbClr val="000000"/>
-                </a:solidFill>
-                <a:uFill>
-                  <a:solidFill>
-                    <a:srgbClr val="FFFFFF"/>
-                  </a:solidFill>
-                </a:uFill>
-                <a:latin typeface="Arial"/>
-              </a:rPr>
-              <a:t>8 bits</a:t>
-            </a:r>
-          </a:p>
-        </p:txBody>
-      </p:sp>
-      <p:sp>
-        <p:nvSpPr>
-          <p:cNvPr id="213" name="TextShape 3"/>
+        </p:spPr>
+        <p:txBody>
+          <a:bodyPr wrap="square" rtlCol="0">
+            <a:spAutoFit/>
+          </a:bodyPr>
+          <a:lstStyle/>
+          <a:p>
+            <a:r>
+              <a:rPr lang="en-US" sz="1600" dirty="0" smtClean="0">
+                <a:latin typeface="Century Schoolbook" pitchFamily="18" charset="0"/>
+              </a:rPr>
+              <a:t>MSE = 28.97, PSNR = 30.09, SSIM = 0.911</a:t>
+            </a:r>
+            <a:endParaRPr lang="en-US" sz="1600" dirty="0">
+              <a:latin typeface="Century Schoolbook" pitchFamily="18" charset="0"/>
+            </a:endParaRPr>
+          </a:p>
+        </p:txBody>
+      </p:sp>
+      <p:sp>
+        <p:nvSpPr>
+          <p:cNvPr id="10" name="CaixaDeTexto 9"/>
           <p:cNvSpPr txBox="1"/>
           <p:nvPr/>
         </p:nvSpPr>
         <p:spPr>
           <a:xfrm>
-            <a:off x="5796000" y="1296000"/>
-            <a:ext cx="684000" cy="318960"/>
+            <a:off x="6012160" y="5754742"/>
+            <a:ext cx="1512168" cy="338554"/>
           </a:xfrm>
           <a:prstGeom prst="rect">
             <a:avLst/>
           </a:prstGeom>
           <a:noFill/>
-          <a:ln>
-            <a:noFill/>
-          </a:ln>
-        </p:spPr>
-        <p:txBody>
-          <a:bodyPr lIns="90000" tIns="45000" rIns="90000" bIns="45000"/>
-          <a:lstStyle/>
-          <a:p>
-            <a:r>
-              <a:rPr lang="pt-BR" sz="1600" strike="noStrike" spc="-1">
-                <a:solidFill>
-                  <a:srgbClr val="000000"/>
-                </a:solidFill>
-                <a:uFill>
-                  <a:solidFill>
-                    <a:srgbClr val="FFFFFF"/>
-                  </a:solidFill>
-                </a:uFill>
-                <a:latin typeface="Arial"/>
-              </a:rPr>
-              <a:t>7 bits</a:t>
-            </a:r>
-          </a:p>
-        </p:txBody>
-      </p:sp>
-      <p:sp>
-        <p:nvSpPr>
-          <p:cNvPr id="214" name="TextShape 4"/>
+        </p:spPr>
+        <p:txBody>
+          <a:bodyPr wrap="square" rtlCol="0">
+            <a:spAutoFit/>
+          </a:bodyPr>
+          <a:lstStyle/>
+          <a:p>
+            <a:r>
+              <a:rPr lang="en-US" sz="1600" dirty="0" smtClean="0">
+                <a:latin typeface="Century Schoolbook" pitchFamily="18" charset="0"/>
+              </a:rPr>
+              <a:t>10 </a:t>
+            </a:r>
+            <a:r>
+              <a:rPr lang="en-US" sz="1600" dirty="0" err="1" smtClean="0">
+                <a:latin typeface="Century Schoolbook" pitchFamily="18" charset="0"/>
+              </a:rPr>
+              <a:t>imagens</a:t>
+            </a:r>
+            <a:endParaRPr lang="en-US" sz="1600" dirty="0">
+              <a:latin typeface="Century Schoolbook" pitchFamily="18" charset="0"/>
+            </a:endParaRPr>
+          </a:p>
+        </p:txBody>
+      </p:sp>
+      <p:sp>
+        <p:nvSpPr>
+          <p:cNvPr id="11" name="CaixaDeTexto 10"/>
           <p:cNvSpPr txBox="1"/>
           <p:nvPr/>
         </p:nvSpPr>
         <p:spPr>
           <a:xfrm>
-            <a:off x="1908000" y="6470280"/>
-            <a:ext cx="684000" cy="318960"/>
+            <a:off x="1619672" y="5754742"/>
+            <a:ext cx="1224136" cy="338554"/>
           </a:xfrm>
           <a:prstGeom prst="rect">
             <a:avLst/>
           </a:prstGeom>
           <a:noFill/>
-          <a:ln>
-            <a:noFill/>
-          </a:ln>
-        </p:spPr>
-        <p:txBody>
-          <a:bodyPr lIns="90000" tIns="45000" rIns="90000" bIns="45000"/>
-          <a:lstStyle/>
-          <a:p>
-            <a:r>
-              <a:rPr lang="pt-BR" sz="1600" strike="noStrike" spc="-1">
-                <a:solidFill>
-                  <a:srgbClr val="000000"/>
-                </a:solidFill>
-                <a:uFill>
-                  <a:solidFill>
-                    <a:srgbClr val="FFFFFF"/>
-                  </a:solidFill>
-                </a:uFill>
-                <a:latin typeface="Arial"/>
-              </a:rPr>
-              <a:t>6 bits</a:t>
-            </a:r>
-          </a:p>
-        </p:txBody>
-      </p:sp>
-      <p:sp>
-        <p:nvSpPr>
-          <p:cNvPr id="215" name="TextShape 5"/>
-          <p:cNvSpPr txBox="1"/>
-          <p:nvPr/>
-        </p:nvSpPr>
-        <p:spPr>
-          <a:xfrm>
-            <a:off x="5832000" y="6470280"/>
-            <a:ext cx="684000" cy="318960"/>
-          </a:xfrm>
-          <a:prstGeom prst="rect">
-            <a:avLst/>
-          </a:prstGeom>
-          <a:noFill/>
-          <a:ln>
-            <a:noFill/>
-          </a:ln>
-        </p:spPr>
-        <p:txBody>
-          <a:bodyPr lIns="90000" tIns="45000" rIns="90000" bIns="45000"/>
-          <a:lstStyle/>
-          <a:p>
-            <a:r>
-              <a:rPr lang="pt-BR" sz="1600" strike="noStrike" spc="-1">
-                <a:solidFill>
-                  <a:srgbClr val="000000"/>
-                </a:solidFill>
-                <a:uFill>
-                  <a:solidFill>
-                    <a:srgbClr val="FFFFFF"/>
-                  </a:solidFill>
-                </a:uFill>
-                <a:latin typeface="Arial"/>
-              </a:rPr>
-              <a:t>5 bits</a:t>
-            </a:r>
+        </p:spPr>
+        <p:txBody>
+          <a:bodyPr wrap="square" rtlCol="0">
+            <a:spAutoFit/>
+          </a:bodyPr>
+          <a:lstStyle/>
+          <a:p>
+            <a:r>
+              <a:rPr lang="en-US" sz="1600" dirty="0" smtClean="0">
+                <a:latin typeface="Century Schoolbook" pitchFamily="18" charset="0"/>
+              </a:rPr>
+              <a:t>5 </a:t>
+            </a:r>
+            <a:r>
+              <a:rPr lang="en-US" sz="1600" dirty="0" err="1" smtClean="0">
+                <a:latin typeface="Century Schoolbook" pitchFamily="18" charset="0"/>
+              </a:rPr>
+              <a:t>imagens</a:t>
+            </a:r>
+            <a:endParaRPr lang="en-US" sz="1600" dirty="0">
+              <a:latin typeface="Century Schoolbook" pitchFamily="18" charset="0"/>
+            </a:endParaRPr>
           </a:p>
         </p:txBody>
       </p:sp>
@@ -8305,8 +8850,8 @@
         </p:nvSpPr>
         <p:spPr>
           <a:xfrm>
-            <a:off x="457200" y="274680"/>
-            <a:ext cx="7467120" cy="1142640"/>
+            <a:off x="395536" y="116632"/>
+            <a:ext cx="7776864" cy="1142640"/>
           </a:xfrm>
           <a:prstGeom prst="rect">
             <a:avLst/>
@@ -8332,7 +8877,7 @@
                 </a:uFill>
                 <a:latin typeface="Century Schoolbook"/>
               </a:rPr>
-              <a:t>CONCLUSÃO</a:t>
+              <a:t>RESULTADO</a:t>
             </a:r>
             <a:r>
               <a:rPr lang="pt-BR" sz="3000" strike="noStrike" spc="-1" dirty="0" smtClean="0">
@@ -8346,81 +8891,207 @@
                 </a:uFill>
                 <a:latin typeface="Century Schoolbook"/>
               </a:rPr>
-              <a:t>: </a:t>
-            </a:r>
-            <a:r>
-              <a:rPr lang="pt-BR" sz="3000" strike="noStrike" spc="-1" dirty="0" smtClean="0">
-                <a:solidFill>
-                  <a:srgbClr val="000000"/>
-                </a:solidFill>
-                <a:uFill>
-                  <a:solidFill>
-                    <a:srgbClr val="FFFFFF"/>
-                  </a:solidFill>
-                </a:uFill>
-                <a:latin typeface="Century Schoolbook"/>
-              </a:rPr>
-              <a:t>FILTRO DA MÉDIA</a:t>
-            </a:r>
-            <a:endParaRPr lang="pt-BR" sz="3000" strike="noStrike" spc="-1" dirty="0" smtClean="0">
-              <a:solidFill>
-                <a:srgbClr val="000000"/>
-              </a:solidFill>
-              <a:uFill>
-                <a:solidFill>
-                  <a:srgbClr val="FFFFFF"/>
-                </a:solidFill>
-              </a:uFill>
-              <a:latin typeface="Century Schoolbook"/>
-            </a:endParaRPr>
-          </a:p>
-        </p:txBody>
-      </p:sp>
-      <p:sp>
-        <p:nvSpPr>
-          <p:cNvPr id="160" name="TextShape 2"/>
+              <a:t>: MÉDIA DAS IMAGENS</a:t>
+            </a:r>
+          </a:p>
+        </p:txBody>
+      </p:sp>
+      <p:sp>
+        <p:nvSpPr>
+          <p:cNvPr id="7" name="CaixaDeTexto 6"/>
           <p:cNvSpPr txBox="1"/>
           <p:nvPr/>
         </p:nvSpPr>
         <p:spPr>
           <a:xfrm>
-            <a:off x="395536" y="1412776"/>
-            <a:ext cx="7467120" cy="4873320"/>
+            <a:off x="323528" y="1290246"/>
+            <a:ext cx="4392488" cy="338554"/>
           </a:xfrm>
           <a:prstGeom prst="rect">
             <a:avLst/>
           </a:prstGeom>
           <a:noFill/>
-          <a:ln>
-            <a:noFill/>
-          </a:ln>
-        </p:spPr>
-        <p:txBody>
-          <a:bodyPr lIns="0" tIns="0" rIns="0" bIns="0"/>
-          <a:lstStyle/>
-          <a:p>
-            <a:pPr marL="432000" indent="-324000" algn="just">
-              <a:buClr>
-                <a:srgbClr val="000000"/>
-              </a:buClr>
-              <a:buSzPct val="45000"/>
-              <a:buFont typeface="Wingdings" charset="2"/>
-              <a:buChar char=""/>
-            </a:pPr>
-            <a:endParaRPr lang="pt-BR" sz="2300" strike="noStrike" spc="-1" dirty="0">
-              <a:solidFill>
-                <a:srgbClr val="000000"/>
-              </a:solidFill>
-              <a:uFill>
-                <a:solidFill>
-                  <a:srgbClr val="FFFFFF"/>
-                </a:solidFill>
-              </a:uFill>
-              <a:latin typeface="Century Schoolbook"/>
-            </a:endParaRPr>
-          </a:p>
-        </p:txBody>
-      </p:sp>
+        </p:spPr>
+        <p:txBody>
+          <a:bodyPr wrap="square" rtlCol="0">
+            <a:spAutoFit/>
+          </a:bodyPr>
+          <a:lstStyle/>
+          <a:p>
+            <a:r>
+              <a:rPr lang="en-US" sz="1600" dirty="0" smtClean="0">
+                <a:latin typeface="Century Schoolbook" pitchFamily="18" charset="0"/>
+              </a:rPr>
+              <a:t>MSE = 6.41, PSNR = 37.03, SSIM = 0.979</a:t>
+            </a:r>
+            <a:endParaRPr lang="en-US" sz="1600" dirty="0">
+              <a:latin typeface="Century Schoolbook" pitchFamily="18" charset="0"/>
+            </a:endParaRPr>
+          </a:p>
+        </p:txBody>
+      </p:sp>
+      <p:sp>
+        <p:nvSpPr>
+          <p:cNvPr id="9" name="CaixaDeTexto 8"/>
+          <p:cNvSpPr txBox="1"/>
+          <p:nvPr/>
+        </p:nvSpPr>
+        <p:spPr>
+          <a:xfrm>
+            <a:off x="4572000" y="1268760"/>
+            <a:ext cx="4392488" cy="338554"/>
+          </a:xfrm>
+          <a:prstGeom prst="rect">
+            <a:avLst/>
+          </a:prstGeom>
+          <a:noFill/>
+        </p:spPr>
+        <p:txBody>
+          <a:bodyPr wrap="square" rtlCol="0">
+            <a:spAutoFit/>
+          </a:bodyPr>
+          <a:lstStyle/>
+          <a:p>
+            <a:r>
+              <a:rPr lang="en-US" sz="1600" dirty="0" smtClean="0">
+                <a:latin typeface="Century Schoolbook" pitchFamily="18" charset="0"/>
+              </a:rPr>
+              <a:t>MSE = 28.97, PSNR = 40.00, SSIM = 0.989</a:t>
+            </a:r>
+            <a:endParaRPr lang="en-US" sz="1600" dirty="0">
+              <a:latin typeface="Century Schoolbook" pitchFamily="18" charset="0"/>
+            </a:endParaRPr>
+          </a:p>
+        </p:txBody>
+      </p:sp>
+      <p:sp>
+        <p:nvSpPr>
+          <p:cNvPr id="10" name="CaixaDeTexto 9"/>
+          <p:cNvSpPr txBox="1"/>
+          <p:nvPr/>
+        </p:nvSpPr>
+        <p:spPr>
+          <a:xfrm>
+            <a:off x="6012160" y="5754742"/>
+            <a:ext cx="1512168" cy="338554"/>
+          </a:xfrm>
+          <a:prstGeom prst="rect">
+            <a:avLst/>
+          </a:prstGeom>
+          <a:noFill/>
+        </p:spPr>
+        <p:txBody>
+          <a:bodyPr wrap="square" rtlCol="0">
+            <a:spAutoFit/>
+          </a:bodyPr>
+          <a:lstStyle/>
+          <a:p>
+            <a:r>
+              <a:rPr lang="en-US" sz="1600" dirty="0" smtClean="0">
+                <a:latin typeface="Century Schoolbook" pitchFamily="18" charset="0"/>
+              </a:rPr>
+              <a:t>100 </a:t>
+            </a:r>
+            <a:r>
+              <a:rPr lang="en-US" sz="1600" dirty="0" err="1" smtClean="0">
+                <a:latin typeface="Century Schoolbook" pitchFamily="18" charset="0"/>
+              </a:rPr>
+              <a:t>imagens</a:t>
+            </a:r>
+            <a:endParaRPr lang="en-US" sz="1600" dirty="0">
+              <a:latin typeface="Century Schoolbook" pitchFamily="18" charset="0"/>
+            </a:endParaRPr>
+          </a:p>
+        </p:txBody>
+      </p:sp>
+      <p:sp>
+        <p:nvSpPr>
+          <p:cNvPr id="11" name="CaixaDeTexto 10"/>
+          <p:cNvSpPr txBox="1"/>
+          <p:nvPr/>
+        </p:nvSpPr>
+        <p:spPr>
+          <a:xfrm>
+            <a:off x="1619672" y="5754742"/>
+            <a:ext cx="1368152" cy="338554"/>
+          </a:xfrm>
+          <a:prstGeom prst="rect">
+            <a:avLst/>
+          </a:prstGeom>
+          <a:noFill/>
+        </p:spPr>
+        <p:txBody>
+          <a:bodyPr wrap="square" rtlCol="0">
+            <a:spAutoFit/>
+          </a:bodyPr>
+          <a:lstStyle/>
+          <a:p>
+            <a:r>
+              <a:rPr lang="en-US" sz="1600" dirty="0" smtClean="0">
+                <a:latin typeface="Century Schoolbook" pitchFamily="18" charset="0"/>
+              </a:rPr>
+              <a:t>50 </a:t>
+            </a:r>
+            <a:r>
+              <a:rPr lang="en-US" sz="1600" dirty="0" err="1" smtClean="0">
+                <a:latin typeface="Century Schoolbook" pitchFamily="18" charset="0"/>
+              </a:rPr>
+              <a:t>imagens</a:t>
+            </a:r>
+            <a:endParaRPr lang="en-US" sz="1600" dirty="0">
+              <a:latin typeface="Century Schoolbook" pitchFamily="18" charset="0"/>
+            </a:endParaRPr>
+          </a:p>
+        </p:txBody>
+      </p:sp>
+      <p:pic>
+        <p:nvPicPr>
+          <p:cNvPr id="12" name="Imagem 11" descr="lena50.png"/>
+          <p:cNvPicPr>
+            <a:picLocks noChangeAspect="1"/>
+          </p:cNvPicPr>
+          <p:nvPr/>
+        </p:nvPicPr>
+        <p:blipFill>
+          <a:blip r:embed="rId2" cstate="print"/>
+          <a:stretch>
+            <a:fillRect/>
+          </a:stretch>
+        </p:blipFill>
+        <p:spPr>
+          <a:xfrm>
+            <a:off x="395536" y="1700808"/>
+            <a:ext cx="3909600" cy="3909600"/>
+          </a:xfrm>
+          <a:prstGeom prst="rect">
+            <a:avLst/>
+          </a:prstGeom>
+        </p:spPr>
+      </p:pic>
+      <p:pic>
+        <p:nvPicPr>
+          <p:cNvPr id="13" name="Imagem 12" descr="lena100.png"/>
+          <p:cNvPicPr>
+            <a:picLocks noChangeAspect="1"/>
+          </p:cNvPicPr>
+          <p:nvPr/>
+        </p:nvPicPr>
+        <p:blipFill>
+          <a:blip r:embed="rId3" cstate="print"/>
+          <a:stretch>
+            <a:fillRect/>
+          </a:stretch>
+        </p:blipFill>
+        <p:spPr>
+          <a:xfrm>
+            <a:off x="4622840" y="1700808"/>
+            <a:ext cx="3909600" cy="3909600"/>
+          </a:xfrm>
+          <a:prstGeom prst="rect">
+            <a:avLst/>
+          </a:prstGeom>
+        </p:spPr>
+      </p:pic>
     </p:spTree>
   </p:cSld>
   <p:clrMapOvr>
@@ -8481,8 +9152,8 @@
         </p:nvSpPr>
         <p:spPr>
           <a:xfrm>
-            <a:off x="755576" y="2708920"/>
-            <a:ext cx="7467120" cy="1142640"/>
+            <a:off x="395536" y="116632"/>
+            <a:ext cx="7776864" cy="1142640"/>
           </a:xfrm>
           <a:prstGeom prst="rect">
             <a:avLst/>
@@ -8496,7 +9167,20 @@
           <a:bodyPr lIns="0" tIns="0" rIns="0" bIns="0" anchor="ctr"/>
           <a:lstStyle/>
           <a:p>
-            <a:pPr algn="ctr"/>
+            <a:r>
+              <a:rPr lang="pt-BR" sz="3000" b="1" strike="noStrike" spc="-1" dirty="0" smtClean="0">
+                <a:solidFill>
+                  <a:srgbClr val="000000"/>
+                </a:solidFill>
+                <a:uFill>
+                  <a:solidFill>
+                    <a:srgbClr val="FFFFFF"/>
+                  </a:solidFill>
+                </a:uFill>
+                <a:latin typeface="Century Schoolbook"/>
+              </a:rPr>
+              <a:t>RESULTADO</a:t>
+            </a:r>
             <a:r>
               <a:rPr lang="pt-BR" sz="3000" strike="noStrike" spc="-1" dirty="0" smtClean="0">
                 <a:solidFill>
@@ -8509,12 +9193,841 @@
                 </a:uFill>
                 <a:latin typeface="Century Schoolbook"/>
               </a:rPr>
-              <a:t>FIM!</a:t>
-            </a:r>
-          </a:p>
-          <a:p>
-            <a:pPr algn="ctr"/>
-            <a:endParaRPr lang="pt-BR" sz="3000" spc="-1" dirty="0">
+              <a:t>: MÉDIA DAS IMAGENS</a:t>
+            </a:r>
+          </a:p>
+        </p:txBody>
+      </p:sp>
+      <p:graphicFrame>
+        <p:nvGraphicFramePr>
+          <p:cNvPr id="14" name="Gráfico 13"/>
+          <p:cNvGraphicFramePr/>
+          <p:nvPr/>
+        </p:nvGraphicFramePr>
+        <p:xfrm>
+          <a:off x="2483768" y="1124744"/>
+          <a:ext cx="4572000" cy="2743200"/>
+        </p:xfrm>
+        <a:graphic>
+          <a:graphicData uri="http://schemas.openxmlformats.org/drawingml/2006/chart">
+            <c:chart xmlns:c="http://schemas.openxmlformats.org/drawingml/2006/chart" xmlns:r="http://schemas.openxmlformats.org/officeDocument/2006/relationships" r:id="rId2"/>
+          </a:graphicData>
+        </a:graphic>
+      </p:graphicFrame>
+      <p:graphicFrame>
+        <p:nvGraphicFramePr>
+          <p:cNvPr id="15" name="Gráfico 14"/>
+          <p:cNvGraphicFramePr/>
+          <p:nvPr/>
+        </p:nvGraphicFramePr>
+        <p:xfrm>
+          <a:off x="2411760" y="3933056"/>
+          <a:ext cx="4572000" cy="2743200"/>
+        </p:xfrm>
+        <a:graphic>
+          <a:graphicData uri="http://schemas.openxmlformats.org/drawingml/2006/chart">
+            <c:chart xmlns:c="http://schemas.openxmlformats.org/drawingml/2006/chart" xmlns:r="http://schemas.openxmlformats.org/officeDocument/2006/relationships" r:id="rId3"/>
+          </a:graphicData>
+        </a:graphic>
+      </p:graphicFrame>
+    </p:spTree>
+  </p:cSld>
+  <p:clrMapOvr>
+    <a:masterClrMapping/>
+  </p:clrMapOvr>
+  <p:timing>
+    <p:tnLst>
+      <p:par>
+        <p:cTn id="1" dur="indefinite" restart="never" nodeType="tmRoot">
+          <p:childTnLst>
+            <p:seq>
+              <p:cTn id="2" nodeType="mainSeq"/>
+              <p:prevCondLst>
+                <p:cond evt="onPrev" delay="0">
+                  <p:tgtEl>
+                    <p:sldTgt/>
+                  </p:tgtEl>
+                </p:cond>
+              </p:prevCondLst>
+              <p:nextCondLst>
+                <p:cond evt="onNext" delay="0">
+                  <p:tgtEl>
+                    <p:sldTgt/>
+                  </p:tgtEl>
+                </p:cond>
+              </p:nextCondLst>
+            </p:seq>
+          </p:childTnLst>
+        </p:cTn>
+      </p:par>
+    </p:tnLst>
+  </p:timing>
+</p:sld>
+</file>
+
+<file path=ppt/slides/slide13.xml><?xml version="1.0" encoding="utf-8"?>
+<p:sld xmlns:a="http://schemas.openxmlformats.org/drawingml/2006/main" xmlns:r="http://schemas.openxmlformats.org/officeDocument/2006/relationships" xmlns:p="http://schemas.openxmlformats.org/presentationml/2006/main">
+  <p:cSld>
+    <p:spTree>
+      <p:nvGrpSpPr>
+        <p:cNvPr id="1" name=""/>
+        <p:cNvGrpSpPr/>
+        <p:nvPr/>
+      </p:nvGrpSpPr>
+      <p:grpSpPr>
+        <a:xfrm>
+          <a:off x="0" y="0"/>
+          <a:ext cx="0" cy="0"/>
+          <a:chOff x="0" y="0"/>
+          <a:chExt cx="0" cy="0"/>
+        </a:xfrm>
+      </p:grpSpPr>
+      <p:sp>
+        <p:nvSpPr>
+          <p:cNvPr id="2" name="Título 1"/>
+          <p:cNvSpPr>
+            <a:spLocks noGrp="1"/>
+          </p:cNvSpPr>
+          <p:nvPr>
+            <p:ph type="title"/>
+          </p:nvPr>
+        </p:nvSpPr>
+        <p:spPr/>
+        <p:txBody>
+          <a:bodyPr/>
+          <a:lstStyle/>
+          <a:p>
+            <a:r>
+              <a:rPr lang="pt-BR" sz="3000" b="1" strike="noStrike" spc="-1" dirty="0" smtClean="0">
+                <a:solidFill>
+                  <a:srgbClr val="000000"/>
+                </a:solidFill>
+                <a:uFill>
+                  <a:solidFill>
+                    <a:srgbClr val="FFFFFF"/>
+                  </a:solidFill>
+                </a:uFill>
+                <a:latin typeface="Century Schoolbook"/>
+              </a:rPr>
+              <a:t>CONCLUSÃO</a:t>
+            </a:r>
+            <a:r>
+              <a:rPr lang="pt-BR" sz="3000" strike="noStrike" spc="-1" dirty="0" smtClean="0">
+                <a:solidFill>
+                  <a:srgbClr val="000000"/>
+                </a:solidFill>
+                <a:uFill>
+                  <a:solidFill>
+                    <a:srgbClr val="FFFFFF"/>
+                  </a:solidFill>
+                </a:uFill>
+                <a:latin typeface="Century Schoolbook"/>
+              </a:rPr>
+              <a:t>: MÉDIA</a:t>
+            </a:r>
+            <a:r>
+              <a:rPr lang="pt-BR" sz="3000" spc="-1" dirty="0">
+                <a:solidFill>
+                  <a:srgbClr val="000000"/>
+                </a:solidFill>
+                <a:uFill>
+                  <a:solidFill>
+                    <a:srgbClr val="FFFFFF"/>
+                  </a:solidFill>
+                </a:uFill>
+                <a:latin typeface="Century Schoolbook"/>
+              </a:rPr>
+              <a:t> </a:t>
+            </a:r>
+            <a:r>
+              <a:rPr lang="pt-BR" sz="3000" strike="noStrike" spc="-1" dirty="0" smtClean="0">
+                <a:solidFill>
+                  <a:srgbClr val="000000"/>
+                </a:solidFill>
+                <a:uFill>
+                  <a:solidFill>
+                    <a:srgbClr val="FFFFFF"/>
+                  </a:solidFill>
+                </a:uFill>
+                <a:latin typeface="Century Schoolbook"/>
+              </a:rPr>
+              <a:t>DAS IMAGENS</a:t>
+            </a:r>
+            <a:r>
+              <a:rPr lang="pt-BR" strike="noStrike" spc="-1" dirty="0" smtClean="0">
+                <a:solidFill>
+                  <a:srgbClr val="000000"/>
+                </a:solidFill>
+                <a:uFill>
+                  <a:solidFill>
+                    <a:srgbClr val="FFFFFF"/>
+                  </a:solidFill>
+                </a:uFill>
+                <a:latin typeface="Century Schoolbook"/>
+              </a:rPr>
+              <a:t/>
+            </a:r>
+            <a:br>
+              <a:rPr lang="pt-BR" strike="noStrike" spc="-1" dirty="0" smtClean="0">
+                <a:solidFill>
+                  <a:srgbClr val="000000"/>
+                </a:solidFill>
+                <a:uFill>
+                  <a:solidFill>
+                    <a:srgbClr val="FFFFFF"/>
+                  </a:solidFill>
+                </a:uFill>
+                <a:latin typeface="Century Schoolbook"/>
+              </a:rPr>
+            </a:br>
+            <a:endParaRPr lang="en-US" dirty="0"/>
+          </a:p>
+        </p:txBody>
+      </p:sp>
+      <p:sp>
+        <p:nvSpPr>
+          <p:cNvPr id="3" name="TextShape 2"/>
+          <p:cNvSpPr txBox="1"/>
+          <p:nvPr/>
+        </p:nvSpPr>
+        <p:spPr>
+          <a:xfrm>
+            <a:off x="457200" y="1600200"/>
+            <a:ext cx="7499176" cy="4133056"/>
+          </a:xfrm>
+          <a:prstGeom prst="rect">
+            <a:avLst/>
+          </a:prstGeom>
+          <a:noFill/>
+          <a:ln>
+            <a:noFill/>
+          </a:ln>
+        </p:spPr>
+        <p:txBody>
+          <a:bodyPr lIns="0" tIns="0" rIns="0" bIns="0"/>
+          <a:lstStyle/>
+          <a:p>
+            <a:pPr marL="432000" indent="-324000" algn="just">
+              <a:buClr>
+                <a:srgbClr val="000000"/>
+              </a:buClr>
+              <a:buSzPct val="45000"/>
+              <a:buFont typeface="Wingdings" charset="2"/>
+              <a:buChar char=""/>
+            </a:pPr>
+            <a:r>
+              <a:rPr lang="pt-BR" sz="2400" strike="noStrike" spc="-1" dirty="0" smtClean="0">
+                <a:solidFill>
+                  <a:srgbClr val="000000"/>
+                </a:solidFill>
+                <a:uFill>
+                  <a:solidFill>
+                    <a:srgbClr val="FFFFFF"/>
+                  </a:solidFill>
+                </a:uFill>
+                <a:latin typeface="Century Schoolbook"/>
+              </a:rPr>
+              <a:t>Notamos que quanto mais imagens usamos para fazer a m</a:t>
+            </a:r>
+            <a:r>
+              <a:rPr lang="en-US" sz="2400" strike="noStrike" spc="-1" dirty="0" err="1" smtClean="0">
+                <a:solidFill>
+                  <a:srgbClr val="000000"/>
+                </a:solidFill>
+                <a:uFill>
+                  <a:solidFill>
+                    <a:srgbClr val="FFFFFF"/>
+                  </a:solidFill>
+                </a:uFill>
+                <a:latin typeface="Century Schoolbook"/>
+              </a:rPr>
+              <a:t>édia</a:t>
+            </a:r>
+            <a:r>
+              <a:rPr lang="en-US" sz="2400" strike="noStrike" spc="-1" dirty="0" smtClean="0">
+                <a:solidFill>
+                  <a:srgbClr val="000000"/>
+                </a:solidFill>
+                <a:uFill>
+                  <a:solidFill>
+                    <a:srgbClr val="FFFFFF"/>
+                  </a:solidFill>
+                </a:uFill>
+                <a:latin typeface="Century Schoolbook"/>
+              </a:rPr>
+              <a:t>, </a:t>
+            </a:r>
+            <a:r>
+              <a:rPr lang="en-US" sz="2400" strike="noStrike" spc="-1" dirty="0" err="1" smtClean="0">
+                <a:solidFill>
+                  <a:srgbClr val="000000"/>
+                </a:solidFill>
+                <a:uFill>
+                  <a:solidFill>
+                    <a:srgbClr val="FFFFFF"/>
+                  </a:solidFill>
+                </a:uFill>
+                <a:latin typeface="Century Schoolbook"/>
+              </a:rPr>
+              <a:t>melhores</a:t>
+            </a:r>
+            <a:r>
+              <a:rPr lang="en-US" sz="2400" strike="noStrike" spc="-1" dirty="0" smtClean="0">
+                <a:solidFill>
+                  <a:srgbClr val="000000"/>
+                </a:solidFill>
+                <a:uFill>
+                  <a:solidFill>
+                    <a:srgbClr val="FFFFFF"/>
+                  </a:solidFill>
+                </a:uFill>
+                <a:latin typeface="Century Schoolbook"/>
+              </a:rPr>
+              <a:t> </a:t>
+            </a:r>
+            <a:r>
+              <a:rPr lang="en-US" sz="2400" strike="noStrike" spc="-1" dirty="0" err="1" smtClean="0">
+                <a:solidFill>
+                  <a:srgbClr val="000000"/>
+                </a:solidFill>
+                <a:uFill>
+                  <a:solidFill>
+                    <a:srgbClr val="FFFFFF"/>
+                  </a:solidFill>
+                </a:uFill>
+                <a:latin typeface="Century Schoolbook"/>
+              </a:rPr>
+              <a:t>são</a:t>
+            </a:r>
+            <a:r>
+              <a:rPr lang="en-US" sz="2400" strike="noStrike" spc="-1" dirty="0" smtClean="0">
+                <a:solidFill>
+                  <a:srgbClr val="000000"/>
+                </a:solidFill>
+                <a:uFill>
+                  <a:solidFill>
+                    <a:srgbClr val="FFFFFF"/>
+                  </a:solidFill>
+                </a:uFill>
+                <a:latin typeface="Century Schoolbook"/>
+              </a:rPr>
+              <a:t> </a:t>
+            </a:r>
+            <a:r>
+              <a:rPr lang="en-US" sz="2400" strike="noStrike" spc="-1" dirty="0" err="1" smtClean="0">
+                <a:solidFill>
+                  <a:srgbClr val="000000"/>
+                </a:solidFill>
+                <a:uFill>
+                  <a:solidFill>
+                    <a:srgbClr val="FFFFFF"/>
+                  </a:solidFill>
+                </a:uFill>
+                <a:latin typeface="Century Schoolbook"/>
+              </a:rPr>
+              <a:t>os</a:t>
+            </a:r>
+            <a:r>
+              <a:rPr lang="en-US" sz="2400" strike="noStrike" spc="-1" dirty="0" smtClean="0">
+                <a:solidFill>
+                  <a:srgbClr val="000000"/>
+                </a:solidFill>
+                <a:uFill>
+                  <a:solidFill>
+                    <a:srgbClr val="FFFFFF"/>
+                  </a:solidFill>
+                </a:uFill>
+                <a:latin typeface="Century Schoolbook"/>
+              </a:rPr>
+              <a:t> </a:t>
+            </a:r>
+            <a:r>
+              <a:rPr lang="en-US" sz="2400" strike="noStrike" spc="-1" dirty="0" err="1" smtClean="0">
+                <a:solidFill>
+                  <a:srgbClr val="000000"/>
+                </a:solidFill>
+                <a:uFill>
+                  <a:solidFill>
+                    <a:srgbClr val="FFFFFF"/>
+                  </a:solidFill>
+                </a:uFill>
+                <a:latin typeface="Century Schoolbook"/>
+              </a:rPr>
+              <a:t>indicadores</a:t>
+            </a:r>
+            <a:r>
+              <a:rPr lang="en-US" sz="2400" strike="noStrike" spc="-1" dirty="0" smtClean="0">
+                <a:solidFill>
+                  <a:srgbClr val="000000"/>
+                </a:solidFill>
+                <a:uFill>
+                  <a:solidFill>
+                    <a:srgbClr val="FFFFFF"/>
+                  </a:solidFill>
+                </a:uFill>
+                <a:latin typeface="Century Schoolbook"/>
+              </a:rPr>
+              <a:t> de </a:t>
+            </a:r>
+            <a:r>
+              <a:rPr lang="en-US" sz="2400" strike="noStrike" spc="-1" dirty="0" err="1" smtClean="0">
+                <a:solidFill>
+                  <a:srgbClr val="000000"/>
+                </a:solidFill>
+                <a:uFill>
+                  <a:solidFill>
+                    <a:srgbClr val="FFFFFF"/>
+                  </a:solidFill>
+                </a:uFill>
+                <a:latin typeface="Century Schoolbook"/>
+              </a:rPr>
+              <a:t>qualidade</a:t>
+            </a:r>
+            <a:r>
+              <a:rPr lang="en-US" sz="2400" strike="noStrike" spc="-1" dirty="0" smtClean="0">
+                <a:solidFill>
+                  <a:srgbClr val="000000"/>
+                </a:solidFill>
+                <a:uFill>
+                  <a:solidFill>
+                    <a:srgbClr val="FFFFFF"/>
+                  </a:solidFill>
+                </a:uFill>
+                <a:latin typeface="Century Schoolbook"/>
+              </a:rPr>
+              <a:t> </a:t>
+            </a:r>
+            <a:r>
+              <a:rPr lang="en-US" sz="2400" strike="noStrike" spc="-1" dirty="0" err="1" smtClean="0">
+                <a:solidFill>
+                  <a:srgbClr val="000000"/>
+                </a:solidFill>
+                <a:uFill>
+                  <a:solidFill>
+                    <a:srgbClr val="FFFFFF"/>
+                  </a:solidFill>
+                </a:uFill>
+                <a:latin typeface="Century Schoolbook"/>
+              </a:rPr>
+              <a:t>da</a:t>
+            </a:r>
+            <a:r>
+              <a:rPr lang="en-US" sz="2400" strike="noStrike" spc="-1" dirty="0" smtClean="0">
+                <a:solidFill>
+                  <a:srgbClr val="000000"/>
+                </a:solidFill>
+                <a:uFill>
+                  <a:solidFill>
+                    <a:srgbClr val="FFFFFF"/>
+                  </a:solidFill>
+                </a:uFill>
+                <a:latin typeface="Century Schoolbook"/>
+              </a:rPr>
+              <a:t> </a:t>
+            </a:r>
+            <a:r>
+              <a:rPr lang="en-US" sz="2400" strike="noStrike" spc="-1" dirty="0" err="1" smtClean="0">
+                <a:solidFill>
+                  <a:srgbClr val="000000"/>
+                </a:solidFill>
+                <a:uFill>
+                  <a:solidFill>
+                    <a:srgbClr val="FFFFFF"/>
+                  </a:solidFill>
+                </a:uFill>
+                <a:latin typeface="Century Schoolbook"/>
+              </a:rPr>
+              <a:t>imagem</a:t>
+            </a:r>
+            <a:r>
+              <a:rPr lang="en-US" sz="2400" strike="noStrike" spc="-1" dirty="0" smtClean="0">
+                <a:solidFill>
+                  <a:srgbClr val="000000"/>
+                </a:solidFill>
+                <a:uFill>
+                  <a:solidFill>
+                    <a:srgbClr val="FFFFFF"/>
+                  </a:solidFill>
+                </a:uFill>
+                <a:latin typeface="Century Schoolbook"/>
+              </a:rPr>
+              <a:t>. </a:t>
+            </a:r>
+            <a:r>
+              <a:rPr lang="en-US" sz="2400" strike="noStrike" spc="-1" dirty="0" err="1" smtClean="0">
+                <a:solidFill>
+                  <a:srgbClr val="000000"/>
+                </a:solidFill>
+                <a:uFill>
+                  <a:solidFill>
+                    <a:srgbClr val="FFFFFF"/>
+                  </a:solidFill>
+                </a:uFill>
+                <a:latin typeface="Century Schoolbook"/>
+              </a:rPr>
+              <a:t>Visualmente</a:t>
+            </a:r>
+            <a:r>
+              <a:rPr lang="en-US" sz="2400" strike="noStrike" spc="-1" dirty="0" smtClean="0">
+                <a:solidFill>
+                  <a:srgbClr val="000000"/>
+                </a:solidFill>
+                <a:uFill>
+                  <a:solidFill>
+                    <a:srgbClr val="FFFFFF"/>
+                  </a:solidFill>
+                </a:uFill>
+                <a:latin typeface="Century Schoolbook"/>
+              </a:rPr>
+              <a:t>, </a:t>
+            </a:r>
+            <a:r>
+              <a:rPr lang="en-US" sz="2400" strike="noStrike" spc="-1" dirty="0" err="1" smtClean="0">
+                <a:solidFill>
+                  <a:srgbClr val="000000"/>
+                </a:solidFill>
+                <a:uFill>
+                  <a:solidFill>
+                    <a:srgbClr val="FFFFFF"/>
+                  </a:solidFill>
+                </a:uFill>
+                <a:latin typeface="Century Schoolbook"/>
+              </a:rPr>
+              <a:t>essa</a:t>
+            </a:r>
+            <a:r>
+              <a:rPr lang="en-US" sz="2400" strike="noStrike" spc="-1" dirty="0" smtClean="0">
+                <a:solidFill>
+                  <a:srgbClr val="000000"/>
+                </a:solidFill>
+                <a:uFill>
+                  <a:solidFill>
+                    <a:srgbClr val="FFFFFF"/>
+                  </a:solidFill>
+                </a:uFill>
+                <a:latin typeface="Century Schoolbook"/>
+              </a:rPr>
+              <a:t> </a:t>
+            </a:r>
+            <a:r>
+              <a:rPr lang="en-US" sz="2400" strike="noStrike" spc="-1" dirty="0" err="1" smtClean="0">
+                <a:solidFill>
+                  <a:srgbClr val="000000"/>
+                </a:solidFill>
+                <a:uFill>
+                  <a:solidFill>
+                    <a:srgbClr val="FFFFFF"/>
+                  </a:solidFill>
+                </a:uFill>
+                <a:latin typeface="Century Schoolbook"/>
+              </a:rPr>
+              <a:t>melhoria</a:t>
+            </a:r>
+            <a:r>
+              <a:rPr lang="en-US" sz="2400" strike="noStrike" spc="-1" dirty="0" smtClean="0">
+                <a:solidFill>
+                  <a:srgbClr val="000000"/>
+                </a:solidFill>
+                <a:uFill>
+                  <a:solidFill>
+                    <a:srgbClr val="FFFFFF"/>
+                  </a:solidFill>
+                </a:uFill>
+                <a:latin typeface="Century Schoolbook"/>
+              </a:rPr>
+              <a:t> é </a:t>
+            </a:r>
+            <a:r>
+              <a:rPr lang="en-US" sz="2400" strike="noStrike" spc="-1" dirty="0" err="1" smtClean="0">
+                <a:solidFill>
+                  <a:srgbClr val="000000"/>
+                </a:solidFill>
+                <a:uFill>
+                  <a:solidFill>
+                    <a:srgbClr val="FFFFFF"/>
+                  </a:solidFill>
+                </a:uFill>
+                <a:latin typeface="Century Schoolbook"/>
+              </a:rPr>
+              <a:t>perceptível</a:t>
+            </a:r>
+            <a:r>
+              <a:rPr lang="en-US" sz="2400" strike="noStrike" spc="-1" dirty="0" smtClean="0">
+                <a:solidFill>
+                  <a:srgbClr val="000000"/>
+                </a:solidFill>
+                <a:uFill>
+                  <a:solidFill>
+                    <a:srgbClr val="FFFFFF"/>
+                  </a:solidFill>
+                </a:uFill>
+                <a:latin typeface="Century Schoolbook"/>
+              </a:rPr>
+              <a:t> </a:t>
+            </a:r>
+            <a:r>
+              <a:rPr lang="en-US" sz="2400" strike="noStrike" spc="-1" dirty="0" err="1" smtClean="0">
+                <a:solidFill>
+                  <a:srgbClr val="000000"/>
+                </a:solidFill>
+                <a:uFill>
+                  <a:solidFill>
+                    <a:srgbClr val="FFFFFF"/>
+                  </a:solidFill>
+                </a:uFill>
+                <a:latin typeface="Century Schoolbook"/>
+              </a:rPr>
+              <a:t>quando</a:t>
+            </a:r>
+            <a:r>
+              <a:rPr lang="en-US" sz="2400" strike="noStrike" spc="-1" dirty="0" smtClean="0">
+                <a:solidFill>
+                  <a:srgbClr val="000000"/>
+                </a:solidFill>
+                <a:uFill>
+                  <a:solidFill>
+                    <a:srgbClr val="FFFFFF"/>
+                  </a:solidFill>
+                </a:uFill>
+                <a:latin typeface="Century Schoolbook"/>
+              </a:rPr>
+              <a:t> </a:t>
+            </a:r>
+            <a:r>
+              <a:rPr lang="en-US" sz="2400" strike="noStrike" spc="-1" dirty="0" err="1" smtClean="0">
+                <a:solidFill>
+                  <a:srgbClr val="000000"/>
+                </a:solidFill>
+                <a:uFill>
+                  <a:solidFill>
+                    <a:srgbClr val="FFFFFF"/>
+                  </a:solidFill>
+                </a:uFill>
+                <a:latin typeface="Century Schoolbook"/>
+              </a:rPr>
+              <a:t>mudamos</a:t>
+            </a:r>
+            <a:r>
+              <a:rPr lang="en-US" sz="2400" strike="noStrike" spc="-1" dirty="0" smtClean="0">
+                <a:solidFill>
+                  <a:srgbClr val="000000"/>
+                </a:solidFill>
+                <a:uFill>
+                  <a:solidFill>
+                    <a:srgbClr val="FFFFFF"/>
+                  </a:solidFill>
+                </a:uFill>
+                <a:latin typeface="Century Schoolbook"/>
+              </a:rPr>
+              <a:t> de 5 </a:t>
+            </a:r>
+            <a:r>
+              <a:rPr lang="en-US" sz="2400" strike="noStrike" spc="-1" dirty="0" err="1" smtClean="0">
+                <a:solidFill>
+                  <a:srgbClr val="000000"/>
+                </a:solidFill>
+                <a:uFill>
+                  <a:solidFill>
+                    <a:srgbClr val="FFFFFF"/>
+                  </a:solidFill>
+                </a:uFill>
+                <a:latin typeface="Century Schoolbook"/>
+              </a:rPr>
+              <a:t>para</a:t>
+            </a:r>
+            <a:r>
+              <a:rPr lang="en-US" sz="2400" strike="noStrike" spc="-1" dirty="0" smtClean="0">
+                <a:solidFill>
+                  <a:srgbClr val="000000"/>
+                </a:solidFill>
+                <a:uFill>
+                  <a:solidFill>
+                    <a:srgbClr val="FFFFFF"/>
+                  </a:solidFill>
+                </a:uFill>
+                <a:latin typeface="Century Schoolbook"/>
+              </a:rPr>
+              <a:t> 10, </a:t>
+            </a:r>
+            <a:r>
+              <a:rPr lang="en-US" sz="2400" strike="noStrike" spc="-1" dirty="0" err="1" smtClean="0">
+                <a:solidFill>
+                  <a:srgbClr val="000000"/>
+                </a:solidFill>
+                <a:uFill>
+                  <a:solidFill>
+                    <a:srgbClr val="FFFFFF"/>
+                  </a:solidFill>
+                </a:uFill>
+                <a:latin typeface="Century Schoolbook"/>
+              </a:rPr>
+              <a:t>mas</a:t>
+            </a:r>
+            <a:r>
+              <a:rPr lang="en-US" sz="2400" strike="noStrike" spc="-1" dirty="0" smtClean="0">
+                <a:solidFill>
+                  <a:srgbClr val="000000"/>
+                </a:solidFill>
+                <a:uFill>
+                  <a:solidFill>
+                    <a:srgbClr val="FFFFFF"/>
+                  </a:solidFill>
+                </a:uFill>
+                <a:latin typeface="Century Schoolbook"/>
+              </a:rPr>
+              <a:t> de 50 </a:t>
+            </a:r>
+            <a:r>
+              <a:rPr lang="en-US" sz="2400" strike="noStrike" spc="-1" dirty="0" err="1" smtClean="0">
+                <a:solidFill>
+                  <a:srgbClr val="000000"/>
+                </a:solidFill>
+                <a:uFill>
+                  <a:solidFill>
+                    <a:srgbClr val="FFFFFF"/>
+                  </a:solidFill>
+                </a:uFill>
+                <a:latin typeface="Century Schoolbook"/>
+              </a:rPr>
+              <a:t>para</a:t>
+            </a:r>
+            <a:r>
+              <a:rPr lang="en-US" sz="2400" strike="noStrike" spc="-1" dirty="0" smtClean="0">
+                <a:solidFill>
+                  <a:srgbClr val="000000"/>
+                </a:solidFill>
+                <a:uFill>
+                  <a:solidFill>
+                    <a:srgbClr val="FFFFFF"/>
+                  </a:solidFill>
+                </a:uFill>
+                <a:latin typeface="Century Schoolbook"/>
+              </a:rPr>
+              <a:t> 100 a </a:t>
+            </a:r>
+            <a:r>
+              <a:rPr lang="en-US" sz="2400" strike="noStrike" spc="-1" dirty="0" err="1" smtClean="0">
+                <a:solidFill>
+                  <a:srgbClr val="000000"/>
+                </a:solidFill>
+                <a:uFill>
+                  <a:solidFill>
+                    <a:srgbClr val="FFFFFF"/>
+                  </a:solidFill>
+                </a:uFill>
+                <a:latin typeface="Century Schoolbook"/>
+              </a:rPr>
+              <a:t>melhoria</a:t>
+            </a:r>
+            <a:r>
+              <a:rPr lang="en-US" sz="2400" strike="noStrike" spc="-1" dirty="0" smtClean="0">
+                <a:solidFill>
+                  <a:srgbClr val="000000"/>
+                </a:solidFill>
+                <a:uFill>
+                  <a:solidFill>
+                    <a:srgbClr val="FFFFFF"/>
+                  </a:solidFill>
+                </a:uFill>
+                <a:latin typeface="Century Schoolbook"/>
+              </a:rPr>
+              <a:t> é </a:t>
+            </a:r>
+            <a:r>
+              <a:rPr lang="en-US" sz="2400" strike="noStrike" spc="-1" dirty="0" err="1" smtClean="0">
+                <a:solidFill>
+                  <a:srgbClr val="000000"/>
+                </a:solidFill>
+                <a:uFill>
+                  <a:solidFill>
+                    <a:srgbClr val="FFFFFF"/>
+                  </a:solidFill>
+                </a:uFill>
+                <a:latin typeface="Century Schoolbook"/>
+              </a:rPr>
+              <a:t>imperceptível</a:t>
+            </a:r>
+            <a:r>
+              <a:rPr lang="en-US" sz="2400" strike="noStrike" spc="-1" dirty="0" smtClean="0">
+                <a:solidFill>
+                  <a:srgbClr val="000000"/>
+                </a:solidFill>
+                <a:uFill>
+                  <a:solidFill>
+                    <a:srgbClr val="FFFFFF"/>
+                  </a:solidFill>
+                </a:uFill>
+                <a:latin typeface="Century Schoolbook"/>
+              </a:rPr>
+              <a:t> </a:t>
+            </a:r>
+            <a:r>
+              <a:rPr lang="en-US" sz="2400" strike="noStrike" spc="-1" dirty="0" err="1" smtClean="0">
+                <a:solidFill>
+                  <a:srgbClr val="000000"/>
+                </a:solidFill>
+                <a:uFill>
+                  <a:solidFill>
+                    <a:srgbClr val="FFFFFF"/>
+                  </a:solidFill>
+                </a:uFill>
+                <a:latin typeface="Century Schoolbook"/>
+              </a:rPr>
+              <a:t>ao</a:t>
+            </a:r>
+            <a:r>
+              <a:rPr lang="en-US" sz="2400" strike="noStrike" spc="-1" dirty="0" smtClean="0">
+                <a:solidFill>
+                  <a:srgbClr val="000000"/>
+                </a:solidFill>
+                <a:uFill>
+                  <a:solidFill>
+                    <a:srgbClr val="FFFFFF"/>
+                  </a:solidFill>
+                </a:uFill>
+                <a:latin typeface="Century Schoolbook"/>
+              </a:rPr>
+              <a:t> </a:t>
+            </a:r>
+            <a:r>
+              <a:rPr lang="en-US" sz="2400" strike="noStrike" spc="-1" dirty="0" err="1" smtClean="0">
+                <a:solidFill>
+                  <a:srgbClr val="000000"/>
+                </a:solidFill>
+                <a:uFill>
+                  <a:solidFill>
+                    <a:srgbClr val="FFFFFF"/>
+                  </a:solidFill>
+                </a:uFill>
+                <a:latin typeface="Century Schoolbook"/>
+              </a:rPr>
+              <a:t>olho</a:t>
+            </a:r>
+            <a:r>
+              <a:rPr lang="en-US" sz="2400" strike="noStrike" spc="-1" dirty="0" smtClean="0">
+                <a:solidFill>
+                  <a:srgbClr val="000000"/>
+                </a:solidFill>
+                <a:uFill>
+                  <a:solidFill>
+                    <a:srgbClr val="FFFFFF"/>
+                  </a:solidFill>
+                </a:uFill>
+                <a:latin typeface="Century Schoolbook"/>
+              </a:rPr>
+              <a:t>.</a:t>
+            </a:r>
+          </a:p>
+          <a:p>
+            <a:pPr marL="432000" indent="-324000" algn="just">
+              <a:buClr>
+                <a:srgbClr val="000000"/>
+              </a:buClr>
+              <a:buSzPct val="45000"/>
+              <a:buFont typeface="Wingdings" charset="2"/>
+              <a:buChar char=""/>
+            </a:pPr>
+            <a:endParaRPr lang="en-US" sz="2400" spc="-1" dirty="0" smtClean="0">
               <a:solidFill>
                 <a:srgbClr val="000000"/>
               </a:solidFill>
@@ -8527,7 +10040,636 @@
             </a:endParaRPr>
           </a:p>
           <a:p>
-            <a:pPr algn="ctr"/>
+            <a:pPr marL="432000" indent="-324000" algn="just">
+              <a:buClr>
+                <a:srgbClr val="000000"/>
+              </a:buClr>
+              <a:buSzPct val="45000"/>
+              <a:buFont typeface="Wingdings" charset="2"/>
+              <a:buChar char=""/>
+            </a:pPr>
+            <a:r>
+              <a:rPr lang="en-US" sz="2400" spc="-1" dirty="0" smtClean="0">
+                <a:solidFill>
+                  <a:srgbClr val="000000"/>
+                </a:solidFill>
+                <a:uFill>
+                  <a:solidFill>
+                    <a:srgbClr val="FFFFFF"/>
+                  </a:solidFill>
+                </a:uFill>
+                <a:latin typeface="Century Schoolbook"/>
+              </a:rPr>
+              <a:t>Para </a:t>
+            </a:r>
+            <a:r>
+              <a:rPr lang="en-US" sz="2400" spc="-1" dirty="0" err="1" smtClean="0">
+                <a:solidFill>
+                  <a:srgbClr val="000000"/>
+                </a:solidFill>
+                <a:uFill>
+                  <a:solidFill>
+                    <a:srgbClr val="FFFFFF"/>
+                  </a:solidFill>
+                </a:uFill>
+                <a:latin typeface="Century Schoolbook"/>
+              </a:rPr>
+              <a:t>esse</a:t>
+            </a:r>
+            <a:r>
+              <a:rPr lang="en-US" sz="2400" spc="-1" dirty="0" smtClean="0">
+                <a:solidFill>
+                  <a:srgbClr val="000000"/>
+                </a:solidFill>
+                <a:uFill>
+                  <a:solidFill>
+                    <a:srgbClr val="FFFFFF"/>
+                  </a:solidFill>
+                </a:uFill>
+                <a:latin typeface="Century Schoolbook"/>
+              </a:rPr>
+              <a:t> </a:t>
+            </a:r>
+            <a:r>
+              <a:rPr lang="en-US" sz="2400" spc="-1" dirty="0" err="1" smtClean="0">
+                <a:solidFill>
+                  <a:srgbClr val="000000"/>
+                </a:solidFill>
+                <a:uFill>
+                  <a:solidFill>
+                    <a:srgbClr val="FFFFFF"/>
+                  </a:solidFill>
+                </a:uFill>
+                <a:latin typeface="Century Schoolbook"/>
+              </a:rPr>
+              <a:t>tipo</a:t>
+            </a:r>
+            <a:r>
+              <a:rPr lang="en-US" sz="2400" spc="-1" dirty="0" smtClean="0">
+                <a:solidFill>
+                  <a:srgbClr val="000000"/>
+                </a:solidFill>
+                <a:uFill>
+                  <a:solidFill>
+                    <a:srgbClr val="FFFFFF"/>
+                  </a:solidFill>
+                </a:uFill>
+                <a:latin typeface="Century Schoolbook"/>
+              </a:rPr>
+              <a:t> de </a:t>
+            </a:r>
+            <a:r>
+              <a:rPr lang="en-US" sz="2400" spc="-1" dirty="0" err="1" smtClean="0">
+                <a:solidFill>
+                  <a:srgbClr val="000000"/>
+                </a:solidFill>
+                <a:uFill>
+                  <a:solidFill>
+                    <a:srgbClr val="FFFFFF"/>
+                  </a:solidFill>
+                </a:uFill>
+                <a:latin typeface="Century Schoolbook"/>
+              </a:rPr>
+              <a:t>ruído</a:t>
+            </a:r>
+            <a:r>
+              <a:rPr lang="en-US" sz="2400" spc="-1" dirty="0" smtClean="0">
+                <a:solidFill>
+                  <a:srgbClr val="000000"/>
+                </a:solidFill>
+                <a:uFill>
+                  <a:solidFill>
+                    <a:srgbClr val="FFFFFF"/>
+                  </a:solidFill>
+                </a:uFill>
+                <a:latin typeface="Century Schoolbook"/>
+              </a:rPr>
+              <a:t>, </a:t>
+            </a:r>
+            <a:r>
+              <a:rPr lang="en-US" sz="2400" spc="-1" dirty="0" err="1" smtClean="0">
+                <a:solidFill>
+                  <a:srgbClr val="000000"/>
+                </a:solidFill>
+                <a:uFill>
+                  <a:solidFill>
+                    <a:srgbClr val="FFFFFF"/>
+                  </a:solidFill>
+                </a:uFill>
+                <a:latin typeface="Century Schoolbook"/>
+              </a:rPr>
+              <a:t>os</a:t>
+            </a:r>
+            <a:r>
+              <a:rPr lang="en-US" sz="2400" spc="-1" dirty="0" smtClean="0">
+                <a:solidFill>
+                  <a:srgbClr val="000000"/>
+                </a:solidFill>
+                <a:uFill>
+                  <a:solidFill>
+                    <a:srgbClr val="FFFFFF"/>
+                  </a:solidFill>
+                </a:uFill>
+                <a:latin typeface="Century Schoolbook"/>
+              </a:rPr>
+              <a:t> </a:t>
+            </a:r>
+            <a:r>
+              <a:rPr lang="en-US" sz="2400" spc="-1" dirty="0" err="1" smtClean="0">
+                <a:solidFill>
+                  <a:srgbClr val="000000"/>
+                </a:solidFill>
+                <a:uFill>
+                  <a:solidFill>
+                    <a:srgbClr val="FFFFFF"/>
+                  </a:solidFill>
+                </a:uFill>
+                <a:latin typeface="Century Schoolbook"/>
+              </a:rPr>
+              <a:t>três</a:t>
+            </a:r>
+            <a:r>
+              <a:rPr lang="en-US" sz="2400" spc="-1" dirty="0" smtClean="0">
+                <a:solidFill>
+                  <a:srgbClr val="000000"/>
+                </a:solidFill>
+                <a:uFill>
+                  <a:solidFill>
+                    <a:srgbClr val="FFFFFF"/>
+                  </a:solidFill>
+                </a:uFill>
+                <a:latin typeface="Century Schoolbook"/>
+              </a:rPr>
+              <a:t> </a:t>
+            </a:r>
+            <a:r>
+              <a:rPr lang="en-US" sz="2400" spc="-1" dirty="0" err="1" smtClean="0">
+                <a:solidFill>
+                  <a:srgbClr val="000000"/>
+                </a:solidFill>
+                <a:uFill>
+                  <a:solidFill>
+                    <a:srgbClr val="FFFFFF"/>
+                  </a:solidFill>
+                </a:uFill>
+                <a:latin typeface="Century Schoolbook"/>
+              </a:rPr>
+              <a:t>tipos</a:t>
+            </a:r>
+            <a:r>
+              <a:rPr lang="en-US" sz="2400" spc="-1" dirty="0" smtClean="0">
+                <a:solidFill>
+                  <a:srgbClr val="000000"/>
+                </a:solidFill>
+                <a:uFill>
+                  <a:solidFill>
+                    <a:srgbClr val="FFFFFF"/>
+                  </a:solidFill>
+                </a:uFill>
+                <a:latin typeface="Century Schoolbook"/>
+              </a:rPr>
+              <a:t> de </a:t>
+            </a:r>
+            <a:r>
+              <a:rPr lang="en-US" sz="2400" spc="-1" dirty="0" err="1" smtClean="0">
+                <a:solidFill>
+                  <a:srgbClr val="000000"/>
+                </a:solidFill>
+                <a:uFill>
+                  <a:solidFill>
+                    <a:srgbClr val="FFFFFF"/>
+                  </a:solidFill>
+                </a:uFill>
+                <a:latin typeface="Century Schoolbook"/>
+              </a:rPr>
+              <a:t>indicadores</a:t>
+            </a:r>
+            <a:r>
+              <a:rPr lang="en-US" sz="2400" spc="-1" dirty="0" smtClean="0">
+                <a:solidFill>
+                  <a:srgbClr val="000000"/>
+                </a:solidFill>
+                <a:uFill>
+                  <a:solidFill>
+                    <a:srgbClr val="FFFFFF"/>
+                  </a:solidFill>
+                </a:uFill>
+                <a:latin typeface="Century Schoolbook"/>
+              </a:rPr>
+              <a:t> </a:t>
+            </a:r>
+            <a:r>
+              <a:rPr lang="en-US" sz="2400" spc="-1" dirty="0" err="1" smtClean="0">
+                <a:solidFill>
+                  <a:srgbClr val="000000"/>
+                </a:solidFill>
+                <a:uFill>
+                  <a:solidFill>
+                    <a:srgbClr val="FFFFFF"/>
+                  </a:solidFill>
+                </a:uFill>
+                <a:latin typeface="Century Schoolbook"/>
+              </a:rPr>
+              <a:t>são</a:t>
+            </a:r>
+            <a:r>
+              <a:rPr lang="en-US" sz="2400" spc="-1" dirty="0" smtClean="0">
+                <a:solidFill>
+                  <a:srgbClr val="000000"/>
+                </a:solidFill>
+                <a:uFill>
+                  <a:solidFill>
+                    <a:srgbClr val="FFFFFF"/>
+                  </a:solidFill>
+                </a:uFill>
+                <a:latin typeface="Century Schoolbook"/>
+              </a:rPr>
+              <a:t> </a:t>
+            </a:r>
+            <a:r>
+              <a:rPr lang="en-US" sz="2400" spc="-1" dirty="0" err="1" smtClean="0">
+                <a:solidFill>
+                  <a:srgbClr val="000000"/>
+                </a:solidFill>
+                <a:uFill>
+                  <a:solidFill>
+                    <a:srgbClr val="FFFFFF"/>
+                  </a:solidFill>
+                </a:uFill>
+                <a:latin typeface="Century Schoolbook"/>
+              </a:rPr>
+              <a:t>bastante</a:t>
+            </a:r>
+            <a:r>
+              <a:rPr lang="en-US" sz="2400" spc="-1" dirty="0" smtClean="0">
+                <a:solidFill>
+                  <a:srgbClr val="000000"/>
+                </a:solidFill>
+                <a:uFill>
+                  <a:solidFill>
+                    <a:srgbClr val="FFFFFF"/>
+                  </a:solidFill>
+                </a:uFill>
+                <a:latin typeface="Century Schoolbook"/>
+              </a:rPr>
+              <a:t> </a:t>
+            </a:r>
+            <a:r>
+              <a:rPr lang="en-US" sz="2400" spc="-1" dirty="0" err="1" smtClean="0">
+                <a:solidFill>
+                  <a:srgbClr val="000000"/>
+                </a:solidFill>
+                <a:uFill>
+                  <a:solidFill>
+                    <a:srgbClr val="FFFFFF"/>
+                  </a:solidFill>
+                </a:uFill>
+                <a:latin typeface="Century Schoolbook"/>
+              </a:rPr>
+              <a:t>similiares</a:t>
+            </a:r>
+            <a:r>
+              <a:rPr lang="en-US" sz="2400" spc="-1" dirty="0" smtClean="0">
+                <a:solidFill>
+                  <a:srgbClr val="000000"/>
+                </a:solidFill>
+                <a:uFill>
+                  <a:solidFill>
+                    <a:srgbClr val="FFFFFF"/>
+                  </a:solidFill>
+                </a:uFill>
+                <a:latin typeface="Century Schoolbook"/>
+              </a:rPr>
+              <a:t> e </a:t>
+            </a:r>
+            <a:r>
+              <a:rPr lang="en-US" sz="2400" spc="-1" dirty="0" err="1" smtClean="0">
+                <a:solidFill>
+                  <a:srgbClr val="000000"/>
+                </a:solidFill>
+                <a:uFill>
+                  <a:solidFill>
+                    <a:srgbClr val="FFFFFF"/>
+                  </a:solidFill>
+                </a:uFill>
+                <a:latin typeface="Century Schoolbook"/>
+              </a:rPr>
+              <a:t>estão</a:t>
+            </a:r>
+            <a:r>
+              <a:rPr lang="en-US" sz="2400" spc="-1" dirty="0" smtClean="0">
+                <a:solidFill>
+                  <a:srgbClr val="000000"/>
+                </a:solidFill>
+                <a:uFill>
+                  <a:solidFill>
+                    <a:srgbClr val="FFFFFF"/>
+                  </a:solidFill>
+                </a:uFill>
+                <a:latin typeface="Century Schoolbook"/>
+              </a:rPr>
+              <a:t> de </a:t>
+            </a:r>
+            <a:r>
+              <a:rPr lang="en-US" sz="2400" spc="-1" dirty="0" err="1" smtClean="0">
+                <a:solidFill>
+                  <a:srgbClr val="000000"/>
+                </a:solidFill>
+                <a:uFill>
+                  <a:solidFill>
+                    <a:srgbClr val="FFFFFF"/>
+                  </a:solidFill>
+                </a:uFill>
+                <a:latin typeface="Century Schoolbook"/>
+              </a:rPr>
+              <a:t>acordo</a:t>
+            </a:r>
+            <a:r>
+              <a:rPr lang="en-US" sz="2400" spc="-1" dirty="0" smtClean="0">
+                <a:solidFill>
+                  <a:srgbClr val="000000"/>
+                </a:solidFill>
+                <a:uFill>
+                  <a:solidFill>
+                    <a:srgbClr val="FFFFFF"/>
+                  </a:solidFill>
+                </a:uFill>
+                <a:latin typeface="Century Schoolbook"/>
+              </a:rPr>
+              <a:t> com a </a:t>
+            </a:r>
+            <a:r>
+              <a:rPr lang="en-US" sz="2400" spc="-1" dirty="0" err="1" smtClean="0">
+                <a:solidFill>
+                  <a:srgbClr val="000000"/>
+                </a:solidFill>
+                <a:uFill>
+                  <a:solidFill>
+                    <a:srgbClr val="FFFFFF"/>
+                  </a:solidFill>
+                </a:uFill>
+                <a:latin typeface="Century Schoolbook"/>
+              </a:rPr>
+              <a:t>percepção</a:t>
+            </a:r>
+            <a:r>
+              <a:rPr lang="en-US" sz="2400" spc="-1" dirty="0" smtClean="0">
+                <a:solidFill>
+                  <a:srgbClr val="000000"/>
+                </a:solidFill>
+                <a:uFill>
+                  <a:solidFill>
+                    <a:srgbClr val="FFFFFF"/>
+                  </a:solidFill>
+                </a:uFill>
+                <a:latin typeface="Century Schoolbook"/>
+              </a:rPr>
+              <a:t> visual </a:t>
+            </a:r>
+            <a:r>
+              <a:rPr lang="en-US" sz="2400" spc="-1" dirty="0" err="1" smtClean="0">
+                <a:solidFill>
+                  <a:srgbClr val="000000"/>
+                </a:solidFill>
+                <a:uFill>
+                  <a:solidFill>
+                    <a:srgbClr val="FFFFFF"/>
+                  </a:solidFill>
+                </a:uFill>
+                <a:latin typeface="Century Schoolbook"/>
+              </a:rPr>
+              <a:t>humana</a:t>
+            </a:r>
+            <a:r>
+              <a:rPr lang="en-US" sz="2400" spc="-1" dirty="0" smtClean="0">
+                <a:solidFill>
+                  <a:srgbClr val="000000"/>
+                </a:solidFill>
+                <a:uFill>
+                  <a:solidFill>
+                    <a:srgbClr val="FFFFFF"/>
+                  </a:solidFill>
+                </a:uFill>
+                <a:latin typeface="Century Schoolbook"/>
+              </a:rPr>
+              <a:t>. </a:t>
+            </a:r>
+            <a:r>
+              <a:rPr lang="en-US" sz="2400" spc="-1" dirty="0" err="1" smtClean="0">
+                <a:solidFill>
+                  <a:srgbClr val="000000"/>
+                </a:solidFill>
+                <a:uFill>
+                  <a:solidFill>
+                    <a:srgbClr val="FFFFFF"/>
+                  </a:solidFill>
+                </a:uFill>
+                <a:latin typeface="Century Schoolbook"/>
+              </a:rPr>
+              <a:t>Essa</a:t>
+            </a:r>
+            <a:r>
+              <a:rPr lang="en-US" sz="2400" spc="-1" dirty="0" smtClean="0">
+                <a:solidFill>
+                  <a:srgbClr val="000000"/>
+                </a:solidFill>
+                <a:uFill>
+                  <a:solidFill>
+                    <a:srgbClr val="FFFFFF"/>
+                  </a:solidFill>
+                </a:uFill>
+                <a:latin typeface="Century Schoolbook"/>
+              </a:rPr>
+              <a:t> </a:t>
+            </a:r>
+            <a:r>
+              <a:rPr lang="en-US" sz="2400" spc="-1" dirty="0" err="1" smtClean="0">
+                <a:solidFill>
+                  <a:srgbClr val="000000"/>
+                </a:solidFill>
+                <a:uFill>
+                  <a:solidFill>
+                    <a:srgbClr val="FFFFFF"/>
+                  </a:solidFill>
+                </a:uFill>
+                <a:latin typeface="Century Schoolbook"/>
+              </a:rPr>
+              <a:t>semelhança</a:t>
+            </a:r>
+            <a:r>
+              <a:rPr lang="en-US" sz="2400" spc="-1" dirty="0" smtClean="0">
+                <a:solidFill>
+                  <a:srgbClr val="000000"/>
+                </a:solidFill>
+                <a:uFill>
+                  <a:solidFill>
+                    <a:srgbClr val="FFFFFF"/>
+                  </a:solidFill>
+                </a:uFill>
+                <a:latin typeface="Century Schoolbook"/>
+              </a:rPr>
+              <a:t> é </a:t>
+            </a:r>
+            <a:r>
+              <a:rPr lang="en-US" sz="2400" spc="-1" dirty="0" err="1" smtClean="0">
+                <a:solidFill>
+                  <a:srgbClr val="000000"/>
+                </a:solidFill>
+                <a:uFill>
+                  <a:solidFill>
+                    <a:srgbClr val="FFFFFF"/>
+                  </a:solidFill>
+                </a:uFill>
+                <a:latin typeface="Century Schoolbook"/>
+              </a:rPr>
+              <a:t>evidenciada</a:t>
+            </a:r>
+            <a:r>
+              <a:rPr lang="en-US" sz="2400" spc="-1" dirty="0" smtClean="0">
+                <a:solidFill>
+                  <a:srgbClr val="000000"/>
+                </a:solidFill>
+                <a:uFill>
+                  <a:solidFill>
+                    <a:srgbClr val="FFFFFF"/>
+                  </a:solidFill>
+                </a:uFill>
+                <a:latin typeface="Century Schoolbook"/>
+              </a:rPr>
+              <a:t> </a:t>
+            </a:r>
+            <a:r>
+              <a:rPr lang="en-US" sz="2400" spc="-1" dirty="0" err="1" smtClean="0">
+                <a:solidFill>
+                  <a:srgbClr val="000000"/>
+                </a:solidFill>
+                <a:uFill>
+                  <a:solidFill>
+                    <a:srgbClr val="FFFFFF"/>
+                  </a:solidFill>
+                </a:uFill>
+                <a:latin typeface="Century Schoolbook"/>
+              </a:rPr>
+              <a:t>pelos</a:t>
+            </a:r>
+            <a:r>
+              <a:rPr lang="en-US" sz="2400" spc="-1" dirty="0" smtClean="0">
+                <a:solidFill>
+                  <a:srgbClr val="000000"/>
+                </a:solidFill>
+                <a:uFill>
+                  <a:solidFill>
+                    <a:srgbClr val="FFFFFF"/>
+                  </a:solidFill>
+                </a:uFill>
+                <a:latin typeface="Century Schoolbook"/>
+              </a:rPr>
+              <a:t> </a:t>
+            </a:r>
+            <a:r>
+              <a:rPr lang="en-US" sz="2400" spc="-1" dirty="0" err="1" smtClean="0">
+                <a:solidFill>
+                  <a:srgbClr val="000000"/>
+                </a:solidFill>
+                <a:uFill>
+                  <a:solidFill>
+                    <a:srgbClr val="FFFFFF"/>
+                  </a:solidFill>
+                </a:uFill>
+                <a:latin typeface="Century Schoolbook"/>
+              </a:rPr>
+              <a:t>gráficos</a:t>
+            </a:r>
+            <a:r>
+              <a:rPr lang="en-US" sz="2400" spc="-1" dirty="0" smtClean="0">
+                <a:solidFill>
+                  <a:srgbClr val="000000"/>
+                </a:solidFill>
+                <a:uFill>
+                  <a:solidFill>
+                    <a:srgbClr val="FFFFFF"/>
+                  </a:solidFill>
+                </a:uFill>
+                <a:latin typeface="Century Schoolbook"/>
+              </a:rPr>
+              <a:t>.</a:t>
+            </a:r>
+            <a:endParaRPr lang="pt-BR" sz="2400" strike="noStrike" spc="-1" dirty="0">
+              <a:solidFill>
+                <a:srgbClr val="000000"/>
+              </a:solidFill>
+              <a:uFill>
+                <a:solidFill>
+                  <a:srgbClr val="FFFFFF"/>
+                </a:solidFill>
+              </a:uFill>
+              <a:latin typeface="Century Schoolbook"/>
+            </a:endParaRPr>
+          </a:p>
+        </p:txBody>
+      </p:sp>
+    </p:spTree>
+  </p:cSld>
+  <p:clrMapOvr>
+    <a:masterClrMapping/>
+  </p:clrMapOvr>
+</p:sld>
+</file>
+
+<file path=ppt/slides/slide14.xml><?xml version="1.0" encoding="utf-8"?>
+<p:sld xmlns:a="http://schemas.openxmlformats.org/drawingml/2006/main" xmlns:r="http://schemas.openxmlformats.org/officeDocument/2006/relationships" xmlns:p="http://schemas.openxmlformats.org/presentationml/2006/main">
+  <p:cSld>
+    <p:spTree>
+      <p:nvGrpSpPr>
+        <p:cNvPr id="1" name=""/>
+        <p:cNvGrpSpPr/>
+        <p:nvPr/>
+      </p:nvGrpSpPr>
+      <p:grpSpPr>
+        <a:xfrm>
+          <a:off x="0" y="0"/>
+          <a:ext cx="0" cy="0"/>
+          <a:chOff x="0" y="0"/>
+          <a:chExt cx="0" cy="0"/>
+        </a:xfrm>
+      </p:grpSpPr>
+      <p:sp>
+        <p:nvSpPr>
+          <p:cNvPr id="159" name="TextShape 1"/>
+          <p:cNvSpPr txBox="1"/>
+          <p:nvPr/>
+        </p:nvSpPr>
+        <p:spPr>
+          <a:xfrm>
+            <a:off x="457200" y="274680"/>
+            <a:ext cx="7467120" cy="1142640"/>
+          </a:xfrm>
+          <a:prstGeom prst="rect">
+            <a:avLst/>
+          </a:prstGeom>
+          <a:noFill/>
+          <a:ln>
+            <a:noFill/>
+          </a:ln>
+        </p:spPr>
+        <p:txBody>
+          <a:bodyPr lIns="0" tIns="0" rIns="0" bIns="0" anchor="ctr"/>
+          <a:lstStyle/>
+          <a:p>
+            <a:r>
+              <a:rPr lang="pt-BR" sz="3000" b="1" strike="noStrike" spc="-1" dirty="0" smtClean="0">
+                <a:solidFill>
+                  <a:srgbClr val="000000"/>
+                </a:solidFill>
+                <a:uFill>
+                  <a:solidFill>
+                    <a:srgbClr val="FFFFFF"/>
+                  </a:solidFill>
+                </a:uFill>
+                <a:latin typeface="Century Schoolbook"/>
+              </a:rPr>
+              <a:t>EXPERIMENTO: </a:t>
+            </a:r>
             <a:r>
               <a:rPr lang="pt-BR" sz="3000" strike="noStrike" spc="-1" dirty="0" smtClean="0">
                 <a:solidFill>
@@ -8540,8 +10682,1538 @@
                 </a:uFill>
                 <a:latin typeface="Century Schoolbook"/>
               </a:rPr>
-              <a:t>Muito obrigado.</a:t>
-            </a:r>
+              <a:t>Filtro da média</a:t>
+            </a:r>
+            <a:endParaRPr lang="pt-BR" sz="3000" strike="noStrike" spc="-1" dirty="0">
+              <a:solidFill>
+                <a:srgbClr val="000000"/>
+              </a:solidFill>
+              <a:uFill>
+                <a:solidFill>
+                  <a:srgbClr val="FFFFFF"/>
+                </a:solidFill>
+              </a:uFill>
+              <a:latin typeface="Century Schoolbook"/>
+            </a:endParaRPr>
+          </a:p>
+        </p:txBody>
+      </p:sp>
+      <p:sp>
+        <p:nvSpPr>
+          <p:cNvPr id="160" name="TextShape 2"/>
+          <p:cNvSpPr txBox="1"/>
+          <p:nvPr/>
+        </p:nvSpPr>
+        <p:spPr>
+          <a:xfrm>
+            <a:off x="457200" y="1600200"/>
+            <a:ext cx="7499176" cy="3629000"/>
+          </a:xfrm>
+          <a:prstGeom prst="rect">
+            <a:avLst/>
+          </a:prstGeom>
+          <a:noFill/>
+          <a:ln>
+            <a:noFill/>
+          </a:ln>
+        </p:spPr>
+        <p:txBody>
+          <a:bodyPr lIns="0" tIns="0" rIns="0" bIns="0"/>
+          <a:lstStyle/>
+          <a:p>
+            <a:pPr marL="432000" indent="-324000">
+              <a:lnSpc>
+                <a:spcPct val="150000"/>
+              </a:lnSpc>
+              <a:buClr>
+                <a:srgbClr val="000000"/>
+              </a:buClr>
+              <a:buSzPct val="45000"/>
+              <a:buFont typeface="Wingdings" charset="2"/>
+              <a:buChar char=""/>
+            </a:pPr>
+            <a:r>
+              <a:rPr lang="pt-BR" sz="2400" spc="-1" dirty="0" smtClean="0">
+                <a:solidFill>
+                  <a:srgbClr val="000000"/>
+                </a:solidFill>
+                <a:uFill>
+                  <a:solidFill>
+                    <a:srgbClr val="FFFFFF"/>
+                  </a:solidFill>
+                </a:uFill>
+                <a:latin typeface="Century Schoolbook"/>
+              </a:rPr>
+              <a:t>Para testar a qualidade do filtro da média, os três indicadores foram calculados para máscaras de tamanho 3x3, 5x5, 7x7 </a:t>
+            </a:r>
+            <a:r>
+              <a:rPr lang="pt-BR" sz="2400" spc="-1" smtClean="0">
+                <a:solidFill>
+                  <a:srgbClr val="000000"/>
+                </a:solidFill>
+                <a:uFill>
+                  <a:solidFill>
+                    <a:srgbClr val="FFFFFF"/>
+                  </a:solidFill>
+                </a:uFill>
+                <a:latin typeface="Century Schoolbook"/>
+              </a:rPr>
+              <a:t>e 9x9.</a:t>
+            </a:r>
+            <a:endParaRPr lang="pt-BR" sz="2400" strike="noStrike" spc="-1" dirty="0" smtClean="0">
+              <a:solidFill>
+                <a:srgbClr val="000000"/>
+              </a:solidFill>
+              <a:uFill>
+                <a:solidFill>
+                  <a:srgbClr val="FFFFFF"/>
+                </a:solidFill>
+              </a:uFill>
+              <a:latin typeface="Century Schoolbook"/>
+            </a:endParaRPr>
+          </a:p>
+          <a:p>
+            <a:pPr marL="432000" indent="-324000">
+              <a:buClr>
+                <a:srgbClr val="000000"/>
+              </a:buClr>
+              <a:buSzPct val="45000"/>
+              <a:buFont typeface="Wingdings" charset="2"/>
+              <a:buChar char=""/>
+            </a:pPr>
+            <a:endParaRPr lang="pt-BR" sz="2400" strike="noStrike" spc="-1" dirty="0">
+              <a:solidFill>
+                <a:srgbClr val="000000"/>
+              </a:solidFill>
+              <a:uFill>
+                <a:solidFill>
+                  <a:srgbClr val="FFFFFF"/>
+                </a:solidFill>
+              </a:uFill>
+              <a:latin typeface="Century Schoolbook"/>
+            </a:endParaRPr>
+          </a:p>
+        </p:txBody>
+      </p:sp>
+    </p:spTree>
+  </p:cSld>
+  <p:clrMapOvr>
+    <a:masterClrMapping/>
+  </p:clrMapOvr>
+  <p:timing>
+    <p:tnLst>
+      <p:par>
+        <p:cTn id="1" dur="indefinite" restart="never" nodeType="tmRoot">
+          <p:childTnLst>
+            <p:seq>
+              <p:cTn id="2" nodeType="mainSeq"/>
+              <p:prevCondLst>
+                <p:cond evt="onPrev" delay="0">
+                  <p:tgtEl>
+                    <p:sldTgt/>
+                  </p:tgtEl>
+                </p:cond>
+              </p:prevCondLst>
+              <p:nextCondLst>
+                <p:cond evt="onNext" delay="0">
+                  <p:tgtEl>
+                    <p:sldTgt/>
+                  </p:tgtEl>
+                </p:cond>
+              </p:nextCondLst>
+            </p:seq>
+          </p:childTnLst>
+        </p:cTn>
+      </p:par>
+    </p:tnLst>
+  </p:timing>
+</p:sld>
+</file>
+
+<file path=ppt/slides/slide15.xml><?xml version="1.0" encoding="utf-8"?>
+<p:sld xmlns:a="http://schemas.openxmlformats.org/drawingml/2006/main" xmlns:r="http://schemas.openxmlformats.org/officeDocument/2006/relationships" xmlns:p="http://schemas.openxmlformats.org/presentationml/2006/main">
+  <p:cSld>
+    <p:spTree>
+      <p:nvGrpSpPr>
+        <p:cNvPr id="1" name=""/>
+        <p:cNvGrpSpPr/>
+        <p:nvPr/>
+      </p:nvGrpSpPr>
+      <p:grpSpPr>
+        <a:xfrm>
+          <a:off x="0" y="0"/>
+          <a:ext cx="0" cy="0"/>
+          <a:chOff x="0" y="0"/>
+          <a:chExt cx="0" cy="0"/>
+        </a:xfrm>
+      </p:grpSpPr>
+      <p:sp>
+        <p:nvSpPr>
+          <p:cNvPr id="159" name="TextShape 1"/>
+          <p:cNvSpPr txBox="1"/>
+          <p:nvPr/>
+        </p:nvSpPr>
+        <p:spPr>
+          <a:xfrm>
+            <a:off x="395536" y="116632"/>
+            <a:ext cx="7776864" cy="1142640"/>
+          </a:xfrm>
+          <a:prstGeom prst="rect">
+            <a:avLst/>
+          </a:prstGeom>
+          <a:noFill/>
+          <a:ln>
+            <a:noFill/>
+          </a:ln>
+        </p:spPr>
+        <p:txBody>
+          <a:bodyPr lIns="0" tIns="0" rIns="0" bIns="0" anchor="ctr"/>
+          <a:lstStyle/>
+          <a:p>
+            <a:r>
+              <a:rPr lang="pt-BR" sz="3000" b="1" strike="noStrike" spc="-1" dirty="0" smtClean="0">
+                <a:solidFill>
+                  <a:srgbClr val="000000"/>
+                </a:solidFill>
+                <a:uFill>
+                  <a:solidFill>
+                    <a:srgbClr val="FFFFFF"/>
+                  </a:solidFill>
+                </a:uFill>
+                <a:latin typeface="Century Schoolbook"/>
+              </a:rPr>
+              <a:t>RESULTADO</a:t>
+            </a:r>
+            <a:r>
+              <a:rPr lang="pt-BR" sz="3000" spc="-1" dirty="0" smtClean="0">
+                <a:solidFill>
+                  <a:srgbClr val="000000"/>
+                </a:solidFill>
+                <a:uFill>
+                  <a:solidFill>
+                    <a:srgbClr val="FFFFFF"/>
+                  </a:solidFill>
+                </a:uFill>
+                <a:latin typeface="Century Schoolbook"/>
+              </a:rPr>
+              <a:t>: FILTRO DA MÉDIA</a:t>
+            </a:r>
+            <a:endParaRPr lang="pt-BR" sz="3000" strike="noStrike" spc="-1" dirty="0" smtClean="0">
+              <a:solidFill>
+                <a:srgbClr val="000000"/>
+              </a:solidFill>
+              <a:uFill>
+                <a:solidFill>
+                  <a:srgbClr val="FFFFFF"/>
+                </a:solidFill>
+              </a:uFill>
+              <a:latin typeface="Century Schoolbook"/>
+            </a:endParaRPr>
+          </a:p>
+        </p:txBody>
+      </p:sp>
+      <p:sp>
+        <p:nvSpPr>
+          <p:cNvPr id="7" name="CaixaDeTexto 6"/>
+          <p:cNvSpPr txBox="1"/>
+          <p:nvPr/>
+        </p:nvSpPr>
+        <p:spPr>
+          <a:xfrm>
+            <a:off x="323528" y="1290246"/>
+            <a:ext cx="4392488" cy="338554"/>
+          </a:xfrm>
+          <a:prstGeom prst="rect">
+            <a:avLst/>
+          </a:prstGeom>
+          <a:noFill/>
+        </p:spPr>
+        <p:txBody>
+          <a:bodyPr wrap="square" rtlCol="0">
+            <a:spAutoFit/>
+          </a:bodyPr>
+          <a:lstStyle/>
+          <a:p>
+            <a:r>
+              <a:rPr lang="en-US" sz="1600" dirty="0" smtClean="0">
+                <a:latin typeface="Century Schoolbook" pitchFamily="18" charset="0"/>
+              </a:rPr>
+              <a:t>MSE = </a:t>
+            </a:r>
+            <a:r>
+              <a:rPr lang="en-US" sz="1600" dirty="0" smtClean="0">
+                <a:latin typeface="Century Schoolbook" pitchFamily="18" charset="0"/>
+              </a:rPr>
+              <a:t>48.37, </a:t>
+            </a:r>
+            <a:r>
+              <a:rPr lang="en-US" sz="1600" dirty="0" smtClean="0">
+                <a:latin typeface="Century Schoolbook" pitchFamily="18" charset="0"/>
+              </a:rPr>
+              <a:t>PSNR = </a:t>
+            </a:r>
+            <a:r>
+              <a:rPr lang="en-US" sz="1600" dirty="0" smtClean="0">
+                <a:latin typeface="Century Schoolbook" pitchFamily="18" charset="0"/>
+              </a:rPr>
+              <a:t>26.74</a:t>
+            </a:r>
+            <a:r>
+              <a:rPr lang="en-US" sz="1600" dirty="0" smtClean="0">
+                <a:latin typeface="Century Schoolbook" pitchFamily="18" charset="0"/>
+              </a:rPr>
+              <a:t>, </a:t>
+            </a:r>
+            <a:r>
+              <a:rPr lang="en-US" sz="1600" dirty="0" smtClean="0">
+                <a:latin typeface="Century Schoolbook" pitchFamily="18" charset="0"/>
+              </a:rPr>
+              <a:t>SSIM = </a:t>
+            </a:r>
+            <a:r>
+              <a:rPr lang="en-US" sz="1600" dirty="0" smtClean="0">
+                <a:latin typeface="Century Schoolbook" pitchFamily="18" charset="0"/>
+              </a:rPr>
+              <a:t>0.732</a:t>
+            </a:r>
+            <a:endParaRPr lang="en-US" sz="1600" dirty="0">
+              <a:latin typeface="Century Schoolbook" pitchFamily="18" charset="0"/>
+            </a:endParaRPr>
+          </a:p>
+        </p:txBody>
+      </p:sp>
+      <p:sp>
+        <p:nvSpPr>
+          <p:cNvPr id="9" name="CaixaDeTexto 8"/>
+          <p:cNvSpPr txBox="1"/>
+          <p:nvPr/>
+        </p:nvSpPr>
+        <p:spPr>
+          <a:xfrm>
+            <a:off x="4572000" y="1290246"/>
+            <a:ext cx="4392488" cy="338554"/>
+          </a:xfrm>
+          <a:prstGeom prst="rect">
+            <a:avLst/>
+          </a:prstGeom>
+          <a:noFill/>
+        </p:spPr>
+        <p:txBody>
+          <a:bodyPr wrap="square" rtlCol="0">
+            <a:spAutoFit/>
+          </a:bodyPr>
+          <a:lstStyle/>
+          <a:p>
+            <a:r>
+              <a:rPr lang="en-US" sz="1600" dirty="0" smtClean="0">
+                <a:latin typeface="Century Schoolbook" pitchFamily="18" charset="0"/>
+              </a:rPr>
+              <a:t>MSE = </a:t>
+            </a:r>
+            <a:r>
+              <a:rPr lang="en-US" sz="1600" dirty="0" smtClean="0">
+                <a:latin typeface="Century Schoolbook" pitchFamily="18" charset="0"/>
+              </a:rPr>
+              <a:t>35.34</a:t>
+            </a:r>
+            <a:r>
+              <a:rPr lang="en-US" sz="1600" dirty="0" smtClean="0">
+                <a:latin typeface="Century Schoolbook" pitchFamily="18" charset="0"/>
+              </a:rPr>
+              <a:t>, </a:t>
+            </a:r>
+            <a:r>
+              <a:rPr lang="en-US" sz="1600" dirty="0" smtClean="0">
+                <a:latin typeface="Century Schoolbook" pitchFamily="18" charset="0"/>
+              </a:rPr>
+              <a:t>PSNR = </a:t>
+            </a:r>
+            <a:r>
+              <a:rPr lang="en-US" sz="1600" dirty="0" smtClean="0">
+                <a:latin typeface="Century Schoolbook" pitchFamily="18" charset="0"/>
+              </a:rPr>
+              <a:t>27.88</a:t>
+            </a:r>
+            <a:r>
+              <a:rPr lang="en-US" sz="1600" dirty="0" smtClean="0">
+                <a:latin typeface="Century Schoolbook" pitchFamily="18" charset="0"/>
+              </a:rPr>
+              <a:t>, </a:t>
+            </a:r>
+            <a:r>
+              <a:rPr lang="en-US" sz="1600" dirty="0" smtClean="0">
+                <a:latin typeface="Century Schoolbook" pitchFamily="18" charset="0"/>
+              </a:rPr>
+              <a:t>SSIM = </a:t>
+            </a:r>
+            <a:r>
+              <a:rPr lang="en-US" sz="1600" dirty="0" smtClean="0">
+                <a:latin typeface="Century Schoolbook" pitchFamily="18" charset="0"/>
+              </a:rPr>
+              <a:t>0.811</a:t>
+            </a:r>
+            <a:endParaRPr lang="en-US" sz="1600" dirty="0">
+              <a:latin typeface="Century Schoolbook" pitchFamily="18" charset="0"/>
+            </a:endParaRPr>
+          </a:p>
+        </p:txBody>
+      </p:sp>
+      <p:sp>
+        <p:nvSpPr>
+          <p:cNvPr id="11" name="CaixaDeTexto 10"/>
+          <p:cNvSpPr txBox="1"/>
+          <p:nvPr/>
+        </p:nvSpPr>
+        <p:spPr>
+          <a:xfrm>
+            <a:off x="2123728" y="5733256"/>
+            <a:ext cx="1224136" cy="369332"/>
+          </a:xfrm>
+          <a:prstGeom prst="rect">
+            <a:avLst/>
+          </a:prstGeom>
+          <a:noFill/>
+        </p:spPr>
+        <p:txBody>
+          <a:bodyPr wrap="square" rtlCol="0">
+            <a:spAutoFit/>
+          </a:bodyPr>
+          <a:lstStyle/>
+          <a:p>
+            <a:r>
+              <a:rPr lang="en-US" dirty="0" smtClean="0">
+                <a:latin typeface="Century Schoolbook" pitchFamily="18" charset="0"/>
+              </a:rPr>
+              <a:t>3x3</a:t>
+            </a:r>
+            <a:endParaRPr lang="en-US" dirty="0">
+              <a:latin typeface="Century Schoolbook" pitchFamily="18" charset="0"/>
+            </a:endParaRPr>
+          </a:p>
+        </p:txBody>
+      </p:sp>
+      <p:sp>
+        <p:nvSpPr>
+          <p:cNvPr id="13" name="CaixaDeTexto 12"/>
+          <p:cNvSpPr txBox="1"/>
+          <p:nvPr/>
+        </p:nvSpPr>
+        <p:spPr>
+          <a:xfrm>
+            <a:off x="6444208" y="5733256"/>
+            <a:ext cx="1224136" cy="369332"/>
+          </a:xfrm>
+          <a:prstGeom prst="rect">
+            <a:avLst/>
+          </a:prstGeom>
+          <a:noFill/>
+        </p:spPr>
+        <p:txBody>
+          <a:bodyPr wrap="square" rtlCol="0">
+            <a:spAutoFit/>
+          </a:bodyPr>
+          <a:lstStyle/>
+          <a:p>
+            <a:r>
+              <a:rPr lang="en-US" dirty="0" smtClean="0">
+                <a:latin typeface="Century Schoolbook" pitchFamily="18" charset="0"/>
+              </a:rPr>
+              <a:t>5x5</a:t>
+            </a:r>
+            <a:endParaRPr lang="en-US" dirty="0">
+              <a:latin typeface="Century Schoolbook" pitchFamily="18" charset="0"/>
+            </a:endParaRPr>
+          </a:p>
+        </p:txBody>
+      </p:sp>
+      <p:pic>
+        <p:nvPicPr>
+          <p:cNvPr id="14" name="Imagem 13" descr="lena3.png"/>
+          <p:cNvPicPr>
+            <a:picLocks noChangeAspect="1"/>
+          </p:cNvPicPr>
+          <p:nvPr/>
+        </p:nvPicPr>
+        <p:blipFill>
+          <a:blip r:embed="rId2" cstate="print"/>
+          <a:stretch>
+            <a:fillRect/>
+          </a:stretch>
+        </p:blipFill>
+        <p:spPr>
+          <a:xfrm>
+            <a:off x="467544" y="1700808"/>
+            <a:ext cx="3909600" cy="3909600"/>
+          </a:xfrm>
+          <a:prstGeom prst="rect">
+            <a:avLst/>
+          </a:prstGeom>
+        </p:spPr>
+      </p:pic>
+      <p:pic>
+        <p:nvPicPr>
+          <p:cNvPr id="15" name="Imagem 14" descr="lena5.png"/>
+          <p:cNvPicPr>
+            <a:picLocks noChangeAspect="1"/>
+          </p:cNvPicPr>
+          <p:nvPr/>
+        </p:nvPicPr>
+        <p:blipFill>
+          <a:blip r:embed="rId3" cstate="print"/>
+          <a:stretch>
+            <a:fillRect/>
+          </a:stretch>
+        </p:blipFill>
+        <p:spPr>
+          <a:xfrm>
+            <a:off x="4694848" y="1679640"/>
+            <a:ext cx="3909600" cy="3909600"/>
+          </a:xfrm>
+          <a:prstGeom prst="rect">
+            <a:avLst/>
+          </a:prstGeom>
+        </p:spPr>
+      </p:pic>
+    </p:spTree>
+  </p:cSld>
+  <p:clrMapOvr>
+    <a:masterClrMapping/>
+  </p:clrMapOvr>
+  <p:timing>
+    <p:tnLst>
+      <p:par>
+        <p:cTn id="1" dur="indefinite" restart="never" nodeType="tmRoot">
+          <p:childTnLst>
+            <p:seq>
+              <p:cTn id="2" nodeType="mainSeq"/>
+              <p:prevCondLst>
+                <p:cond evt="onPrev" delay="0">
+                  <p:tgtEl>
+                    <p:sldTgt/>
+                  </p:tgtEl>
+                </p:cond>
+              </p:prevCondLst>
+              <p:nextCondLst>
+                <p:cond evt="onNext" delay="0">
+                  <p:tgtEl>
+                    <p:sldTgt/>
+                  </p:tgtEl>
+                </p:cond>
+              </p:nextCondLst>
+            </p:seq>
+          </p:childTnLst>
+        </p:cTn>
+      </p:par>
+    </p:tnLst>
+  </p:timing>
+</p:sld>
+</file>
+
+<file path=ppt/slides/slide16.xml><?xml version="1.0" encoding="utf-8"?>
+<p:sld xmlns:a="http://schemas.openxmlformats.org/drawingml/2006/main" xmlns:r="http://schemas.openxmlformats.org/officeDocument/2006/relationships" xmlns:p="http://schemas.openxmlformats.org/presentationml/2006/main">
+  <p:cSld>
+    <p:spTree>
+      <p:nvGrpSpPr>
+        <p:cNvPr id="1" name=""/>
+        <p:cNvGrpSpPr/>
+        <p:nvPr/>
+      </p:nvGrpSpPr>
+      <p:grpSpPr>
+        <a:xfrm>
+          <a:off x="0" y="0"/>
+          <a:ext cx="0" cy="0"/>
+          <a:chOff x="0" y="0"/>
+          <a:chExt cx="0" cy="0"/>
+        </a:xfrm>
+      </p:grpSpPr>
+      <p:sp>
+        <p:nvSpPr>
+          <p:cNvPr id="159" name="TextShape 1"/>
+          <p:cNvSpPr txBox="1"/>
+          <p:nvPr/>
+        </p:nvSpPr>
+        <p:spPr>
+          <a:xfrm>
+            <a:off x="395536" y="116632"/>
+            <a:ext cx="7776864" cy="1142640"/>
+          </a:xfrm>
+          <a:prstGeom prst="rect">
+            <a:avLst/>
+          </a:prstGeom>
+          <a:noFill/>
+          <a:ln>
+            <a:noFill/>
+          </a:ln>
+        </p:spPr>
+        <p:txBody>
+          <a:bodyPr lIns="0" tIns="0" rIns="0" bIns="0" anchor="ctr"/>
+          <a:lstStyle/>
+          <a:p>
+            <a:r>
+              <a:rPr lang="pt-BR" sz="3000" b="1" strike="noStrike" spc="-1" dirty="0" smtClean="0">
+                <a:solidFill>
+                  <a:srgbClr val="000000"/>
+                </a:solidFill>
+                <a:uFill>
+                  <a:solidFill>
+                    <a:srgbClr val="FFFFFF"/>
+                  </a:solidFill>
+                </a:uFill>
+                <a:latin typeface="Century Schoolbook"/>
+              </a:rPr>
+              <a:t>RESULTADO</a:t>
+            </a:r>
+            <a:r>
+              <a:rPr lang="pt-BR" sz="3000" spc="-1" dirty="0" smtClean="0">
+                <a:solidFill>
+                  <a:srgbClr val="000000"/>
+                </a:solidFill>
+                <a:uFill>
+                  <a:solidFill>
+                    <a:srgbClr val="FFFFFF"/>
+                  </a:solidFill>
+                </a:uFill>
+                <a:latin typeface="Century Schoolbook"/>
+              </a:rPr>
+              <a:t>: FILTRO DA MÉDIA</a:t>
+            </a:r>
+            <a:endParaRPr lang="pt-BR" sz="3000" strike="noStrike" spc="-1" dirty="0" smtClean="0">
+              <a:solidFill>
+                <a:srgbClr val="000000"/>
+              </a:solidFill>
+              <a:uFill>
+                <a:solidFill>
+                  <a:srgbClr val="FFFFFF"/>
+                </a:solidFill>
+              </a:uFill>
+              <a:latin typeface="Century Schoolbook"/>
+            </a:endParaRPr>
+          </a:p>
+        </p:txBody>
+      </p:sp>
+      <p:sp>
+        <p:nvSpPr>
+          <p:cNvPr id="7" name="CaixaDeTexto 6"/>
+          <p:cNvSpPr txBox="1"/>
+          <p:nvPr/>
+        </p:nvSpPr>
+        <p:spPr>
+          <a:xfrm>
+            <a:off x="323528" y="1290246"/>
+            <a:ext cx="4392488" cy="338554"/>
+          </a:xfrm>
+          <a:prstGeom prst="rect">
+            <a:avLst/>
+          </a:prstGeom>
+          <a:noFill/>
+        </p:spPr>
+        <p:txBody>
+          <a:bodyPr wrap="square" rtlCol="0">
+            <a:spAutoFit/>
+          </a:bodyPr>
+          <a:lstStyle/>
+          <a:p>
+            <a:r>
+              <a:rPr lang="en-US" sz="1600" dirty="0" smtClean="0">
+                <a:latin typeface="Century Schoolbook" pitchFamily="18" charset="0"/>
+              </a:rPr>
+              <a:t>MSE = </a:t>
+            </a:r>
+            <a:r>
+              <a:rPr lang="en-US" sz="1600" dirty="0" smtClean="0">
+                <a:latin typeface="Century Schoolbook" pitchFamily="18" charset="0"/>
+              </a:rPr>
+              <a:t>33.28, </a:t>
+            </a:r>
+            <a:r>
+              <a:rPr lang="en-US" sz="1600" dirty="0" smtClean="0">
+                <a:latin typeface="Century Schoolbook" pitchFamily="18" charset="0"/>
+              </a:rPr>
+              <a:t>PSNR = </a:t>
+            </a:r>
+            <a:r>
+              <a:rPr lang="en-US" sz="1600" dirty="0" smtClean="0">
+                <a:latin typeface="Century Schoolbook" pitchFamily="18" charset="0"/>
+              </a:rPr>
+              <a:t>27.18</a:t>
+            </a:r>
+            <a:r>
+              <a:rPr lang="en-US" sz="1600" dirty="0" smtClean="0">
+                <a:latin typeface="Century Schoolbook" pitchFamily="18" charset="0"/>
+              </a:rPr>
+              <a:t>, </a:t>
+            </a:r>
+            <a:r>
+              <a:rPr lang="en-US" sz="1600" dirty="0" smtClean="0">
+                <a:latin typeface="Century Schoolbook" pitchFamily="18" charset="0"/>
+              </a:rPr>
+              <a:t>SSIM = </a:t>
+            </a:r>
+            <a:r>
+              <a:rPr lang="en-US" sz="1600" dirty="0" smtClean="0">
+                <a:latin typeface="Century Schoolbook" pitchFamily="18" charset="0"/>
+              </a:rPr>
+              <a:t>0.823</a:t>
+            </a:r>
+            <a:endParaRPr lang="en-US" sz="1600" dirty="0">
+              <a:latin typeface="Century Schoolbook" pitchFamily="18" charset="0"/>
+            </a:endParaRPr>
+          </a:p>
+        </p:txBody>
+      </p:sp>
+      <p:sp>
+        <p:nvSpPr>
+          <p:cNvPr id="9" name="CaixaDeTexto 8"/>
+          <p:cNvSpPr txBox="1"/>
+          <p:nvPr/>
+        </p:nvSpPr>
+        <p:spPr>
+          <a:xfrm>
+            <a:off x="4572000" y="1290246"/>
+            <a:ext cx="4392488" cy="338554"/>
+          </a:xfrm>
+          <a:prstGeom prst="rect">
+            <a:avLst/>
+          </a:prstGeom>
+          <a:noFill/>
+        </p:spPr>
+        <p:txBody>
+          <a:bodyPr wrap="square" rtlCol="0">
+            <a:spAutoFit/>
+          </a:bodyPr>
+          <a:lstStyle/>
+          <a:p>
+            <a:r>
+              <a:rPr lang="en-US" sz="1600" dirty="0" smtClean="0">
+                <a:latin typeface="Century Schoolbook" pitchFamily="18" charset="0"/>
+              </a:rPr>
+              <a:t>MSE = </a:t>
+            </a:r>
+            <a:r>
+              <a:rPr lang="en-US" sz="1600" dirty="0" smtClean="0">
+                <a:latin typeface="Century Schoolbook" pitchFamily="18" charset="0"/>
+              </a:rPr>
+              <a:t>34.17</a:t>
+            </a:r>
+            <a:r>
+              <a:rPr lang="en-US" sz="1600" dirty="0" smtClean="0">
+                <a:latin typeface="Century Schoolbook" pitchFamily="18" charset="0"/>
+              </a:rPr>
+              <a:t>, </a:t>
+            </a:r>
+            <a:r>
+              <a:rPr lang="en-US" sz="1600" dirty="0" smtClean="0">
+                <a:latin typeface="Century Schoolbook" pitchFamily="18" charset="0"/>
+              </a:rPr>
+              <a:t>PSNR = </a:t>
+            </a:r>
+            <a:r>
+              <a:rPr lang="en-US" sz="1600" dirty="0" smtClean="0">
+                <a:latin typeface="Century Schoolbook" pitchFamily="18" charset="0"/>
+              </a:rPr>
+              <a:t>27.88</a:t>
+            </a:r>
+            <a:r>
+              <a:rPr lang="en-US" sz="1600" dirty="0" smtClean="0">
+                <a:latin typeface="Century Schoolbook" pitchFamily="18" charset="0"/>
+              </a:rPr>
+              <a:t>, </a:t>
+            </a:r>
+            <a:r>
+              <a:rPr lang="en-US" sz="1600" dirty="0" smtClean="0">
+                <a:latin typeface="Century Schoolbook" pitchFamily="18" charset="0"/>
+              </a:rPr>
+              <a:t>SSIM = </a:t>
+            </a:r>
+            <a:r>
+              <a:rPr lang="en-US" sz="1600" dirty="0" smtClean="0">
+                <a:latin typeface="Century Schoolbook" pitchFamily="18" charset="0"/>
+              </a:rPr>
+              <a:t>0.808</a:t>
+            </a:r>
+          </a:p>
+        </p:txBody>
+      </p:sp>
+      <p:sp>
+        <p:nvSpPr>
+          <p:cNvPr id="11" name="CaixaDeTexto 10"/>
+          <p:cNvSpPr txBox="1"/>
+          <p:nvPr/>
+        </p:nvSpPr>
+        <p:spPr>
+          <a:xfrm>
+            <a:off x="2123728" y="5733256"/>
+            <a:ext cx="1224136" cy="369332"/>
+          </a:xfrm>
+          <a:prstGeom prst="rect">
+            <a:avLst/>
+          </a:prstGeom>
+          <a:noFill/>
+        </p:spPr>
+        <p:txBody>
+          <a:bodyPr wrap="square" rtlCol="0">
+            <a:spAutoFit/>
+          </a:bodyPr>
+          <a:lstStyle/>
+          <a:p>
+            <a:r>
+              <a:rPr lang="en-US" dirty="0" smtClean="0">
+                <a:latin typeface="Century Schoolbook" pitchFamily="18" charset="0"/>
+              </a:rPr>
+              <a:t>7x7</a:t>
+            </a:r>
+            <a:endParaRPr lang="en-US" dirty="0">
+              <a:latin typeface="Century Schoolbook" pitchFamily="18" charset="0"/>
+            </a:endParaRPr>
+          </a:p>
+        </p:txBody>
+      </p:sp>
+      <p:sp>
+        <p:nvSpPr>
+          <p:cNvPr id="13" name="CaixaDeTexto 12"/>
+          <p:cNvSpPr txBox="1"/>
+          <p:nvPr/>
+        </p:nvSpPr>
+        <p:spPr>
+          <a:xfrm>
+            <a:off x="6444208" y="5733256"/>
+            <a:ext cx="1224136" cy="369332"/>
+          </a:xfrm>
+          <a:prstGeom prst="rect">
+            <a:avLst/>
+          </a:prstGeom>
+          <a:noFill/>
+        </p:spPr>
+        <p:txBody>
+          <a:bodyPr wrap="square" rtlCol="0">
+            <a:spAutoFit/>
+          </a:bodyPr>
+          <a:lstStyle/>
+          <a:p>
+            <a:r>
+              <a:rPr lang="en-US" dirty="0" smtClean="0">
+                <a:latin typeface="Century Schoolbook" pitchFamily="18" charset="0"/>
+              </a:rPr>
+              <a:t>9x9</a:t>
+            </a:r>
+            <a:endParaRPr lang="en-US" dirty="0">
+              <a:latin typeface="Century Schoolbook" pitchFamily="18" charset="0"/>
+            </a:endParaRPr>
+          </a:p>
+        </p:txBody>
+      </p:sp>
+      <p:pic>
+        <p:nvPicPr>
+          <p:cNvPr id="10" name="Imagem 9" descr="lena7.png"/>
+          <p:cNvPicPr>
+            <a:picLocks noChangeAspect="1"/>
+          </p:cNvPicPr>
+          <p:nvPr/>
+        </p:nvPicPr>
+        <p:blipFill>
+          <a:blip r:embed="rId2" cstate="print"/>
+          <a:stretch>
+            <a:fillRect/>
+          </a:stretch>
+        </p:blipFill>
+        <p:spPr>
+          <a:xfrm>
+            <a:off x="446376" y="1679640"/>
+            <a:ext cx="3909600" cy="3909600"/>
+          </a:xfrm>
+          <a:prstGeom prst="rect">
+            <a:avLst/>
+          </a:prstGeom>
+        </p:spPr>
+      </p:pic>
+      <p:pic>
+        <p:nvPicPr>
+          <p:cNvPr id="12" name="Imagem 11" descr="lena9.png"/>
+          <p:cNvPicPr>
+            <a:picLocks noChangeAspect="1"/>
+          </p:cNvPicPr>
+          <p:nvPr/>
+        </p:nvPicPr>
+        <p:blipFill>
+          <a:blip r:embed="rId3" cstate="print"/>
+          <a:stretch>
+            <a:fillRect/>
+          </a:stretch>
+        </p:blipFill>
+        <p:spPr>
+          <a:xfrm>
+            <a:off x="4716016" y="1679640"/>
+            <a:ext cx="3909600" cy="3909600"/>
+          </a:xfrm>
+          <a:prstGeom prst="rect">
+            <a:avLst/>
+          </a:prstGeom>
+        </p:spPr>
+      </p:pic>
+    </p:spTree>
+  </p:cSld>
+  <p:clrMapOvr>
+    <a:masterClrMapping/>
+  </p:clrMapOvr>
+  <p:timing>
+    <p:tnLst>
+      <p:par>
+        <p:cTn id="1" dur="indefinite" restart="never" nodeType="tmRoot">
+          <p:childTnLst>
+            <p:seq>
+              <p:cTn id="2" nodeType="mainSeq"/>
+              <p:prevCondLst>
+                <p:cond evt="onPrev" delay="0">
+                  <p:tgtEl>
+                    <p:sldTgt/>
+                  </p:tgtEl>
+                </p:cond>
+              </p:prevCondLst>
+              <p:nextCondLst>
+                <p:cond evt="onNext" delay="0">
+                  <p:tgtEl>
+                    <p:sldTgt/>
+                  </p:tgtEl>
+                </p:cond>
+              </p:nextCondLst>
+            </p:seq>
+          </p:childTnLst>
+        </p:cTn>
+      </p:par>
+    </p:tnLst>
+  </p:timing>
+</p:sld>
+</file>
+
+<file path=ppt/slides/slide17.xml><?xml version="1.0" encoding="utf-8"?>
+<p:sld xmlns:a="http://schemas.openxmlformats.org/drawingml/2006/main" xmlns:r="http://schemas.openxmlformats.org/officeDocument/2006/relationships" xmlns:p="http://schemas.openxmlformats.org/presentationml/2006/main">
+  <p:cSld>
+    <p:spTree>
+      <p:nvGrpSpPr>
+        <p:cNvPr id="1" name=""/>
+        <p:cNvGrpSpPr/>
+        <p:nvPr/>
+      </p:nvGrpSpPr>
+      <p:grpSpPr>
+        <a:xfrm>
+          <a:off x="0" y="0"/>
+          <a:ext cx="0" cy="0"/>
+          <a:chOff x="0" y="0"/>
+          <a:chExt cx="0" cy="0"/>
+        </a:xfrm>
+      </p:grpSpPr>
+      <p:sp>
+        <p:nvSpPr>
+          <p:cNvPr id="159" name="TextShape 1"/>
+          <p:cNvSpPr txBox="1"/>
+          <p:nvPr/>
+        </p:nvSpPr>
+        <p:spPr>
+          <a:xfrm>
+            <a:off x="395536" y="116632"/>
+            <a:ext cx="7776864" cy="1142640"/>
+          </a:xfrm>
+          <a:prstGeom prst="rect">
+            <a:avLst/>
+          </a:prstGeom>
+          <a:noFill/>
+          <a:ln>
+            <a:noFill/>
+          </a:ln>
+        </p:spPr>
+        <p:txBody>
+          <a:bodyPr lIns="0" tIns="0" rIns="0" bIns="0" anchor="ctr"/>
+          <a:lstStyle/>
+          <a:p>
+            <a:r>
+              <a:rPr lang="pt-BR" sz="3000" b="1" strike="noStrike" spc="-1" dirty="0" smtClean="0">
+                <a:solidFill>
+                  <a:srgbClr val="000000"/>
+                </a:solidFill>
+                <a:uFill>
+                  <a:solidFill>
+                    <a:srgbClr val="FFFFFF"/>
+                  </a:solidFill>
+                </a:uFill>
+                <a:latin typeface="Century Schoolbook"/>
+              </a:rPr>
+              <a:t>RESULTADO</a:t>
+            </a:r>
+            <a:r>
+              <a:rPr lang="pt-BR" sz="3000" strike="noStrike" spc="-1" dirty="0" smtClean="0">
+                <a:solidFill>
+                  <a:srgbClr val="000000"/>
+                </a:solidFill>
+                <a:uFill>
+                  <a:solidFill>
+                    <a:srgbClr val="FFFFFF"/>
+                  </a:solidFill>
+                </a:uFill>
+                <a:latin typeface="Century Schoolbook"/>
+              </a:rPr>
+              <a:t>: MÉDIA DAS IMAGENS</a:t>
+            </a:r>
+          </a:p>
+        </p:txBody>
+      </p:sp>
+      <p:graphicFrame>
+        <p:nvGraphicFramePr>
+          <p:cNvPr id="5" name="Gráfico 4"/>
+          <p:cNvGraphicFramePr/>
+          <p:nvPr/>
+        </p:nvGraphicFramePr>
+        <p:xfrm>
+          <a:off x="2483768" y="1268760"/>
+          <a:ext cx="4572000" cy="2743200"/>
+        </p:xfrm>
+        <a:graphic>
+          <a:graphicData uri="http://schemas.openxmlformats.org/drawingml/2006/chart">
+            <c:chart xmlns:c="http://schemas.openxmlformats.org/drawingml/2006/chart" xmlns:r="http://schemas.openxmlformats.org/officeDocument/2006/relationships" r:id="rId2"/>
+          </a:graphicData>
+        </a:graphic>
+      </p:graphicFrame>
+      <p:graphicFrame>
+        <p:nvGraphicFramePr>
+          <p:cNvPr id="6" name="Gráfico 5"/>
+          <p:cNvGraphicFramePr/>
+          <p:nvPr/>
+        </p:nvGraphicFramePr>
+        <p:xfrm>
+          <a:off x="2411760" y="3933056"/>
+          <a:ext cx="4572000" cy="2743200"/>
+        </p:xfrm>
+        <a:graphic>
+          <a:graphicData uri="http://schemas.openxmlformats.org/drawingml/2006/chart">
+            <c:chart xmlns:c="http://schemas.openxmlformats.org/drawingml/2006/chart" xmlns:r="http://schemas.openxmlformats.org/officeDocument/2006/relationships" r:id="rId3"/>
+          </a:graphicData>
+        </a:graphic>
+      </p:graphicFrame>
+    </p:spTree>
+  </p:cSld>
+  <p:clrMapOvr>
+    <a:masterClrMapping/>
+  </p:clrMapOvr>
+  <p:timing>
+    <p:tnLst>
+      <p:par>
+        <p:cTn id="1" dur="indefinite" restart="never" nodeType="tmRoot">
+          <p:childTnLst>
+            <p:seq>
+              <p:cTn id="2" nodeType="mainSeq"/>
+              <p:prevCondLst>
+                <p:cond evt="onPrev" delay="0">
+                  <p:tgtEl>
+                    <p:sldTgt/>
+                  </p:tgtEl>
+                </p:cond>
+              </p:prevCondLst>
+              <p:nextCondLst>
+                <p:cond evt="onNext" delay="0">
+                  <p:tgtEl>
+                    <p:sldTgt/>
+                  </p:tgtEl>
+                </p:cond>
+              </p:nextCondLst>
+            </p:seq>
+          </p:childTnLst>
+        </p:cTn>
+      </p:par>
+    </p:tnLst>
+  </p:timing>
+</p:sld>
+</file>
+
+<file path=ppt/slides/slide18.xml><?xml version="1.0" encoding="utf-8"?>
+<p:sld xmlns:a="http://schemas.openxmlformats.org/drawingml/2006/main" xmlns:r="http://schemas.openxmlformats.org/officeDocument/2006/relationships" xmlns:p="http://schemas.openxmlformats.org/presentationml/2006/main">
+  <p:cSld>
+    <p:spTree>
+      <p:nvGrpSpPr>
+        <p:cNvPr id="1" name=""/>
+        <p:cNvGrpSpPr/>
+        <p:nvPr/>
+      </p:nvGrpSpPr>
+      <p:grpSpPr>
+        <a:xfrm>
+          <a:off x="0" y="0"/>
+          <a:ext cx="0" cy="0"/>
+          <a:chOff x="0" y="0"/>
+          <a:chExt cx="0" cy="0"/>
+        </a:xfrm>
+      </p:grpSpPr>
+      <p:sp>
+        <p:nvSpPr>
+          <p:cNvPr id="159" name="TextShape 1"/>
+          <p:cNvSpPr txBox="1"/>
+          <p:nvPr/>
+        </p:nvSpPr>
+        <p:spPr>
+          <a:xfrm>
+            <a:off x="457200" y="274680"/>
+            <a:ext cx="7467120" cy="1142640"/>
+          </a:xfrm>
+          <a:prstGeom prst="rect">
+            <a:avLst/>
+          </a:prstGeom>
+          <a:noFill/>
+          <a:ln>
+            <a:noFill/>
+          </a:ln>
+        </p:spPr>
+        <p:txBody>
+          <a:bodyPr lIns="0" tIns="0" rIns="0" bIns="0" anchor="ctr"/>
+          <a:lstStyle/>
+          <a:p>
+            <a:r>
+              <a:rPr lang="pt-BR" sz="3000" b="1" strike="noStrike" spc="-1" dirty="0" smtClean="0">
+                <a:solidFill>
+                  <a:srgbClr val="000000"/>
+                </a:solidFill>
+                <a:uFill>
+                  <a:solidFill>
+                    <a:srgbClr val="FFFFFF"/>
+                  </a:solidFill>
+                </a:uFill>
+                <a:latin typeface="Century Schoolbook"/>
+              </a:rPr>
+              <a:t>CONCLUSÃO</a:t>
+            </a:r>
+            <a:r>
+              <a:rPr lang="pt-BR" sz="3000" strike="noStrike" spc="-1" dirty="0" smtClean="0">
+                <a:solidFill>
+                  <a:srgbClr val="000000"/>
+                </a:solidFill>
+                <a:uFill>
+                  <a:solidFill>
+                    <a:srgbClr val="FFFFFF"/>
+                  </a:solidFill>
+                </a:uFill>
+                <a:latin typeface="Century Schoolbook"/>
+              </a:rPr>
+              <a:t>: FILTRO DA MÉDIA</a:t>
+            </a:r>
+          </a:p>
+        </p:txBody>
+      </p:sp>
+      <p:sp>
+        <p:nvSpPr>
+          <p:cNvPr id="160" name="TextShape 2"/>
+          <p:cNvSpPr txBox="1"/>
+          <p:nvPr/>
+        </p:nvSpPr>
+        <p:spPr>
+          <a:xfrm>
+            <a:off x="395536" y="1412776"/>
+            <a:ext cx="7467120" cy="4873320"/>
+          </a:xfrm>
+          <a:prstGeom prst="rect">
+            <a:avLst/>
+          </a:prstGeom>
+          <a:noFill/>
+          <a:ln>
+            <a:noFill/>
+          </a:ln>
+        </p:spPr>
+        <p:txBody>
+          <a:bodyPr lIns="0" tIns="0" rIns="0" bIns="0"/>
+          <a:lstStyle/>
+          <a:p>
+            <a:pPr marL="432000" indent="-324000" algn="just">
+              <a:buClr>
+                <a:srgbClr val="000000"/>
+              </a:buClr>
+              <a:buSzPct val="45000"/>
+              <a:buFont typeface="Wingdings" charset="2"/>
+              <a:buChar char=""/>
+            </a:pPr>
+            <a:r>
+              <a:rPr lang="pt-BR" sz="2300" spc="-1" dirty="0" smtClean="0">
+                <a:solidFill>
+                  <a:srgbClr val="000000"/>
+                </a:solidFill>
+                <a:uFill>
+                  <a:solidFill>
+                    <a:srgbClr val="FFFFFF"/>
+                  </a:solidFill>
+                </a:uFill>
+                <a:latin typeface="Century Schoolbook"/>
+              </a:rPr>
+              <a:t>Pelo gráfico observamos que para o Filtro da Média existe um compromisso entre a remoção do ruído e a perda de informação da imagem.</a:t>
+            </a:r>
+          </a:p>
+          <a:p>
+            <a:pPr marL="432000" indent="-324000" algn="just">
+              <a:buClr>
+                <a:srgbClr val="000000"/>
+              </a:buClr>
+              <a:buSzPct val="45000"/>
+              <a:buFont typeface="Wingdings" charset="2"/>
+              <a:buChar char=""/>
+            </a:pPr>
+            <a:endParaRPr lang="pt-BR" sz="2300" spc="-1" dirty="0" smtClean="0">
+              <a:solidFill>
+                <a:srgbClr val="000000"/>
+              </a:solidFill>
+              <a:uFill>
+                <a:solidFill>
+                  <a:srgbClr val="FFFFFF"/>
+                </a:solidFill>
+              </a:uFill>
+              <a:latin typeface="Century Schoolbook"/>
+            </a:endParaRPr>
+          </a:p>
+          <a:p>
+            <a:pPr marL="432000" indent="-324000" algn="just">
+              <a:buClr>
+                <a:srgbClr val="000000"/>
+              </a:buClr>
+              <a:buSzPct val="45000"/>
+              <a:buFont typeface="Wingdings" charset="2"/>
+              <a:buChar char=""/>
+            </a:pPr>
+            <a:r>
+              <a:rPr lang="pt-BR" sz="2300" spc="-1" dirty="0" smtClean="0">
+                <a:solidFill>
+                  <a:srgbClr val="000000"/>
+                </a:solidFill>
+                <a:uFill>
+                  <a:solidFill>
+                    <a:srgbClr val="FFFFFF"/>
+                  </a:solidFill>
+                </a:uFill>
+                <a:latin typeface="Century Schoolbook"/>
+              </a:rPr>
+              <a:t>Ao aumentarmos o tamanho da janela até 7x7, temos uma melhoria da qualidade da imagem. No entanto, quando usamos uma janela de 9x9, a qualidade da imagem começa a </a:t>
+            </a:r>
+            <a:r>
+              <a:rPr lang="pt-BR" sz="2300" spc="-1" dirty="0" err="1" smtClean="0">
+                <a:solidFill>
+                  <a:srgbClr val="000000"/>
+                </a:solidFill>
+                <a:uFill>
+                  <a:solidFill>
+                    <a:srgbClr val="FFFFFF"/>
+                  </a:solidFill>
+                </a:uFill>
+                <a:latin typeface="Century Schoolbook"/>
+              </a:rPr>
+              <a:t>descrescer</a:t>
+            </a:r>
+            <a:r>
+              <a:rPr lang="pt-BR" sz="2300" spc="-1" dirty="0" smtClean="0">
+                <a:solidFill>
+                  <a:srgbClr val="000000"/>
+                </a:solidFill>
+                <a:uFill>
+                  <a:solidFill>
+                    <a:srgbClr val="FFFFFF"/>
+                  </a:solidFill>
+                </a:uFill>
+                <a:latin typeface="Century Schoolbook"/>
+              </a:rPr>
+              <a:t>.   </a:t>
+            </a:r>
+            <a:endParaRPr lang="pt-BR" sz="2300" strike="noStrike" spc="-1" dirty="0">
+              <a:solidFill>
+                <a:srgbClr val="000000"/>
+              </a:solidFill>
+              <a:uFill>
+                <a:solidFill>
+                  <a:srgbClr val="FFFFFF"/>
+                </a:solidFill>
+              </a:uFill>
+              <a:latin typeface="Century Schoolbook"/>
+            </a:endParaRPr>
+          </a:p>
+        </p:txBody>
+      </p:sp>
+    </p:spTree>
+  </p:cSld>
+  <p:clrMapOvr>
+    <a:masterClrMapping/>
+  </p:clrMapOvr>
+  <p:timing>
+    <p:tnLst>
+      <p:par>
+        <p:cTn id="1" dur="indefinite" restart="never" nodeType="tmRoot">
+          <p:childTnLst>
+            <p:seq>
+              <p:cTn id="2" nodeType="mainSeq"/>
+              <p:prevCondLst>
+                <p:cond evt="onPrev" delay="0">
+                  <p:tgtEl>
+                    <p:sldTgt/>
+                  </p:tgtEl>
+                </p:cond>
+              </p:prevCondLst>
+              <p:nextCondLst>
+                <p:cond evt="onNext" delay="0">
+                  <p:tgtEl>
+                    <p:sldTgt/>
+                  </p:tgtEl>
+                </p:cond>
+              </p:nextCondLst>
+            </p:seq>
+          </p:childTnLst>
+        </p:cTn>
+      </p:par>
+    </p:tnLst>
+  </p:timing>
+</p:sld>
+</file>
+
+<file path=ppt/slides/slide19.xml><?xml version="1.0" encoding="utf-8"?>
+<p:sld xmlns:a="http://schemas.openxmlformats.org/drawingml/2006/main" xmlns:r="http://schemas.openxmlformats.org/officeDocument/2006/relationships" xmlns:p="http://schemas.openxmlformats.org/presentationml/2006/main">
+  <p:cSld>
+    <p:spTree>
+      <p:nvGrpSpPr>
+        <p:cNvPr id="1" name=""/>
+        <p:cNvGrpSpPr/>
+        <p:nvPr/>
+      </p:nvGrpSpPr>
+      <p:grpSpPr>
+        <a:xfrm>
+          <a:off x="0" y="0"/>
+          <a:ext cx="0" cy="0"/>
+          <a:chOff x="0" y="0"/>
+          <a:chExt cx="0" cy="0"/>
+        </a:xfrm>
+      </p:grpSpPr>
+      <p:sp>
+        <p:nvSpPr>
+          <p:cNvPr id="159" name="TextShape 1"/>
+          <p:cNvSpPr txBox="1"/>
+          <p:nvPr/>
+        </p:nvSpPr>
+        <p:spPr>
+          <a:xfrm>
+            <a:off x="457200" y="274680"/>
+            <a:ext cx="7467120" cy="1142640"/>
+          </a:xfrm>
+          <a:prstGeom prst="rect">
+            <a:avLst/>
+          </a:prstGeom>
+          <a:noFill/>
+          <a:ln>
+            <a:noFill/>
+          </a:ln>
+        </p:spPr>
+        <p:txBody>
+          <a:bodyPr lIns="0" tIns="0" rIns="0" bIns="0" anchor="ctr"/>
+          <a:lstStyle/>
+          <a:p>
+            <a:r>
+              <a:rPr lang="pt-BR" sz="3000" b="1" strike="noStrike" spc="-1" dirty="0" smtClean="0">
+                <a:solidFill>
+                  <a:srgbClr val="000000"/>
+                </a:solidFill>
+                <a:uFill>
+                  <a:solidFill>
+                    <a:srgbClr val="FFFFFF"/>
+                  </a:solidFill>
+                </a:uFill>
+                <a:latin typeface="Century Schoolbook"/>
+              </a:rPr>
+              <a:t>CONCLUSÃO</a:t>
+            </a:r>
+            <a:r>
+              <a:rPr lang="pt-BR" sz="3000" strike="noStrike" spc="-1" dirty="0" smtClean="0">
+                <a:solidFill>
+                  <a:srgbClr val="000000"/>
+                </a:solidFill>
+                <a:uFill>
+                  <a:solidFill>
+                    <a:srgbClr val="FFFFFF"/>
+                  </a:solidFill>
+                </a:uFill>
+                <a:latin typeface="Century Schoolbook"/>
+              </a:rPr>
+              <a:t>: </a:t>
+            </a:r>
+            <a:r>
+              <a:rPr lang="pt-BR" sz="3000" spc="-1" dirty="0" smtClean="0">
+                <a:solidFill>
+                  <a:srgbClr val="000000"/>
+                </a:solidFill>
+                <a:uFill>
+                  <a:solidFill>
+                    <a:srgbClr val="FFFFFF"/>
+                  </a:solidFill>
+                </a:uFill>
+                <a:latin typeface="Century Schoolbook"/>
+              </a:rPr>
+              <a:t>MSE </a:t>
+            </a:r>
+            <a:r>
+              <a:rPr lang="pt-BR" sz="3000" spc="-1" dirty="0" err="1" smtClean="0">
+                <a:solidFill>
+                  <a:srgbClr val="000000"/>
+                </a:solidFill>
+                <a:uFill>
+                  <a:solidFill>
+                    <a:srgbClr val="FFFFFF"/>
+                  </a:solidFill>
+                </a:uFill>
+                <a:latin typeface="Century Schoolbook"/>
+              </a:rPr>
+              <a:t>vs</a:t>
+            </a:r>
+            <a:r>
+              <a:rPr lang="pt-BR" sz="3000" spc="-1" dirty="0" smtClean="0">
+                <a:solidFill>
+                  <a:srgbClr val="000000"/>
+                </a:solidFill>
+                <a:uFill>
+                  <a:solidFill>
+                    <a:srgbClr val="FFFFFF"/>
+                  </a:solidFill>
+                </a:uFill>
+                <a:latin typeface="Century Schoolbook"/>
+              </a:rPr>
+              <a:t> SSIM</a:t>
+            </a:r>
+            <a:endParaRPr lang="pt-BR" sz="3000" strike="noStrike" spc="-1" dirty="0" smtClean="0">
+              <a:solidFill>
+                <a:srgbClr val="000000"/>
+              </a:solidFill>
+              <a:uFill>
+                <a:solidFill>
+                  <a:srgbClr val="FFFFFF"/>
+                </a:solidFill>
+              </a:uFill>
+              <a:latin typeface="Century Schoolbook"/>
+            </a:endParaRPr>
+          </a:p>
+        </p:txBody>
+      </p:sp>
+      <p:sp>
+        <p:nvSpPr>
+          <p:cNvPr id="160" name="TextShape 2"/>
+          <p:cNvSpPr txBox="1"/>
+          <p:nvPr/>
+        </p:nvSpPr>
+        <p:spPr>
+          <a:xfrm>
+            <a:off x="395536" y="1412776"/>
+            <a:ext cx="7467120" cy="4873320"/>
+          </a:xfrm>
+          <a:prstGeom prst="rect">
+            <a:avLst/>
+          </a:prstGeom>
+          <a:noFill/>
+          <a:ln>
+            <a:noFill/>
+          </a:ln>
+        </p:spPr>
+        <p:txBody>
+          <a:bodyPr lIns="0" tIns="0" rIns="0" bIns="0"/>
+          <a:lstStyle/>
+          <a:p>
+            <a:pPr marL="432000" indent="-324000" algn="just">
+              <a:buClr>
+                <a:srgbClr val="000000"/>
+              </a:buClr>
+              <a:buSzPct val="45000"/>
+              <a:buFont typeface="Wingdings" charset="2"/>
+              <a:buChar char=""/>
+            </a:pPr>
+            <a:r>
+              <a:rPr lang="pt-BR" sz="2300" spc="-1" dirty="0" smtClean="0">
+                <a:solidFill>
+                  <a:srgbClr val="000000"/>
+                </a:solidFill>
+                <a:uFill>
+                  <a:solidFill>
+                    <a:srgbClr val="FFFFFF"/>
+                  </a:solidFill>
+                </a:uFill>
+                <a:latin typeface="Century Schoolbook"/>
+              </a:rPr>
+              <a:t>Como dito no começo do trabalho, o SSIM é um indicador que leva em conta a percepção visual humana. Nesse trabalho, devido ao ruído e filtros utilizados, não conseguimos ver uma diferença entre o SSIM e o MSE.</a:t>
+            </a:r>
+          </a:p>
+          <a:p>
+            <a:pPr marL="432000" indent="-324000" algn="just">
+              <a:buClr>
+                <a:srgbClr val="000000"/>
+              </a:buClr>
+              <a:buSzPct val="45000"/>
+              <a:buFont typeface="Wingdings" charset="2"/>
+              <a:buChar char=""/>
+            </a:pPr>
+            <a:endParaRPr lang="pt-BR" sz="2300" strike="noStrike" spc="-1" dirty="0" smtClean="0">
+              <a:solidFill>
+                <a:srgbClr val="000000"/>
+              </a:solidFill>
+              <a:uFill>
+                <a:solidFill>
+                  <a:srgbClr val="FFFFFF"/>
+                </a:solidFill>
+              </a:uFill>
+              <a:latin typeface="Century Schoolbook"/>
+            </a:endParaRPr>
+          </a:p>
+          <a:p>
+            <a:pPr marL="432000" indent="-324000" algn="just">
+              <a:buClr>
+                <a:srgbClr val="000000"/>
+              </a:buClr>
+              <a:buSzPct val="45000"/>
+              <a:buFont typeface="Wingdings" charset="2"/>
+              <a:buChar char=""/>
+            </a:pPr>
+            <a:r>
+              <a:rPr lang="pt-BR" sz="2300" spc="-1" dirty="0" smtClean="0">
+                <a:solidFill>
+                  <a:srgbClr val="000000"/>
+                </a:solidFill>
+                <a:uFill>
+                  <a:solidFill>
+                    <a:srgbClr val="FFFFFF"/>
+                  </a:solidFill>
+                </a:uFill>
+                <a:latin typeface="Century Schoolbook"/>
+              </a:rPr>
+              <a:t>Ambos os indicadores se mostraram efetivos para esse trabalho. No entanto, devido ao SSIM variar de -1 a 1, é </a:t>
+            </a:r>
+            <a:r>
+              <a:rPr lang="pt-BR" sz="2300" spc="-1" smtClean="0">
+                <a:solidFill>
+                  <a:srgbClr val="000000"/>
+                </a:solidFill>
+                <a:uFill>
+                  <a:solidFill>
+                    <a:srgbClr val="FFFFFF"/>
+                  </a:solidFill>
+                </a:uFill>
+                <a:latin typeface="Century Schoolbook"/>
+              </a:rPr>
+              <a:t>melhor para visualizar </a:t>
+            </a:r>
+            <a:r>
+              <a:rPr lang="pt-BR" sz="2300" spc="-1" dirty="0" smtClean="0">
+                <a:solidFill>
+                  <a:srgbClr val="000000"/>
+                </a:solidFill>
+                <a:uFill>
+                  <a:solidFill>
+                    <a:srgbClr val="FFFFFF"/>
+                  </a:solidFill>
+                </a:uFill>
+                <a:latin typeface="Century Schoolbook"/>
+              </a:rPr>
+              <a:t>a variação da qualidade da imagem.</a:t>
+            </a:r>
+            <a:endParaRPr lang="pt-BR" sz="2300" strike="noStrike" spc="-1" dirty="0">
+              <a:solidFill>
+                <a:srgbClr val="000000"/>
+              </a:solidFill>
+              <a:uFill>
+                <a:solidFill>
+                  <a:srgbClr val="FFFFFF"/>
+                </a:solidFill>
+              </a:uFill>
+              <a:latin typeface="Century Schoolbook"/>
+            </a:endParaRPr>
           </a:p>
         </p:txBody>
       </p:sp>
@@ -8621,7 +12293,7 @@
           <a:lstStyle/>
           <a:p>
             <a:r>
-              <a:rPr lang="pt-BR" sz="3000" strike="noStrike" spc="-1">
+              <a:rPr lang="pt-BR" sz="3000" b="1" strike="noStrike" spc="-1" dirty="0">
                 <a:solidFill>
                   <a:srgbClr val="000000"/>
                 </a:solidFill>
@@ -8701,7 +12373,7 @@
                 </a:uFill>
                 <a:latin typeface="Century Schoolbook"/>
               </a:rPr>
-              <a:t>Verificar os resultados dos filtros da média e filtro da média adaptativo.</a:t>
+              <a:t>Verificar os resultados da média das imagens e do filtro da média.</a:t>
             </a:r>
           </a:p>
           <a:p>
@@ -8746,7 +12418,63 @@
                 </a:uFill>
                 <a:latin typeface="Century Schoolbook"/>
               </a:rPr>
-              <a:t>Entender os indicadores de qualidade da imagem como o MSE, SSIM e o PSNR.</a:t>
+              <a:t>Entender os indicadores de qualidade da imagem como o MSE, o PSNR e o SSIM (</a:t>
+            </a:r>
+            <a:r>
+              <a:rPr lang="pt-BR" sz="2400" spc="-1" dirty="0" err="1" smtClean="0">
+                <a:solidFill>
+                  <a:srgbClr val="000000"/>
+                </a:solidFill>
+                <a:uFill>
+                  <a:solidFill>
+                    <a:srgbClr val="FFFFFF"/>
+                  </a:solidFill>
+                </a:uFill>
+                <a:latin typeface="Century Schoolbook"/>
+              </a:rPr>
+              <a:t>Wang</a:t>
+            </a:r>
+            <a:r>
+              <a:rPr lang="pt-BR" sz="2400" spc="-1" dirty="0" smtClean="0">
+                <a:solidFill>
+                  <a:srgbClr val="000000"/>
+                </a:solidFill>
+                <a:uFill>
+                  <a:solidFill>
+                    <a:srgbClr val="FFFFFF"/>
+                  </a:solidFill>
+                </a:uFill>
+                <a:latin typeface="Century Schoolbook"/>
+              </a:rPr>
+              <a:t> </a:t>
+            </a:r>
+            <a:r>
+              <a:rPr lang="pt-BR" sz="2400" spc="-1" dirty="0" err="1" smtClean="0">
+                <a:solidFill>
+                  <a:srgbClr val="000000"/>
+                </a:solidFill>
+                <a:uFill>
+                  <a:solidFill>
+                    <a:srgbClr val="FFFFFF"/>
+                  </a:solidFill>
+                </a:uFill>
+                <a:latin typeface="Century Schoolbook"/>
+              </a:rPr>
+              <a:t>et</a:t>
+            </a:r>
+            <a:r>
+              <a:rPr lang="pt-BR" sz="2400" spc="-1" dirty="0" smtClean="0">
+                <a:solidFill>
+                  <a:srgbClr val="000000"/>
+                </a:solidFill>
+                <a:uFill>
+                  <a:solidFill>
+                    <a:srgbClr val="FFFFFF"/>
+                  </a:solidFill>
+                </a:uFill>
+                <a:latin typeface="Century Schoolbook"/>
+              </a:rPr>
+              <a:t> al., 2004).</a:t>
             </a:r>
           </a:p>
           <a:p>
@@ -8769,6 +12497,580 @@
               </a:uFill>
               <a:latin typeface="Century Schoolbook"/>
             </a:endParaRPr>
+          </a:p>
+        </p:txBody>
+      </p:sp>
+    </p:spTree>
+  </p:cSld>
+  <p:clrMapOvr>
+    <a:masterClrMapping/>
+  </p:clrMapOvr>
+  <p:timing>
+    <p:tnLst>
+      <p:par>
+        <p:cTn id="1" dur="indefinite" restart="never" nodeType="tmRoot">
+          <p:childTnLst>
+            <p:seq>
+              <p:cTn id="2" nodeType="mainSeq"/>
+              <p:prevCondLst>
+                <p:cond evt="onPrev" delay="0">
+                  <p:tgtEl>
+                    <p:sldTgt/>
+                  </p:tgtEl>
+                </p:cond>
+              </p:prevCondLst>
+              <p:nextCondLst>
+                <p:cond evt="onNext" delay="0">
+                  <p:tgtEl>
+                    <p:sldTgt/>
+                  </p:tgtEl>
+                </p:cond>
+              </p:nextCondLst>
+            </p:seq>
+          </p:childTnLst>
+        </p:cTn>
+      </p:par>
+    </p:tnLst>
+  </p:timing>
+</p:sld>
+</file>
+
+<file path=ppt/slides/slide20.xml><?xml version="1.0" encoding="utf-8"?>
+<p:sld xmlns:a="http://schemas.openxmlformats.org/drawingml/2006/main" xmlns:r="http://schemas.openxmlformats.org/officeDocument/2006/relationships" xmlns:p="http://schemas.openxmlformats.org/presentationml/2006/main">
+  <p:cSld>
+    <p:spTree>
+      <p:nvGrpSpPr>
+        <p:cNvPr id="1" name=""/>
+        <p:cNvGrpSpPr/>
+        <p:nvPr/>
+      </p:nvGrpSpPr>
+      <p:grpSpPr>
+        <a:xfrm>
+          <a:off x="0" y="0"/>
+          <a:ext cx="0" cy="0"/>
+          <a:chOff x="0" y="0"/>
+          <a:chExt cx="0" cy="0"/>
+        </a:xfrm>
+      </p:grpSpPr>
+      <p:sp>
+        <p:nvSpPr>
+          <p:cNvPr id="159" name="TextShape 1"/>
+          <p:cNvSpPr txBox="1"/>
+          <p:nvPr/>
+        </p:nvSpPr>
+        <p:spPr>
+          <a:xfrm>
+            <a:off x="457200" y="274680"/>
+            <a:ext cx="7467120" cy="1142640"/>
+          </a:xfrm>
+          <a:prstGeom prst="rect">
+            <a:avLst/>
+          </a:prstGeom>
+          <a:noFill/>
+          <a:ln>
+            <a:noFill/>
+          </a:ln>
+        </p:spPr>
+        <p:txBody>
+          <a:bodyPr lIns="0" tIns="0" rIns="0" bIns="0" anchor="ctr"/>
+          <a:lstStyle/>
+          <a:p>
+            <a:r>
+              <a:rPr lang="pt-BR" sz="3000" strike="noStrike" spc="-1" dirty="0" smtClean="0">
+                <a:solidFill>
+                  <a:srgbClr val="000000"/>
+                </a:solidFill>
+                <a:uFill>
+                  <a:solidFill>
+                    <a:srgbClr val="FFFFFF"/>
+                  </a:solidFill>
+                </a:uFill>
+                <a:latin typeface="Century Schoolbook"/>
+              </a:rPr>
+              <a:t>REFERÊNCIAS</a:t>
+            </a:r>
+            <a:endParaRPr lang="pt-BR" sz="3000" strike="noStrike" spc="-1" dirty="0">
+              <a:solidFill>
+                <a:srgbClr val="000000"/>
+              </a:solidFill>
+              <a:uFill>
+                <a:solidFill>
+                  <a:srgbClr val="FFFFFF"/>
+                </a:solidFill>
+              </a:uFill>
+              <a:latin typeface="Century Schoolbook"/>
+            </a:endParaRPr>
+          </a:p>
+        </p:txBody>
+      </p:sp>
+      <p:sp>
+        <p:nvSpPr>
+          <p:cNvPr id="160" name="TextShape 2"/>
+          <p:cNvSpPr txBox="1"/>
+          <p:nvPr/>
+        </p:nvSpPr>
+        <p:spPr>
+          <a:xfrm>
+            <a:off x="457200" y="1600200"/>
+            <a:ext cx="7571184" cy="4873320"/>
+          </a:xfrm>
+          <a:prstGeom prst="rect">
+            <a:avLst/>
+          </a:prstGeom>
+          <a:noFill/>
+          <a:ln>
+            <a:noFill/>
+          </a:ln>
+        </p:spPr>
+        <p:txBody>
+          <a:bodyPr lIns="0" tIns="0" rIns="0" bIns="0"/>
+          <a:lstStyle/>
+          <a:p>
+            <a:pPr marL="432000" indent="-324000">
+              <a:buClr>
+                <a:srgbClr val="000000"/>
+              </a:buClr>
+              <a:buSzPct val="45000"/>
+            </a:pPr>
+            <a:endParaRPr lang="pt-BR" sz="2400" strike="noStrike" spc="-1" dirty="0">
+              <a:solidFill>
+                <a:srgbClr val="000000"/>
+              </a:solidFill>
+              <a:uFill>
+                <a:solidFill>
+                  <a:srgbClr val="FFFFFF"/>
+                </a:solidFill>
+              </a:uFill>
+              <a:latin typeface="Century Schoolbook"/>
+            </a:endParaRPr>
+          </a:p>
+          <a:p>
+            <a:pPr marL="432000" indent="-324000">
+              <a:buClr>
+                <a:srgbClr val="000000"/>
+              </a:buClr>
+              <a:buSzPct val="45000"/>
+              <a:buFont typeface="Wingdings" charset="2"/>
+              <a:buChar char=""/>
+            </a:pPr>
+            <a:endParaRPr lang="pt-BR" sz="2400" strike="noStrike" spc="-1" dirty="0">
+              <a:solidFill>
+                <a:srgbClr val="000000"/>
+              </a:solidFill>
+              <a:uFill>
+                <a:solidFill>
+                  <a:srgbClr val="FFFFFF"/>
+                </a:solidFill>
+              </a:uFill>
+              <a:latin typeface="Century Schoolbook"/>
+            </a:endParaRPr>
+          </a:p>
+        </p:txBody>
+      </p:sp>
+      <p:sp>
+        <p:nvSpPr>
+          <p:cNvPr id="5" name="TextShape 1"/>
+          <p:cNvSpPr txBox="1"/>
+          <p:nvPr/>
+        </p:nvSpPr>
+        <p:spPr>
+          <a:xfrm>
+            <a:off x="489256" y="1484784"/>
+            <a:ext cx="7467120" cy="3960440"/>
+          </a:xfrm>
+          <a:prstGeom prst="rect">
+            <a:avLst/>
+          </a:prstGeom>
+          <a:noFill/>
+          <a:ln>
+            <a:noFill/>
+          </a:ln>
+        </p:spPr>
+        <p:txBody>
+          <a:bodyPr lIns="0" tIns="0" rIns="0" bIns="0" anchor="t"/>
+          <a:lstStyle/>
+          <a:p>
+            <a:pPr algn="just">
+              <a:buFont typeface="Arial" pitchFamily="34" charset="0"/>
+              <a:buChar char="•"/>
+            </a:pPr>
+            <a:r>
+              <a:rPr lang="en-US" sz="2400" spc="-1" dirty="0" smtClean="0">
+                <a:solidFill>
+                  <a:srgbClr val="000000"/>
+                </a:solidFill>
+                <a:uFill>
+                  <a:solidFill>
+                    <a:srgbClr val="FFFFFF"/>
+                  </a:solidFill>
+                </a:uFill>
+                <a:latin typeface="Century Schoolbook"/>
+              </a:rPr>
+              <a:t> </a:t>
+            </a:r>
+            <a:r>
+              <a:rPr lang="en-US" sz="2200" spc="-1" dirty="0" smtClean="0">
+                <a:solidFill>
+                  <a:srgbClr val="000000"/>
+                </a:solidFill>
+                <a:uFill>
+                  <a:solidFill>
+                    <a:srgbClr val="FFFFFF"/>
+                  </a:solidFill>
+                </a:uFill>
+                <a:latin typeface="Century Schoolbook"/>
+              </a:rPr>
+              <a:t>WANG, Zhou et al. Image quality assessment: from error visibility to structural similarity. </a:t>
+            </a:r>
+            <a:r>
+              <a:rPr lang="en-US" sz="2200" b="1" spc="-1" dirty="0" smtClean="0">
+                <a:solidFill>
+                  <a:srgbClr val="000000"/>
+                </a:solidFill>
+                <a:uFill>
+                  <a:solidFill>
+                    <a:srgbClr val="FFFFFF"/>
+                  </a:solidFill>
+                </a:uFill>
+                <a:latin typeface="Century Schoolbook"/>
+              </a:rPr>
+              <a:t>Image Processing, IEEE Transactions </a:t>
+            </a:r>
+            <a:r>
+              <a:rPr lang="en-US" sz="2200" spc="-1" dirty="0" smtClean="0">
+                <a:solidFill>
+                  <a:srgbClr val="000000"/>
+                </a:solidFill>
+                <a:uFill>
+                  <a:solidFill>
+                    <a:srgbClr val="FFFFFF"/>
+                  </a:solidFill>
+                </a:uFill>
+                <a:latin typeface="Century Schoolbook"/>
+              </a:rPr>
+              <a:t>on, v. 13, n. 4, p. 600-612, 2004.</a:t>
+            </a:r>
+          </a:p>
+          <a:p>
+            <a:pPr algn="just">
+              <a:buFont typeface="Arial" pitchFamily="34" charset="0"/>
+              <a:buChar char="•"/>
+            </a:pPr>
+            <a:endParaRPr lang="en-US" sz="2200" spc="-1" dirty="0" smtClean="0">
+              <a:solidFill>
+                <a:srgbClr val="000000"/>
+              </a:solidFill>
+              <a:uFill>
+                <a:solidFill>
+                  <a:srgbClr val="FFFFFF"/>
+                </a:solidFill>
+              </a:uFill>
+              <a:latin typeface="Century Schoolbook"/>
+            </a:endParaRPr>
+          </a:p>
+          <a:p>
+            <a:pPr algn="just">
+              <a:buFont typeface="Arial" pitchFamily="34" charset="0"/>
+              <a:buChar char="•"/>
+            </a:pPr>
+            <a:r>
+              <a:rPr lang="en-US" sz="2200" spc="-1" dirty="0" smtClean="0">
+                <a:solidFill>
+                  <a:srgbClr val="000000"/>
+                </a:solidFill>
+                <a:uFill>
+                  <a:solidFill>
+                    <a:srgbClr val="FFFFFF"/>
+                  </a:solidFill>
+                </a:uFill>
+                <a:latin typeface="Century Schoolbook"/>
+              </a:rPr>
+              <a:t> WANG, Zhou; BOVIK, Alan C.; LU, </a:t>
+            </a:r>
+            <a:r>
+              <a:rPr lang="en-US" sz="2200" spc="-1" dirty="0" err="1" smtClean="0">
+                <a:solidFill>
+                  <a:srgbClr val="000000"/>
+                </a:solidFill>
+                <a:uFill>
+                  <a:solidFill>
+                    <a:srgbClr val="FFFFFF"/>
+                  </a:solidFill>
+                </a:uFill>
+                <a:latin typeface="Century Schoolbook"/>
+              </a:rPr>
+              <a:t>Ligang</a:t>
+            </a:r>
+            <a:r>
+              <a:rPr lang="en-US" sz="2200" spc="-1" dirty="0" smtClean="0">
+                <a:solidFill>
+                  <a:srgbClr val="000000"/>
+                </a:solidFill>
+                <a:uFill>
+                  <a:solidFill>
+                    <a:srgbClr val="FFFFFF"/>
+                  </a:solidFill>
+                </a:uFill>
+                <a:latin typeface="Century Schoolbook"/>
+              </a:rPr>
+              <a:t>. Why is image quality assessment so difficult?. In: </a:t>
+            </a:r>
+            <a:r>
+              <a:rPr lang="en-US" sz="2200" b="1" spc="-1" dirty="0" smtClean="0">
+                <a:solidFill>
+                  <a:srgbClr val="000000"/>
+                </a:solidFill>
+                <a:uFill>
+                  <a:solidFill>
+                    <a:srgbClr val="FFFFFF"/>
+                  </a:solidFill>
+                </a:uFill>
+                <a:latin typeface="Century Schoolbook"/>
+              </a:rPr>
+              <a:t>Acoustics, Speech, and Signal Processing (ICASSP), 2002 IEEE International Conference on. </a:t>
+            </a:r>
+            <a:r>
+              <a:rPr lang="en-US" sz="2200" spc="-1" dirty="0" smtClean="0">
+                <a:solidFill>
+                  <a:srgbClr val="000000"/>
+                </a:solidFill>
+                <a:uFill>
+                  <a:solidFill>
+                    <a:srgbClr val="FFFFFF"/>
+                  </a:solidFill>
+                </a:uFill>
+                <a:latin typeface="Century Schoolbook"/>
+              </a:rPr>
+              <a:t>IEEE, 2002. p. IV-3313-IV-3316.</a:t>
+            </a:r>
+          </a:p>
+          <a:p>
+            <a:pPr algn="just">
+              <a:buFont typeface="Arial" pitchFamily="34" charset="0"/>
+              <a:buChar char="•"/>
+            </a:pPr>
+            <a:endParaRPr lang="en-US" sz="2200" strike="noStrike" spc="-1" dirty="0" smtClean="0">
+              <a:solidFill>
+                <a:srgbClr val="000000"/>
+              </a:solidFill>
+              <a:uFill>
+                <a:solidFill>
+                  <a:srgbClr val="FFFFFF"/>
+                </a:solidFill>
+              </a:uFill>
+              <a:latin typeface="Century Schoolbook"/>
+            </a:endParaRPr>
+          </a:p>
+          <a:p>
+            <a:pPr algn="just">
+              <a:buFont typeface="Arial" pitchFamily="34" charset="0"/>
+              <a:buChar char="•"/>
+            </a:pPr>
+            <a:r>
+              <a:rPr lang="pt-BR" sz="2200" spc="-1" dirty="0" smtClean="0">
+                <a:solidFill>
+                  <a:srgbClr val="000000"/>
+                </a:solidFill>
+                <a:uFill>
+                  <a:solidFill>
+                    <a:srgbClr val="FFFFFF"/>
+                  </a:solidFill>
+                </a:uFill>
+                <a:latin typeface="Century Schoolbook"/>
+              </a:rPr>
+              <a:t>GONZALEZ, Rafael C.; WOODS, Richard E. </a:t>
+            </a:r>
+            <a:r>
+              <a:rPr lang="pt-BR" sz="2200" b="1" spc="-1" dirty="0" smtClean="0">
+                <a:solidFill>
+                  <a:srgbClr val="000000"/>
+                </a:solidFill>
+                <a:uFill>
+                  <a:solidFill>
+                    <a:srgbClr val="FFFFFF"/>
+                  </a:solidFill>
+                </a:uFill>
+                <a:latin typeface="Century Schoolbook"/>
+              </a:rPr>
+              <a:t>Processamento de imagens digitais</a:t>
+            </a:r>
+            <a:r>
+              <a:rPr lang="pt-BR" sz="2200" spc="-1" dirty="0" smtClean="0">
+                <a:solidFill>
+                  <a:srgbClr val="000000"/>
+                </a:solidFill>
+                <a:uFill>
+                  <a:solidFill>
+                    <a:srgbClr val="FFFFFF"/>
+                  </a:solidFill>
+                </a:uFill>
+                <a:latin typeface="Century Schoolbook"/>
+              </a:rPr>
+              <a:t>. Edgard </a:t>
+            </a:r>
+            <a:r>
+              <a:rPr lang="pt-BR" sz="2200" spc="-1" dirty="0" err="1" smtClean="0">
+                <a:solidFill>
+                  <a:srgbClr val="000000"/>
+                </a:solidFill>
+                <a:uFill>
+                  <a:solidFill>
+                    <a:srgbClr val="FFFFFF"/>
+                  </a:solidFill>
+                </a:uFill>
+                <a:latin typeface="Century Schoolbook"/>
+              </a:rPr>
+              <a:t>Blucher</a:t>
+            </a:r>
+            <a:r>
+              <a:rPr lang="pt-BR" sz="2200" spc="-1" dirty="0" smtClean="0">
+                <a:solidFill>
+                  <a:srgbClr val="000000"/>
+                </a:solidFill>
+                <a:uFill>
+                  <a:solidFill>
+                    <a:srgbClr val="FFFFFF"/>
+                  </a:solidFill>
+                </a:uFill>
+                <a:latin typeface="Century Schoolbook"/>
+              </a:rPr>
+              <a:t>, 2000.</a:t>
+            </a:r>
+            <a:endParaRPr lang="pt-BR" sz="2200" strike="noStrike" spc="-1" dirty="0">
+              <a:solidFill>
+                <a:srgbClr val="000000"/>
+              </a:solidFill>
+              <a:uFill>
+                <a:solidFill>
+                  <a:srgbClr val="FFFFFF"/>
+                </a:solidFill>
+              </a:uFill>
+              <a:latin typeface="Century Schoolbook"/>
+            </a:endParaRPr>
+          </a:p>
+        </p:txBody>
+      </p:sp>
+    </p:spTree>
+  </p:cSld>
+  <p:clrMapOvr>
+    <a:masterClrMapping/>
+  </p:clrMapOvr>
+  <p:timing>
+    <p:tnLst>
+      <p:par>
+        <p:cTn id="1" dur="indefinite" restart="never" nodeType="tmRoot">
+          <p:childTnLst>
+            <p:seq>
+              <p:cTn id="2" nodeType="mainSeq"/>
+              <p:prevCondLst>
+                <p:cond evt="onPrev" delay="0">
+                  <p:tgtEl>
+                    <p:sldTgt/>
+                  </p:tgtEl>
+                </p:cond>
+              </p:prevCondLst>
+              <p:nextCondLst>
+                <p:cond evt="onNext" delay="0">
+                  <p:tgtEl>
+                    <p:sldTgt/>
+                  </p:tgtEl>
+                </p:cond>
+              </p:nextCondLst>
+            </p:seq>
+          </p:childTnLst>
+        </p:cTn>
+      </p:par>
+    </p:tnLst>
+  </p:timing>
+</p:sld>
+</file>
+
+<file path=ppt/slides/slide21.xml><?xml version="1.0" encoding="utf-8"?>
+<p:sld xmlns:a="http://schemas.openxmlformats.org/drawingml/2006/main" xmlns:r="http://schemas.openxmlformats.org/officeDocument/2006/relationships" xmlns:p="http://schemas.openxmlformats.org/presentationml/2006/main">
+  <p:cSld>
+    <p:spTree>
+      <p:nvGrpSpPr>
+        <p:cNvPr id="1" name=""/>
+        <p:cNvGrpSpPr/>
+        <p:nvPr/>
+      </p:nvGrpSpPr>
+      <p:grpSpPr>
+        <a:xfrm>
+          <a:off x="0" y="0"/>
+          <a:ext cx="0" cy="0"/>
+          <a:chOff x="0" y="0"/>
+          <a:chExt cx="0" cy="0"/>
+        </a:xfrm>
+      </p:grpSpPr>
+      <p:sp>
+        <p:nvSpPr>
+          <p:cNvPr id="159" name="TextShape 1"/>
+          <p:cNvSpPr txBox="1"/>
+          <p:nvPr/>
+        </p:nvSpPr>
+        <p:spPr>
+          <a:xfrm>
+            <a:off x="755576" y="2708920"/>
+            <a:ext cx="7467120" cy="1142640"/>
+          </a:xfrm>
+          <a:prstGeom prst="rect">
+            <a:avLst/>
+          </a:prstGeom>
+          <a:noFill/>
+          <a:ln>
+            <a:noFill/>
+          </a:ln>
+        </p:spPr>
+        <p:txBody>
+          <a:bodyPr lIns="0" tIns="0" rIns="0" bIns="0" anchor="ctr"/>
+          <a:lstStyle/>
+          <a:p>
+            <a:pPr algn="ctr"/>
+            <a:r>
+              <a:rPr lang="pt-BR" sz="3000" strike="noStrike" spc="-1" dirty="0" smtClean="0">
+                <a:solidFill>
+                  <a:srgbClr val="000000"/>
+                </a:solidFill>
+                <a:uFill>
+                  <a:solidFill>
+                    <a:srgbClr val="FFFFFF"/>
+                  </a:solidFill>
+                </a:uFill>
+                <a:latin typeface="Century Schoolbook"/>
+              </a:rPr>
+              <a:t>FIM!</a:t>
+            </a:r>
+          </a:p>
+          <a:p>
+            <a:pPr algn="ctr"/>
+            <a:endParaRPr lang="pt-BR" sz="3000" spc="-1" dirty="0">
+              <a:solidFill>
+                <a:srgbClr val="000000"/>
+              </a:solidFill>
+              <a:uFill>
+                <a:solidFill>
+                  <a:srgbClr val="FFFFFF"/>
+                </a:solidFill>
+              </a:uFill>
+              <a:latin typeface="Century Schoolbook"/>
+            </a:endParaRPr>
+          </a:p>
+          <a:p>
+            <a:pPr algn="ctr"/>
+            <a:r>
+              <a:rPr lang="pt-BR" sz="3000" strike="noStrike" spc="-1" dirty="0" smtClean="0">
+                <a:solidFill>
+                  <a:srgbClr val="000000"/>
+                </a:solidFill>
+                <a:uFill>
+                  <a:solidFill>
+                    <a:srgbClr val="FFFFFF"/>
+                  </a:solidFill>
+                </a:uFill>
+                <a:latin typeface="Century Schoolbook"/>
+              </a:rPr>
+              <a:t>Muito obrigado.</a:t>
+            </a:r>
           </a:p>
         </p:txBody>
       </p:sp>
@@ -8848,7 +13150,7 @@
           <a:lstStyle/>
           <a:p>
             <a:r>
-              <a:rPr lang="pt-BR" sz="3000" strike="noStrike" spc="-1">
+              <a:rPr lang="pt-BR" sz="3000" b="1" strike="noStrike" spc="-1" dirty="0">
                 <a:solidFill>
                   <a:srgbClr val="000000"/>
                 </a:solidFill>
@@ -9065,6 +13367,20 @@
           <a:lstStyle/>
           <a:p>
             <a:r>
+              <a:rPr lang="pt-BR" sz="3000" b="1" strike="noStrike" spc="-1" dirty="0" smtClean="0">
+                <a:solidFill>
+                  <a:srgbClr val="000000"/>
+                </a:solidFill>
+                <a:uFill>
+                  <a:solidFill>
+                    <a:srgbClr val="FFFFFF"/>
+                  </a:solidFill>
+                </a:uFill>
+                <a:latin typeface="Century Schoolbook"/>
+              </a:rPr>
+              <a:t>FUNDAMENTAÇÃO: </a:t>
+            </a:r>
+            <a:r>
               <a:rPr lang="pt-BR" sz="3000" strike="noStrike" spc="-1" dirty="0" smtClean="0">
                 <a:solidFill>
                   <a:srgbClr val="000000"/>
@@ -9076,7 +13392,7 @@
                 </a:uFill>
                 <a:latin typeface="Century Schoolbook"/>
               </a:rPr>
-              <a:t>FUNDAMENTAÇÃO: FILTROS</a:t>
+              <a:t>FILTROS</a:t>
             </a:r>
             <a:endParaRPr lang="pt-BR" sz="3000" strike="noStrike" spc="-1" dirty="0">
               <a:solidFill>
@@ -9407,7 +13723,7 @@
           <a:lstStyle/>
           <a:p>
             <a:r>
-              <a:rPr lang="pt-BR" sz="3000" strike="noStrike" spc="-1" dirty="0">
+              <a:rPr lang="pt-BR" sz="3000" b="1" strike="noStrike" spc="-1" dirty="0">
                 <a:solidFill>
                   <a:srgbClr val="000000"/>
                 </a:solidFill>
@@ -9457,7 +13773,7 @@
         <p:spPr>
           <a:xfrm>
             <a:off x="457200" y="1600200"/>
-            <a:ext cx="7467120" cy="4873320"/>
+            <a:ext cx="7571184" cy="4873320"/>
           </a:xfrm>
           <a:prstGeom prst="rect">
             <a:avLst/>
@@ -9472,6 +13788,9 @@
           <a:lstStyle/>
           <a:p>
             <a:pPr marL="432000" indent="-324000">
+              <a:lnSpc>
+                <a:spcPct val="150000"/>
+              </a:lnSpc>
               <a:buClr>
                 <a:srgbClr val="000000"/>
               </a:buClr>
@@ -9491,9 +13810,188 @@
                 </a:uFill>
                 <a:latin typeface="Century Schoolbook"/>
               </a:rPr>
-              <a:t>MSE</a:t>
-            </a:r>
+              <a:t>Erro M</a:t>
+            </a:r>
+            <a:r>
+              <a:rPr lang="en-US" sz="2400" spc="-1" dirty="0" err="1" smtClean="0">
+                <a:solidFill>
+                  <a:srgbClr val="000000"/>
+                </a:solidFill>
+                <a:uFill>
+                  <a:solidFill>
+                    <a:srgbClr val="FFFFFF"/>
+                  </a:solidFill>
+                </a:uFill>
+                <a:latin typeface="Century Schoolbook"/>
+              </a:rPr>
+              <a:t>ínimo</a:t>
+            </a:r>
+            <a:r>
+              <a:rPr lang="en-US" sz="2400" spc="-1" dirty="0" smtClean="0">
+                <a:solidFill>
+                  <a:srgbClr val="000000"/>
+                </a:solidFill>
+                <a:uFill>
+                  <a:solidFill>
+                    <a:srgbClr val="FFFFFF"/>
+                  </a:solidFill>
+                </a:uFill>
+                <a:latin typeface="Century Schoolbook"/>
+              </a:rPr>
+              <a:t> </a:t>
+            </a:r>
+            <a:r>
+              <a:rPr lang="en-US" sz="2400" spc="-1" dirty="0" err="1" smtClean="0">
+                <a:solidFill>
+                  <a:srgbClr val="000000"/>
+                </a:solidFill>
+                <a:uFill>
+                  <a:solidFill>
+                    <a:srgbClr val="FFFFFF"/>
+                  </a:solidFill>
+                </a:uFill>
+                <a:latin typeface="Century Schoolbook"/>
+              </a:rPr>
+              <a:t>Quadrático</a:t>
+            </a:r>
+            <a:r>
+              <a:rPr lang="en-US" sz="2400" spc="-1" dirty="0" smtClean="0">
+                <a:solidFill>
+                  <a:srgbClr val="000000"/>
+                </a:solidFill>
+                <a:uFill>
+                  <a:solidFill>
+                    <a:srgbClr val="FFFFFF"/>
+                  </a:solidFill>
+                </a:uFill>
+                <a:latin typeface="Century Schoolbook"/>
+              </a:rPr>
+              <a:t> (</a:t>
+            </a:r>
+            <a:r>
+              <a:rPr lang="pt-BR" sz="2400" spc="-1" dirty="0" smtClean="0">
+                <a:solidFill>
+                  <a:srgbClr val="000000"/>
+                </a:solidFill>
+                <a:uFill>
+                  <a:solidFill>
+                    <a:srgbClr val="FFFFFF"/>
+                  </a:solidFill>
+                </a:uFill>
+                <a:latin typeface="Century Schoolbook"/>
+              </a:rPr>
+              <a:t>MSE)</a:t>
+            </a:r>
+          </a:p>
+          <a:p>
+            <a:pPr marL="889200" lvl="1" indent="-324000" algn="just">
+              <a:buClr>
+                <a:srgbClr val="000000"/>
+              </a:buClr>
+              <a:buSzPct val="45000"/>
+              <a:buFont typeface="Wingdings" charset="2"/>
+              <a:buChar char=""/>
+            </a:pPr>
+            <a:r>
+              <a:rPr lang="pt-BR" sz="2400" strike="noStrike" spc="-1" dirty="0" smtClean="0">
+                <a:solidFill>
+                  <a:srgbClr val="000000"/>
+                </a:solidFill>
+                <a:uFill>
+                  <a:solidFill>
+                    <a:srgbClr val="FFFFFF"/>
+                  </a:solidFill>
+                </a:uFill>
+                <a:latin typeface="Century Schoolbook"/>
+              </a:rPr>
+              <a:t>Como o próprio nome sugere, esse indicador calcula uma média dos erros ao quadrado(pixel a pixel). </a:t>
+            </a:r>
+            <a:r>
+              <a:rPr lang="pt-BR" sz="2400" b="1" strike="noStrike" spc="-1" dirty="0" smtClean="0">
+                <a:solidFill>
+                  <a:srgbClr val="000000"/>
+                </a:solidFill>
+                <a:uFill>
+                  <a:solidFill>
+                    <a:srgbClr val="FFFFFF"/>
+                  </a:solidFill>
+                </a:uFill>
+                <a:latin typeface="Century Schoolbook"/>
+              </a:rPr>
+              <a:t>Quanto mais próximo de zero, melhor é a qualidade da imagem.</a:t>
+            </a:r>
+          </a:p>
+          <a:p>
+            <a:pPr marL="889200" lvl="1" indent="-324000" algn="just">
+              <a:buClr>
+                <a:srgbClr val="000000"/>
+              </a:buClr>
+              <a:buSzPct val="45000"/>
+              <a:buFont typeface="Wingdings" charset="2"/>
+              <a:buChar char=""/>
+            </a:pPr>
             <a:endParaRPr lang="pt-BR" sz="2400" strike="noStrike" spc="-1" dirty="0" smtClean="0">
+              <a:solidFill>
+                <a:srgbClr val="000000"/>
+              </a:solidFill>
+              <a:uFill>
+                <a:solidFill>
+                  <a:srgbClr val="FFFFFF"/>
+                </a:solidFill>
+              </a:uFill>
+              <a:latin typeface="Century Schoolbook"/>
+            </a:endParaRPr>
+          </a:p>
+          <a:p>
+            <a:pPr marL="889200" lvl="1" indent="-324000">
+              <a:buClr>
+                <a:srgbClr val="000000"/>
+              </a:buClr>
+              <a:buSzPct val="45000"/>
+              <a:buFont typeface="Wingdings" charset="2"/>
+              <a:buChar char=""/>
+            </a:pPr>
+            <a:endParaRPr lang="pt-BR" sz="2400" strike="noStrike" spc="-1" dirty="0" smtClean="0">
+              <a:solidFill>
+                <a:srgbClr val="000000"/>
+              </a:solidFill>
+              <a:uFill>
+                <a:solidFill>
+                  <a:srgbClr val="FFFFFF"/>
+                </a:solidFill>
+              </a:uFill>
+              <a:latin typeface="Century Schoolbook"/>
+            </a:endParaRPr>
+          </a:p>
+          <a:p>
+            <a:pPr marL="432000" indent="-324000">
+              <a:buClr>
+                <a:srgbClr val="000000"/>
+              </a:buClr>
+              <a:buSzPct val="45000"/>
+              <a:buFont typeface="Wingdings" charset="2"/>
+              <a:buChar char=""/>
+            </a:pPr>
+            <a:endParaRPr lang="pt-BR" sz="2400" strike="noStrike" spc="-1" dirty="0" smtClean="0">
+              <a:solidFill>
+                <a:srgbClr val="000000"/>
+              </a:solidFill>
+              <a:uFill>
+                <a:solidFill>
+                  <a:srgbClr val="FFFFFF"/>
+                </a:solidFill>
+              </a:uFill>
+              <a:latin typeface="Century Schoolbook"/>
+            </a:endParaRPr>
+          </a:p>
+          <a:p>
+            <a:pPr marL="432000" indent="-324000">
+              <a:buClr>
+                <a:srgbClr val="000000"/>
+              </a:buClr>
+              <a:buSzPct val="45000"/>
+            </a:pPr>
+            <a:endParaRPr lang="pt-BR" sz="2400" spc="-1" dirty="0" smtClean="0">
               <a:solidFill>
                 <a:srgbClr val="000000"/>
               </a:solidFill>
@@ -9532,43 +14030,6 @@
                 <a:srgbClr val="000000"/>
               </a:buClr>
               <a:buSzPct val="45000"/>
-              <a:buFont typeface="Wingdings" charset="2"/>
-              <a:buChar char=""/>
-            </a:pPr>
-            <a:r>
-              <a:rPr lang="pt-BR" sz="2400" strike="noStrike" spc="-1" dirty="0" smtClean="0">
-                <a:solidFill>
-                  <a:srgbClr val="000000"/>
-                </a:solidFill>
-                <a:uFill>
-                  <a:solidFill>
-                    <a:srgbClr val="FFFFFF"/>
-                  </a:solidFill>
-                </a:uFill>
-                <a:latin typeface="Century Schoolbook"/>
-              </a:rPr>
-              <a:t>SSIM</a:t>
-            </a:r>
-            <a:endParaRPr lang="pt-BR" sz="2400" strike="noStrike" spc="-1" dirty="0" smtClean="0">
-              <a:solidFill>
-                <a:srgbClr val="000000"/>
-              </a:solidFill>
-              <a:uFill>
-                <a:solidFill>
-                  <a:srgbClr val="FFFFFF"/>
-                </a:solidFill>
-              </a:uFill>
-              <a:latin typeface="Century Schoolbook"/>
-            </a:endParaRPr>
-          </a:p>
-          <a:p>
-            <a:pPr marL="432000" indent="-324000">
-              <a:buClr>
-                <a:srgbClr val="000000"/>
-              </a:buClr>
-              <a:buSzPct val="45000"/>
-              <a:buFont typeface="Wingdings" charset="2"/>
-              <a:buChar char=""/>
             </a:pPr>
             <a:endParaRPr lang="pt-BR" sz="2400" strike="noStrike" spc="-1" dirty="0">
               <a:solidFill>
@@ -9582,43 +14043,32 @@
               <a:latin typeface="Century Schoolbook"/>
             </a:endParaRPr>
           </a:p>
-          <a:p>
-            <a:pPr marL="432000" indent="-324000">
-              <a:buClr>
-                <a:srgbClr val="000000"/>
-              </a:buClr>
-              <a:buSzPct val="45000"/>
-              <a:buFont typeface="Wingdings" charset="2"/>
-              <a:buChar char=""/>
-            </a:pPr>
-            <a:r>
-              <a:rPr lang="pt-BR" sz="2400" strike="noStrike" spc="-1" dirty="0" smtClean="0">
-                <a:solidFill>
-                  <a:srgbClr val="000000"/>
-                </a:solidFill>
-                <a:uFill>
-                  <a:solidFill>
-                    <a:srgbClr val="FFFFFF"/>
-                  </a:solidFill>
-                </a:uFill>
-                <a:latin typeface="Century Schoolbook"/>
-              </a:rPr>
-              <a:t>PSNR</a:t>
-            </a:r>
-            <a:endParaRPr lang="pt-BR" sz="2400" strike="noStrike" spc="-1" dirty="0">
-              <a:solidFill>
-                <a:srgbClr val="000000"/>
-              </a:solidFill>
-              <a:uFill>
-                <a:solidFill>
-                  <a:srgbClr val="FFFFFF"/>
-                </a:solidFill>
-              </a:uFill>
-              <a:latin typeface="Century Schoolbook"/>
-            </a:endParaRPr>
-          </a:p>
-        </p:txBody>
-      </p:sp>
+        </p:txBody>
+      </p:sp>
+      <p:pic>
+        <p:nvPicPr>
+          <p:cNvPr id="5" name="Imagem 4" descr="download.png"/>
+          <p:cNvPicPr>
+            <a:picLocks noChangeAspect="1"/>
+          </p:cNvPicPr>
+          <p:nvPr/>
+        </p:nvPicPr>
+        <p:blipFill>
+          <a:blip r:embed="rId2" cstate="print"/>
+          <a:stretch>
+            <a:fillRect/>
+          </a:stretch>
+        </p:blipFill>
+        <p:spPr>
+          <a:xfrm>
+            <a:off x="2799556" y="4293096"/>
+            <a:ext cx="4076700" cy="1123950"/>
+          </a:xfrm>
+          <a:prstGeom prst="rect">
+            <a:avLst/>
+          </a:prstGeom>
+        </p:spPr>
+      </p:pic>
     </p:spTree>
   </p:cSld>
   <p:clrMapOvr>
@@ -9679,7 +14129,7 @@
         </p:nvSpPr>
         <p:spPr>
           <a:xfrm>
-            <a:off x="755576" y="2708920"/>
+            <a:off x="457200" y="274680"/>
             <a:ext cx="7467120" cy="1142640"/>
           </a:xfrm>
           <a:prstGeom prst="rect">
@@ -9695,18 +14145,18 @@
           <a:lstStyle/>
           <a:p>
             <a:r>
-              <a:rPr lang="pt-BR" sz="3000" b="1" strike="noStrike" spc="-1" dirty="0" smtClean="0">
-                <a:solidFill>
-                  <a:srgbClr val="000000"/>
-                </a:solidFill>
-                <a:uFill>
-                  <a:solidFill>
-                    <a:srgbClr val="FFFFFF"/>
-                  </a:solidFill>
-                </a:uFill>
-                <a:latin typeface="Century Schoolbook"/>
-              </a:rPr>
-              <a:t>RESULTADOS</a:t>
+              <a:rPr lang="pt-BR" sz="3000" b="1" strike="noStrike" spc="-1" dirty="0">
+                <a:solidFill>
+                  <a:srgbClr val="000000"/>
+                </a:solidFill>
+                <a:uFill>
+                  <a:solidFill>
+                    <a:srgbClr val="FFFFFF"/>
+                  </a:solidFill>
+                </a:uFill>
+                <a:latin typeface="Century Schoolbook"/>
+              </a:rPr>
+              <a:t>FUNDAMENTAÇÃO: </a:t>
             </a:r>
             <a:r>
               <a:rPr lang="pt-BR" sz="3000" strike="noStrike" spc="-1" dirty="0" smtClean="0">
@@ -9720,23 +14170,9 @@
                 </a:uFill>
                 <a:latin typeface="Century Schoolbook"/>
               </a:rPr>
-              <a:t>: </a:t>
-            </a:r>
-            <a:r>
-              <a:rPr lang="pt-BR" sz="3000" strike="noStrike" spc="-1" dirty="0" smtClean="0">
-                <a:solidFill>
-                  <a:srgbClr val="000000"/>
-                </a:solidFill>
-                <a:uFill>
-                  <a:solidFill>
-                    <a:srgbClr val="FFFFFF"/>
-                  </a:solidFill>
-                </a:uFill>
-                <a:latin typeface="Century Schoolbook"/>
-              </a:rPr>
-              <a:t>MÉDIA DAS IMAGENS</a:t>
-            </a:r>
-            <a:endParaRPr lang="pt-BR" sz="3000" strike="noStrike" spc="-1" dirty="0" smtClean="0">
+              <a:t>INDICADORES DE QUALIDADE</a:t>
+            </a:r>
+            <a:endParaRPr lang="pt-BR" sz="3000" strike="noStrike" spc="-1" dirty="0">
               <a:solidFill>
                 <a:srgbClr val="000000"/>
               </a:solidFill>
@@ -9750,6 +14186,201 @@
           </a:p>
         </p:txBody>
       </p:sp>
+      <p:sp>
+        <p:nvSpPr>
+          <p:cNvPr id="160" name="TextShape 2"/>
+          <p:cNvSpPr txBox="1"/>
+          <p:nvPr/>
+        </p:nvSpPr>
+        <p:spPr>
+          <a:xfrm>
+            <a:off x="457200" y="1600200"/>
+            <a:ext cx="7571184" cy="4873320"/>
+          </a:xfrm>
+          <a:prstGeom prst="rect">
+            <a:avLst/>
+          </a:prstGeom>
+          <a:noFill/>
+          <a:ln>
+            <a:noFill/>
+          </a:ln>
+        </p:spPr>
+        <p:txBody>
+          <a:bodyPr lIns="0" tIns="0" rIns="0" bIns="0"/>
+          <a:lstStyle/>
+          <a:p>
+            <a:pPr marL="432000" indent="-324000">
+              <a:lnSpc>
+                <a:spcPct val="150000"/>
+              </a:lnSpc>
+              <a:buClr>
+                <a:srgbClr val="000000"/>
+              </a:buClr>
+              <a:buSzPct val="45000"/>
+              <a:buFont typeface="Wingdings" charset="2"/>
+              <a:buChar char=""/>
+            </a:pPr>
+            <a:r>
+              <a:rPr lang="pt-BR" sz="2400" b="1" spc="-1" dirty="0" smtClean="0">
+                <a:solidFill>
+                  <a:srgbClr val="000000"/>
+                </a:solidFill>
+                <a:uFill>
+                  <a:solidFill>
+                    <a:srgbClr val="FFFFFF"/>
+                  </a:solidFill>
+                </a:uFill>
+                <a:latin typeface="Century Schoolbook"/>
+              </a:rPr>
+              <a:t>Relação sinal-ruído de pico (PSNR)</a:t>
+            </a:r>
+          </a:p>
+          <a:p>
+            <a:pPr marL="889200" lvl="1" indent="-324000" algn="just">
+              <a:buClr>
+                <a:srgbClr val="000000"/>
+              </a:buClr>
+              <a:buSzPct val="45000"/>
+              <a:buFont typeface="Wingdings" charset="2"/>
+              <a:buChar char=""/>
+            </a:pPr>
+            <a:r>
+              <a:rPr lang="pt-BR" sz="2400" spc="-1" dirty="0" smtClean="0">
+                <a:solidFill>
+                  <a:srgbClr val="000000"/>
+                </a:solidFill>
+                <a:uFill>
+                  <a:solidFill>
+                    <a:srgbClr val="FFFFFF"/>
+                  </a:solidFill>
+                </a:uFill>
+                <a:latin typeface="Century Schoolbook"/>
+              </a:rPr>
+              <a:t>Esse indicador é um aprimoramento do MSE. Ele relaciona a energia do sinal e do ruído, normalmente em escala logarítmica.  Ao contrário do MSE, </a:t>
+            </a:r>
+            <a:r>
+              <a:rPr lang="pt-BR" sz="2400" b="1" spc="-1" dirty="0" smtClean="0">
+                <a:solidFill>
+                  <a:srgbClr val="000000"/>
+                </a:solidFill>
+                <a:uFill>
+                  <a:solidFill>
+                    <a:srgbClr val="FFFFFF"/>
+                  </a:solidFill>
+                </a:uFill>
+                <a:latin typeface="Century Schoolbook"/>
+              </a:rPr>
+              <a:t>quanto maior, melhor é a qualidade da imagem.</a:t>
+            </a:r>
+          </a:p>
+          <a:p>
+            <a:pPr marL="889200" lvl="1" indent="-324000" algn="just">
+              <a:buClr>
+                <a:srgbClr val="000000"/>
+              </a:buClr>
+              <a:buSzPct val="45000"/>
+              <a:buFont typeface="Wingdings" charset="2"/>
+              <a:buChar char=""/>
+            </a:pPr>
+            <a:endParaRPr lang="pt-BR" sz="2400" b="1" spc="-1" dirty="0" smtClean="0">
+              <a:solidFill>
+                <a:srgbClr val="000000"/>
+              </a:solidFill>
+              <a:uFill>
+                <a:solidFill>
+                  <a:srgbClr val="FFFFFF"/>
+                </a:solidFill>
+              </a:uFill>
+              <a:latin typeface="Century Schoolbook"/>
+            </a:endParaRPr>
+          </a:p>
+          <a:p>
+            <a:pPr marL="889200" lvl="1" indent="-324000" algn="just">
+              <a:buClr>
+                <a:srgbClr val="000000"/>
+              </a:buClr>
+              <a:buSzPct val="45000"/>
+              <a:buFont typeface="Wingdings" charset="2"/>
+              <a:buChar char=""/>
+            </a:pPr>
+            <a:endParaRPr lang="pt-BR" sz="2400" b="1" spc="-1" dirty="0" smtClean="0">
+              <a:solidFill>
+                <a:srgbClr val="000000"/>
+              </a:solidFill>
+              <a:uFill>
+                <a:solidFill>
+                  <a:srgbClr val="FFFFFF"/>
+                </a:solidFill>
+              </a:uFill>
+              <a:latin typeface="Century Schoolbook"/>
+            </a:endParaRPr>
+          </a:p>
+          <a:p>
+            <a:pPr marL="432000" indent="-324000">
+              <a:buClr>
+                <a:srgbClr val="000000"/>
+              </a:buClr>
+              <a:buSzPct val="45000"/>
+              <a:buFont typeface="Wingdings" charset="2"/>
+              <a:buChar char=""/>
+            </a:pPr>
+            <a:endParaRPr lang="pt-BR" sz="2400" strike="noStrike" spc="-1" dirty="0">
+              <a:solidFill>
+                <a:srgbClr val="000000"/>
+              </a:solidFill>
+              <a:uFill>
+                <a:solidFill>
+                  <a:srgbClr val="FFFFFF"/>
+                </a:solidFill>
+              </a:uFill>
+              <a:latin typeface="Century Schoolbook"/>
+            </a:endParaRPr>
+          </a:p>
+          <a:p>
+            <a:pPr marL="432000" indent="-324000">
+              <a:buClr>
+                <a:srgbClr val="000000"/>
+              </a:buClr>
+              <a:buSzPct val="45000"/>
+            </a:pPr>
+            <a:endParaRPr lang="pt-BR" sz="2400" strike="noStrike" spc="-1" dirty="0">
+              <a:solidFill>
+                <a:srgbClr val="000000"/>
+              </a:solidFill>
+              <a:uFill>
+                <a:solidFill>
+                  <a:srgbClr val="FFFFFF"/>
+                </a:solidFill>
+              </a:uFill>
+              <a:latin typeface="Century Schoolbook"/>
+            </a:endParaRPr>
+          </a:p>
+        </p:txBody>
+      </p:sp>
+      <p:pic>
+        <p:nvPicPr>
+          <p:cNvPr id="5" name="Imagem 4" descr="PSNR_MATH.png"/>
+          <p:cNvPicPr>
+            <a:picLocks noChangeAspect="1"/>
+          </p:cNvPicPr>
+          <p:nvPr/>
+        </p:nvPicPr>
+        <p:blipFill>
+          <a:blip r:embed="rId2" cstate="print"/>
+          <a:stretch>
+            <a:fillRect/>
+          </a:stretch>
+        </p:blipFill>
+        <p:spPr>
+          <a:xfrm>
+            <a:off x="2555776" y="4509120"/>
+            <a:ext cx="4096454" cy="1008112"/>
+          </a:xfrm>
+          <a:prstGeom prst="rect">
+            <a:avLst/>
+          </a:prstGeom>
+        </p:spPr>
+      </p:pic>
     </p:spTree>
   </p:cSld>
   <p:clrMapOvr>
@@ -9804,32 +14435,40 @@
       </p:grpSpPr>
       <p:sp>
         <p:nvSpPr>
-          <p:cNvPr id="2" name="Título 1"/>
-          <p:cNvSpPr>
-            <a:spLocks noGrp="1"/>
-          </p:cNvSpPr>
-          <p:nvPr>
-            <p:ph type="title"/>
-          </p:nvPr>
-        </p:nvSpPr>
-        <p:spPr/>
-        <p:txBody>
-          <a:bodyPr/>
-          <a:lstStyle/>
-          <a:p>
-            <a:r>
-              <a:rPr lang="pt-BR" sz="3000" b="1" strike="noStrike" spc="-1" dirty="0" smtClean="0">
-                <a:solidFill>
-                  <a:srgbClr val="000000"/>
-                </a:solidFill>
-                <a:uFill>
-                  <a:solidFill>
-                    <a:srgbClr val="FFFFFF"/>
-                  </a:solidFill>
-                </a:uFill>
-                <a:latin typeface="Century Schoolbook"/>
-              </a:rPr>
-              <a:t>CONCLUSÃO</a:t>
+          <p:cNvPr id="159" name="TextShape 1"/>
+          <p:cNvSpPr txBox="1"/>
+          <p:nvPr/>
+        </p:nvSpPr>
+        <p:spPr>
+          <a:xfrm>
+            <a:off x="457200" y="274680"/>
+            <a:ext cx="7467120" cy="1142640"/>
+          </a:xfrm>
+          <a:prstGeom prst="rect">
+            <a:avLst/>
+          </a:prstGeom>
+          <a:noFill/>
+          <a:ln>
+            <a:noFill/>
+          </a:ln>
+        </p:spPr>
+        <p:txBody>
+          <a:bodyPr lIns="0" tIns="0" rIns="0" bIns="0" anchor="ctr"/>
+          <a:lstStyle/>
+          <a:p>
+            <a:r>
+              <a:rPr lang="pt-BR" sz="3000" b="1" strike="noStrike" spc="-1" dirty="0">
+                <a:solidFill>
+                  <a:srgbClr val="000000"/>
+                </a:solidFill>
+                <a:uFill>
+                  <a:solidFill>
+                    <a:srgbClr val="FFFFFF"/>
+                  </a:solidFill>
+                </a:uFill>
+                <a:latin typeface="Century Schoolbook"/>
+              </a:rPr>
+              <a:t>FUNDAMENTAÇÃO: </a:t>
             </a:r>
             <a:r>
               <a:rPr lang="pt-BR" sz="3000" strike="noStrike" spc="-1" dirty="0" smtClean="0">
@@ -9843,10 +14482,72 @@
                 </a:uFill>
                 <a:latin typeface="Century Schoolbook"/>
               </a:rPr>
-              <a:t>: MÉDIA</a:t>
-            </a:r>
-            <a:r>
-              <a:rPr lang="pt-BR" sz="3000" spc="-1" dirty="0">
+              <a:t>INDICADORES DE QUALIDADE</a:t>
+            </a:r>
+            <a:endParaRPr lang="pt-BR" sz="3000" strike="noStrike" spc="-1" dirty="0">
+              <a:solidFill>
+                <a:srgbClr val="000000"/>
+              </a:solidFill>
+              <a:uFill>
+                <a:solidFill>
+                  <a:srgbClr val="FFFFFF"/>
+                </a:solidFill>
+              </a:uFill>
+              <a:latin typeface="Century Schoolbook"/>
+            </a:endParaRPr>
+          </a:p>
+        </p:txBody>
+      </p:sp>
+      <p:sp>
+        <p:nvSpPr>
+          <p:cNvPr id="160" name="TextShape 2"/>
+          <p:cNvSpPr txBox="1"/>
+          <p:nvPr/>
+        </p:nvSpPr>
+        <p:spPr>
+          <a:xfrm>
+            <a:off x="457200" y="1600200"/>
+            <a:ext cx="7571184" cy="4873320"/>
+          </a:xfrm>
+          <a:prstGeom prst="rect">
+            <a:avLst/>
+          </a:prstGeom>
+          <a:noFill/>
+          <a:ln>
+            <a:noFill/>
+          </a:ln>
+        </p:spPr>
+        <p:txBody>
+          <a:bodyPr lIns="0" tIns="0" rIns="0" bIns="0"/>
+          <a:lstStyle/>
+          <a:p>
+            <a:pPr marL="432000" indent="-324000">
+              <a:lnSpc>
+                <a:spcPct val="150000"/>
+              </a:lnSpc>
+              <a:buClr>
+                <a:srgbClr val="000000"/>
+              </a:buClr>
+              <a:buSzPct val="45000"/>
+              <a:buFont typeface="Wingdings" charset="2"/>
+              <a:buChar char=""/>
+            </a:pPr>
+            <a:r>
+              <a:rPr lang="pt-BR" sz="2400" b="1" strike="noStrike" spc="-1" dirty="0" err="1" smtClean="0">
+                <a:solidFill>
+                  <a:srgbClr val="000000"/>
+                </a:solidFill>
+                <a:uFill>
+                  <a:solidFill>
+                    <a:srgbClr val="FFFFFF"/>
+                  </a:solidFill>
+                </a:uFill>
+                <a:latin typeface="Century Schoolbook"/>
+              </a:rPr>
+              <a:t>Strtuctural</a:t>
+            </a:r>
+            <a:r>
+              <a:rPr lang="pt-BR" sz="2400" b="1" strike="noStrike" spc="-1" dirty="0" smtClean="0">
                 <a:solidFill>
                   <a:srgbClr val="000000"/>
                 </a:solidFill>
@@ -9860,160 +14561,250 @@
               <a:t> </a:t>
             </a:r>
             <a:r>
-              <a:rPr lang="pt-BR" sz="3000" strike="noStrike" spc="-1" dirty="0" smtClean="0">
-                <a:solidFill>
-                  <a:srgbClr val="000000"/>
-                </a:solidFill>
-                <a:uFill>
-                  <a:solidFill>
-                    <a:srgbClr val="FFFFFF"/>
-                  </a:solidFill>
-                </a:uFill>
-                <a:latin typeface="Century Schoolbook"/>
-              </a:rPr>
-              <a:t>DAS IMAGENS</a:t>
-            </a:r>
-            <a:r>
-              <a:rPr lang="pt-BR" strike="noStrike" spc="-1" dirty="0" smtClean="0">
-                <a:solidFill>
-                  <a:srgbClr val="000000"/>
-                </a:solidFill>
-                <a:uFill>
-                  <a:solidFill>
-                    <a:srgbClr val="FFFFFF"/>
-                  </a:solidFill>
-                </a:uFill>
-                <a:latin typeface="Century Schoolbook"/>
-              </a:rPr>
-              <a:t/>
-            </a:r>
-            <a:br>
-              <a:rPr lang="pt-BR" strike="noStrike" spc="-1" dirty="0" smtClean="0">
-                <a:solidFill>
-                  <a:srgbClr val="000000"/>
-                </a:solidFill>
-                <a:uFill>
-                  <a:solidFill>
-                    <a:srgbClr val="FFFFFF"/>
-                  </a:solidFill>
-                </a:uFill>
-                <a:latin typeface="Century Schoolbook"/>
-              </a:rPr>
-            </a:br>
-            <a:endParaRPr lang="en-US" dirty="0"/>
-          </a:p>
-        </p:txBody>
-      </p:sp>
-      <p:sp>
-        <p:nvSpPr>
-          <p:cNvPr id="3" name="Espaço Reservado para Texto 2"/>
-          <p:cNvSpPr>
-            <a:spLocks noGrp="1"/>
-          </p:cNvSpPr>
-          <p:nvPr>
-            <p:ph type="body"/>
-          </p:nvPr>
-        </p:nvSpPr>
-        <p:spPr>
-          <a:xfrm>
-            <a:off x="539552" y="1196752"/>
-            <a:ext cx="2808312" cy="432048"/>
-          </a:xfrm>
-        </p:spPr>
-        <p:txBody>
-          <a:bodyPr/>
-          <a:lstStyle/>
-          <a:p>
-            <a:endParaRPr lang="en-US" dirty="0"/>
-          </a:p>
-        </p:txBody>
-      </p:sp>
-      <p:sp>
-        <p:nvSpPr>
-          <p:cNvPr id="4" name="Espaço Reservado para Texto 3"/>
-          <p:cNvSpPr>
-            <a:spLocks noGrp="1"/>
-          </p:cNvSpPr>
-          <p:nvPr>
-            <p:ph type="body"/>
-          </p:nvPr>
-        </p:nvSpPr>
-        <p:spPr/>
-        <p:txBody>
-          <a:bodyPr/>
-          <a:lstStyle/>
-          <a:p>
-            <a:endParaRPr lang="en-US" dirty="0"/>
-          </a:p>
-        </p:txBody>
-      </p:sp>
-      <p:sp>
-        <p:nvSpPr>
-          <p:cNvPr id="5" name="Espaço Reservado para Texto 4"/>
-          <p:cNvSpPr>
-            <a:spLocks noGrp="1"/>
-          </p:cNvSpPr>
-          <p:nvPr>
-            <p:ph type="body"/>
-          </p:nvPr>
-        </p:nvSpPr>
-        <p:spPr/>
-        <p:txBody>
-          <a:bodyPr/>
-          <a:lstStyle/>
-          <a:p>
-            <a:endParaRPr lang="en-US"/>
-          </a:p>
-        </p:txBody>
-      </p:sp>
-      <p:sp>
-        <p:nvSpPr>
-          <p:cNvPr id="6" name="Espaço Reservado para Texto 5"/>
-          <p:cNvSpPr>
-            <a:spLocks noGrp="1"/>
-          </p:cNvSpPr>
-          <p:nvPr>
-            <p:ph type="body"/>
-          </p:nvPr>
-        </p:nvSpPr>
-        <p:spPr/>
-        <p:txBody>
-          <a:bodyPr/>
-          <a:lstStyle/>
-          <a:p>
-            <a:endParaRPr lang="en-US" dirty="0"/>
-          </a:p>
-        </p:txBody>
-      </p:sp>
-      <p:pic>
-        <p:nvPicPr>
-          <p:cNvPr id="9" name="Imagem 8" descr="lena5.png"/>
-          <p:cNvPicPr>
-            <a:picLocks noChangeAspect="1"/>
-          </p:cNvPicPr>
-          <p:nvPr/>
-        </p:nvPicPr>
-        <p:blipFill>
-          <a:blip r:embed="rId2" cstate="print"/>
-          <a:stretch>
-            <a:fillRect/>
-          </a:stretch>
-        </p:blipFill>
-        <p:spPr>
-          <a:xfrm>
-            <a:off x="827584" y="1700808"/>
-            <a:ext cx="2160240" cy="2160240"/>
-          </a:xfrm>
-          <a:prstGeom prst="rect">
-            <a:avLst/>
-          </a:prstGeom>
-        </p:spPr>
-      </p:pic>
+              <a:rPr lang="pt-BR" sz="2400" b="1" strike="noStrike" spc="-1" dirty="0" err="1" smtClean="0">
+                <a:solidFill>
+                  <a:srgbClr val="000000"/>
+                </a:solidFill>
+                <a:uFill>
+                  <a:solidFill>
+                    <a:srgbClr val="FFFFFF"/>
+                  </a:solidFill>
+                </a:uFill>
+                <a:latin typeface="Century Schoolbook"/>
+              </a:rPr>
+              <a:t>Similarity</a:t>
+            </a:r>
+            <a:r>
+              <a:rPr lang="pt-BR" sz="2400" b="1" strike="noStrike" spc="-1" dirty="0" smtClean="0">
+                <a:solidFill>
+                  <a:srgbClr val="000000"/>
+                </a:solidFill>
+                <a:uFill>
+                  <a:solidFill>
+                    <a:srgbClr val="FFFFFF"/>
+                  </a:solidFill>
+                </a:uFill>
+                <a:latin typeface="Century Schoolbook"/>
+              </a:rPr>
+              <a:t> </a:t>
+            </a:r>
+            <a:r>
+              <a:rPr lang="pt-BR" sz="2400" b="1" strike="noStrike" spc="-1" dirty="0" err="1" smtClean="0">
+                <a:solidFill>
+                  <a:srgbClr val="000000"/>
+                </a:solidFill>
+                <a:uFill>
+                  <a:solidFill>
+                    <a:srgbClr val="FFFFFF"/>
+                  </a:solidFill>
+                </a:uFill>
+                <a:latin typeface="Century Schoolbook"/>
+              </a:rPr>
+              <a:t>Index</a:t>
+            </a:r>
+            <a:r>
+              <a:rPr lang="pt-BR" sz="2400" b="1" strike="noStrike" spc="-1" dirty="0" smtClean="0">
+                <a:solidFill>
+                  <a:srgbClr val="000000"/>
+                </a:solidFill>
+                <a:uFill>
+                  <a:solidFill>
+                    <a:srgbClr val="FFFFFF"/>
+                  </a:solidFill>
+                </a:uFill>
+                <a:latin typeface="Century Schoolbook"/>
+              </a:rPr>
+              <a:t> (SSIM)</a:t>
+            </a:r>
+          </a:p>
+          <a:p>
+            <a:pPr marL="889200" lvl="1" indent="-324000" algn="just">
+              <a:buClr>
+                <a:srgbClr val="000000"/>
+              </a:buClr>
+              <a:buSzPct val="45000"/>
+              <a:buFont typeface="Wingdings" charset="2"/>
+              <a:buChar char=""/>
+            </a:pPr>
+            <a:r>
+              <a:rPr lang="pt-BR" sz="2400" spc="-1" dirty="0" smtClean="0">
+                <a:solidFill>
+                  <a:srgbClr val="000000"/>
+                </a:solidFill>
+                <a:uFill>
+                  <a:solidFill>
+                    <a:srgbClr val="FFFFFF"/>
+                  </a:solidFill>
+                </a:uFill>
+                <a:latin typeface="Century Schoolbook"/>
+              </a:rPr>
+              <a:t>Este método foi desenvolvido por </a:t>
+            </a:r>
+            <a:r>
+              <a:rPr lang="pt-BR" sz="2400" spc="-1" dirty="0" err="1" smtClean="0">
+                <a:solidFill>
+                  <a:srgbClr val="000000"/>
+                </a:solidFill>
+                <a:uFill>
+                  <a:solidFill>
+                    <a:srgbClr val="FFFFFF"/>
+                  </a:solidFill>
+                </a:uFill>
+                <a:latin typeface="Century Schoolbook"/>
+              </a:rPr>
+              <a:t>Wang</a:t>
+            </a:r>
+            <a:r>
+              <a:rPr lang="pt-BR" sz="2400" spc="-1" dirty="0" smtClean="0">
+                <a:solidFill>
+                  <a:srgbClr val="000000"/>
+                </a:solidFill>
+                <a:uFill>
+                  <a:solidFill>
+                    <a:srgbClr val="FFFFFF"/>
+                  </a:solidFill>
+                </a:uFill>
+                <a:latin typeface="Century Schoolbook"/>
+              </a:rPr>
+              <a:t> </a:t>
+            </a:r>
+            <a:r>
+              <a:rPr lang="pt-BR" sz="2400" spc="-1" dirty="0" err="1" smtClean="0">
+                <a:solidFill>
+                  <a:srgbClr val="000000"/>
+                </a:solidFill>
+                <a:uFill>
+                  <a:solidFill>
+                    <a:srgbClr val="FFFFFF"/>
+                  </a:solidFill>
+                </a:uFill>
+                <a:latin typeface="Century Schoolbook"/>
+              </a:rPr>
+              <a:t>and</a:t>
+            </a:r>
+            <a:r>
+              <a:rPr lang="pt-BR" sz="2400" spc="-1" dirty="0" smtClean="0">
+                <a:solidFill>
+                  <a:srgbClr val="000000"/>
+                </a:solidFill>
+                <a:uFill>
+                  <a:solidFill>
+                    <a:srgbClr val="FFFFFF"/>
+                  </a:solidFill>
+                </a:uFill>
+                <a:latin typeface="Century Schoolbook"/>
+              </a:rPr>
+              <a:t> </a:t>
+            </a:r>
+            <a:r>
+              <a:rPr lang="pt-BR" sz="2400" spc="-1" dirty="0" err="1" smtClean="0">
+                <a:solidFill>
+                  <a:srgbClr val="000000"/>
+                </a:solidFill>
+                <a:uFill>
+                  <a:solidFill>
+                    <a:srgbClr val="FFFFFF"/>
+                  </a:solidFill>
+                </a:uFill>
+                <a:latin typeface="Century Schoolbook"/>
+              </a:rPr>
+              <a:t>Bovik</a:t>
+            </a:r>
+            <a:r>
+              <a:rPr lang="pt-BR" sz="2400" spc="-1" dirty="0" smtClean="0">
+                <a:solidFill>
+                  <a:srgbClr val="000000"/>
+                </a:solidFill>
+                <a:uFill>
+                  <a:solidFill>
+                    <a:srgbClr val="FFFFFF"/>
+                  </a:solidFill>
+                </a:uFill>
+                <a:latin typeface="Century Schoolbook"/>
+              </a:rPr>
+              <a:t> em 2004. Diferente do MSE e do PSNR, ele leva em consideração a percepção do sistema visual humano. Portanto, é um indicador mais confiável da qualidade da imagem. </a:t>
+            </a:r>
+            <a:r>
+              <a:rPr lang="pt-BR" sz="2400" b="1" spc="-1" dirty="0" smtClean="0">
+                <a:solidFill>
+                  <a:srgbClr val="000000"/>
+                </a:solidFill>
+                <a:uFill>
+                  <a:solidFill>
+                    <a:srgbClr val="FFFFFF"/>
+                  </a:solidFill>
+                </a:uFill>
+                <a:latin typeface="Century Schoolbook"/>
+              </a:rPr>
+              <a:t>Quanto mais próximo de um, melhor é a qualidade da imagem.</a:t>
+            </a:r>
+            <a:endParaRPr lang="pt-BR" sz="2400" b="1" strike="noStrike" spc="-1" dirty="0" smtClean="0">
+              <a:solidFill>
+                <a:srgbClr val="000000"/>
+              </a:solidFill>
+              <a:uFill>
+                <a:solidFill>
+                  <a:srgbClr val="FFFFFF"/>
+                </a:solidFill>
+              </a:uFill>
+              <a:latin typeface="Century Schoolbook"/>
+            </a:endParaRPr>
+          </a:p>
+          <a:p>
+            <a:pPr marL="432000" indent="-324000">
+              <a:buClr>
+                <a:srgbClr val="000000"/>
+              </a:buClr>
+              <a:buSzPct val="45000"/>
+              <a:buFont typeface="Wingdings" charset="2"/>
+              <a:buChar char=""/>
+            </a:pPr>
+            <a:endParaRPr lang="pt-BR" sz="2400" strike="noStrike" spc="-1" dirty="0">
+              <a:solidFill>
+                <a:srgbClr val="000000"/>
+              </a:solidFill>
+              <a:uFill>
+                <a:solidFill>
+                  <a:srgbClr val="FFFFFF"/>
+                </a:solidFill>
+              </a:uFill>
+              <a:latin typeface="Century Schoolbook"/>
+            </a:endParaRPr>
+          </a:p>
+        </p:txBody>
+      </p:sp>
     </p:spTree>
   </p:cSld>
   <p:clrMapOvr>
     <a:masterClrMapping/>
   </p:clrMapOvr>
+  <p:timing>
+    <p:tnLst>
+      <p:par>
+        <p:cTn id="1" dur="indefinite" restart="never" nodeType="tmRoot">
+          <p:childTnLst>
+            <p:seq>
+              <p:cTn id="2" nodeType="mainSeq"/>
+              <p:prevCondLst>
+                <p:cond evt="onPrev" delay="0">
+                  <p:tgtEl>
+                    <p:sldTgt/>
+                  </p:tgtEl>
+                </p:cond>
+              </p:prevCondLst>
+              <p:nextCondLst>
+                <p:cond evt="onNext" delay="0">
+                  <p:tgtEl>
+                    <p:sldTgt/>
+                  </p:tgtEl>
+                </p:cond>
+              </p:nextCondLst>
+            </p:seq>
+          </p:childTnLst>
+        </p:cTn>
+      </p:par>
+    </p:tnLst>
+  </p:timing>
 </p:sld>
 </file>
 
@@ -10069,7 +14860,7 @@
                 </a:uFill>
                 <a:latin typeface="Century Schoolbook"/>
               </a:rPr>
-              <a:t>CONCLUSÃO</a:t>
+              <a:t>EXPERIMENTO: </a:t>
             </a:r>
             <a:r>
               <a:rPr lang="pt-BR" sz="3000" strike="noStrike" spc="-1" dirty="0" smtClean="0">
@@ -10083,23 +14874,23 @@
                 </a:uFill>
                 <a:latin typeface="Century Schoolbook"/>
               </a:rPr>
-              <a:t>: </a:t>
-            </a:r>
-            <a:r>
-              <a:rPr lang="pt-BR" sz="3000" strike="noStrike" spc="-1" dirty="0" smtClean="0">
-                <a:solidFill>
-                  <a:srgbClr val="000000"/>
-                </a:solidFill>
-                <a:uFill>
-                  <a:solidFill>
-                    <a:srgbClr val="FFFFFF"/>
-                  </a:solidFill>
-                </a:uFill>
-                <a:latin typeface="Century Schoolbook"/>
-              </a:rPr>
-              <a:t>MÉDIA DAS IMAGENS</a:t>
-            </a:r>
-            <a:endParaRPr lang="pt-BR" sz="3000" strike="noStrike" spc="-1" dirty="0" smtClean="0">
+              <a:t>IMAGEM UTILIZADA</a:t>
+            </a:r>
+            <a:r>
+              <a:rPr lang="pt-BR" sz="3000" b="1" strike="noStrike" spc="-1" dirty="0" smtClean="0">
+                <a:solidFill>
+                  <a:srgbClr val="000000"/>
+                </a:solidFill>
+                <a:uFill>
+                  <a:solidFill>
+                    <a:srgbClr val="FFFFFF"/>
+                  </a:solidFill>
+                </a:uFill>
+                <a:latin typeface="Century Schoolbook"/>
+              </a:rPr>
+              <a:t> </a:t>
+            </a:r>
+            <a:endParaRPr lang="pt-BR" sz="3000" strike="noStrike" spc="-1" dirty="0">
               <a:solidFill>
                 <a:srgbClr val="000000"/>
               </a:solidFill>
@@ -10121,8 +14912,8 @@
         </p:nvSpPr>
         <p:spPr>
           <a:xfrm>
-            <a:off x="457200" y="1600200"/>
-            <a:ext cx="7467120" cy="4873320"/>
+            <a:off x="457200" y="1340768"/>
+            <a:ext cx="7499176" cy="892696"/>
           </a:xfrm>
           <a:prstGeom prst="rect">
             <a:avLst/>
@@ -10136,7 +14927,45 @@
           <a:bodyPr lIns="0" tIns="0" rIns="0" bIns="0"/>
           <a:lstStyle/>
           <a:p>
-            <a:pPr marL="432000" indent="-324000" algn="just">
+            <a:pPr marL="432000" indent="-324000">
+              <a:lnSpc>
+                <a:spcPct val="150000"/>
+              </a:lnSpc>
+              <a:buClr>
+                <a:srgbClr val="000000"/>
+              </a:buClr>
+              <a:buSzPct val="45000"/>
+              <a:buFont typeface="Wingdings" charset="2"/>
+              <a:buChar char=""/>
+            </a:pPr>
+            <a:r>
+              <a:rPr lang="pt-BR" sz="2400" spc="-1" dirty="0" smtClean="0">
+                <a:solidFill>
+                  <a:srgbClr val="000000"/>
+                </a:solidFill>
+                <a:uFill>
+                  <a:solidFill>
+                    <a:srgbClr val="FFFFFF"/>
+                  </a:solidFill>
+                </a:uFill>
+                <a:latin typeface="Century Schoolbook"/>
+              </a:rPr>
+              <a:t>Neste experimento, utilizamos a seguinte imagem</a:t>
+            </a:r>
+            <a:endParaRPr lang="pt-BR" sz="2400" strike="noStrike" spc="-1" dirty="0" smtClean="0">
+              <a:solidFill>
+                <a:srgbClr val="000000"/>
+              </a:solidFill>
+              <a:uFill>
+                <a:solidFill>
+                  <a:srgbClr val="FFFFFF"/>
+                </a:solidFill>
+              </a:uFill>
+              <a:latin typeface="Century Schoolbook"/>
+            </a:endParaRPr>
+          </a:p>
+          <a:p>
+            <a:pPr marL="432000" indent="-324000">
               <a:buClr>
                 <a:srgbClr val="000000"/>
               </a:buClr>
@@ -10155,6 +14984,232 @@
               </a:uFill>
               <a:latin typeface="Century Schoolbook"/>
             </a:endParaRPr>
+          </a:p>
+        </p:txBody>
+      </p:sp>
+      <p:pic>
+        <p:nvPicPr>
+          <p:cNvPr id="4" name="Imagem 3" descr="lena_grayscale.png"/>
+          <p:cNvPicPr>
+            <a:picLocks noChangeAspect="1"/>
+          </p:cNvPicPr>
+          <p:nvPr/>
+        </p:nvPicPr>
+        <p:blipFill>
+          <a:blip r:embed="rId2" cstate="print"/>
+          <a:stretch>
+            <a:fillRect/>
+          </a:stretch>
+        </p:blipFill>
+        <p:spPr>
+          <a:xfrm>
+            <a:off x="467544" y="2564904"/>
+            <a:ext cx="3446512" cy="3446512"/>
+          </a:xfrm>
+          <a:prstGeom prst="rect">
+            <a:avLst/>
+          </a:prstGeom>
+        </p:spPr>
+      </p:pic>
+      <p:sp>
+        <p:nvSpPr>
+          <p:cNvPr id="5" name="CaixaDeTexto 4"/>
+          <p:cNvSpPr txBox="1"/>
+          <p:nvPr/>
+        </p:nvSpPr>
+        <p:spPr>
+          <a:xfrm>
+            <a:off x="467544" y="6114782"/>
+            <a:ext cx="4680520" cy="338554"/>
+          </a:xfrm>
+          <a:prstGeom prst="rect">
+            <a:avLst/>
+          </a:prstGeom>
+          <a:noFill/>
+        </p:spPr>
+        <p:txBody>
+          <a:bodyPr wrap="square" rtlCol="0">
+            <a:spAutoFit/>
+          </a:bodyPr>
+          <a:lstStyle/>
+          <a:p>
+            <a:r>
+              <a:rPr lang="en-US" sz="1400" dirty="0" smtClean="0">
+                <a:latin typeface="Century Schoolbook" pitchFamily="18" charset="0"/>
+              </a:rPr>
+              <a:t>MSE = 0, PSNR = </a:t>
+            </a:r>
+            <a:r>
+              <a:rPr lang="en-US" sz="1400" dirty="0" err="1" smtClean="0">
+                <a:latin typeface="Century Schoolbook" pitchFamily="18" charset="0"/>
+              </a:rPr>
+              <a:t>Indefinido</a:t>
+            </a:r>
+            <a:r>
+              <a:rPr lang="en-US" sz="1400" dirty="0" smtClean="0">
+                <a:latin typeface="Century Schoolbook" pitchFamily="18" charset="0"/>
+              </a:rPr>
+              <a:t>, SSIM = </a:t>
+            </a:r>
+            <a:r>
+              <a:rPr lang="en-US" sz="1600" dirty="0" smtClean="0">
+                <a:latin typeface="Century Schoolbook" pitchFamily="18" charset="0"/>
+              </a:rPr>
+              <a:t>1</a:t>
+            </a:r>
+            <a:endParaRPr lang="en-US" sz="1600" dirty="0">
+              <a:latin typeface="Century Schoolbook" pitchFamily="18" charset="0"/>
+            </a:endParaRPr>
+          </a:p>
+        </p:txBody>
+      </p:sp>
+      <p:sp>
+        <p:nvSpPr>
+          <p:cNvPr id="6" name="CaixaDeTexto 5"/>
+          <p:cNvSpPr txBox="1"/>
+          <p:nvPr/>
+        </p:nvSpPr>
+        <p:spPr>
+          <a:xfrm>
+            <a:off x="1547664" y="2123564"/>
+            <a:ext cx="1872208" cy="369332"/>
+          </a:xfrm>
+          <a:prstGeom prst="rect">
+            <a:avLst/>
+          </a:prstGeom>
+          <a:noFill/>
+        </p:spPr>
+        <p:txBody>
+          <a:bodyPr wrap="square" rtlCol="0">
+            <a:spAutoFit/>
+          </a:bodyPr>
+          <a:lstStyle/>
+          <a:p>
+            <a:r>
+              <a:rPr lang="en-US" dirty="0" smtClean="0">
+                <a:latin typeface="Century Schoolbook" pitchFamily="18" charset="0"/>
+              </a:rPr>
+              <a:t>Original</a:t>
+            </a:r>
+            <a:endParaRPr lang="en-US" dirty="0">
+              <a:latin typeface="Century Schoolbook" pitchFamily="18" charset="0"/>
+            </a:endParaRPr>
+          </a:p>
+        </p:txBody>
+      </p:sp>
+      <p:pic>
+        <p:nvPicPr>
+          <p:cNvPr id="7" name="Imagem 6" descr="img_noise.png"/>
+          <p:cNvPicPr>
+            <a:picLocks noChangeAspect="1"/>
+          </p:cNvPicPr>
+          <p:nvPr/>
+        </p:nvPicPr>
+        <p:blipFill>
+          <a:blip r:embed="rId3" cstate="print"/>
+          <a:stretch>
+            <a:fillRect/>
+          </a:stretch>
+        </p:blipFill>
+        <p:spPr>
+          <a:xfrm>
+            <a:off x="4499992" y="2564904"/>
+            <a:ext cx="3445200" cy="3445200"/>
+          </a:xfrm>
+          <a:prstGeom prst="rect">
+            <a:avLst/>
+          </a:prstGeom>
+        </p:spPr>
+      </p:pic>
+      <p:sp>
+        <p:nvSpPr>
+          <p:cNvPr id="8" name="CaixaDeTexto 7"/>
+          <p:cNvSpPr txBox="1"/>
+          <p:nvPr/>
+        </p:nvSpPr>
+        <p:spPr>
+          <a:xfrm>
+            <a:off x="5292080" y="2123564"/>
+            <a:ext cx="1872208" cy="369332"/>
+          </a:xfrm>
+          <a:prstGeom prst="rect">
+            <a:avLst/>
+          </a:prstGeom>
+          <a:noFill/>
+        </p:spPr>
+        <p:txBody>
+          <a:bodyPr wrap="square" rtlCol="0">
+            <a:spAutoFit/>
+          </a:bodyPr>
+          <a:lstStyle/>
+          <a:p>
+            <a:r>
+              <a:rPr lang="en-US" dirty="0" smtClean="0">
+                <a:latin typeface="Century Schoolbook" pitchFamily="18" charset="0"/>
+              </a:rPr>
+              <a:t>Contaminada</a:t>
+            </a:r>
+          </a:p>
+        </p:txBody>
+      </p:sp>
+      <p:sp>
+        <p:nvSpPr>
+          <p:cNvPr id="9" name="CaixaDeTexto 8"/>
+          <p:cNvSpPr txBox="1"/>
+          <p:nvPr/>
+        </p:nvSpPr>
+        <p:spPr>
+          <a:xfrm>
+            <a:off x="4499992" y="6145559"/>
+            <a:ext cx="4680520" cy="307777"/>
+          </a:xfrm>
+          <a:prstGeom prst="rect">
+            <a:avLst/>
+          </a:prstGeom>
+          <a:noFill/>
+        </p:spPr>
+        <p:txBody>
+          <a:bodyPr wrap="square" rtlCol="0">
+            <a:spAutoFit/>
+          </a:bodyPr>
+          <a:lstStyle/>
+          <a:p>
+            <a:r>
+              <a:rPr lang="en-US" sz="1400" dirty="0" smtClean="0">
+                <a:latin typeface="Century Schoolbook" pitchFamily="18" charset="0"/>
+              </a:rPr>
+              <a:t>MSE = </a:t>
+            </a:r>
+            <a:r>
+              <a:rPr lang="en-US" sz="1400" dirty="0" smtClean="0">
+                <a:latin typeface="Century Schoolbook" pitchFamily="18" charset="0"/>
+              </a:rPr>
+              <a:t>86.65, </a:t>
+            </a:r>
+            <a:r>
+              <a:rPr lang="en-US" sz="1400" dirty="0" smtClean="0">
+                <a:latin typeface="Century Schoolbook" pitchFamily="18" charset="0"/>
+              </a:rPr>
+              <a:t>PSNR = </a:t>
+            </a:r>
+            <a:r>
+              <a:rPr lang="en-US" sz="1400" dirty="0" smtClean="0">
+                <a:latin typeface="Century Schoolbook" pitchFamily="18" charset="0"/>
+              </a:rPr>
+              <a:t>20.11, </a:t>
+            </a:r>
+            <a:r>
+              <a:rPr lang="en-US" sz="1400" dirty="0" smtClean="0">
+                <a:latin typeface="Century Schoolbook" pitchFamily="18" charset="0"/>
+              </a:rPr>
+              <a:t>SSIM = </a:t>
+            </a:r>
+            <a:r>
+              <a:rPr lang="en-US" sz="1400" dirty="0" smtClean="0">
+                <a:latin typeface="Century Schoolbook" pitchFamily="18" charset="0"/>
+              </a:rPr>
+              <a:t>0.594</a:t>
+            </a:r>
           </a:p>
         </p:txBody>
       </p:sp>
@@ -10218,7 +15273,7 @@
         </p:nvSpPr>
         <p:spPr>
           <a:xfrm>
-            <a:off x="755576" y="2708920"/>
+            <a:off x="457200" y="274680"/>
             <a:ext cx="7467120" cy="1142640"/>
           </a:xfrm>
           <a:prstGeom prst="rect">
@@ -10245,7 +15300,7 @@
                 </a:uFill>
                 <a:latin typeface="Century Schoolbook"/>
               </a:rPr>
-              <a:t>RESULTADOS</a:t>
+              <a:t>EXPERIMENTO: </a:t>
             </a:r>
             <a:r>
               <a:rPr lang="pt-BR" sz="3000" strike="noStrike" spc="-1" dirty="0" smtClean="0">
@@ -10259,23 +15314,92 @@
                 </a:uFill>
                 <a:latin typeface="Century Schoolbook"/>
               </a:rPr>
-              <a:t>: </a:t>
-            </a:r>
-            <a:r>
-              <a:rPr lang="pt-BR" sz="3000" strike="noStrike" spc="-1" dirty="0" smtClean="0">
-                <a:solidFill>
-                  <a:srgbClr val="000000"/>
-                </a:solidFill>
-                <a:uFill>
-                  <a:solidFill>
-                    <a:srgbClr val="FFFFFF"/>
-                  </a:solidFill>
-                </a:uFill>
-                <a:latin typeface="Century Schoolbook"/>
-              </a:rPr>
-              <a:t>FILTRO DA MÉDIA</a:t>
-            </a:r>
-            <a:endParaRPr lang="pt-BR" sz="3000" strike="noStrike" spc="-1" dirty="0" smtClean="0">
+              <a:t>MÉDIA DAS IMAGENS </a:t>
+            </a:r>
+            <a:endParaRPr lang="pt-BR" sz="3000" strike="noStrike" spc="-1" dirty="0">
+              <a:solidFill>
+                <a:srgbClr val="000000"/>
+              </a:solidFill>
+              <a:uFill>
+                <a:solidFill>
+                  <a:srgbClr val="FFFFFF"/>
+                </a:solidFill>
+              </a:uFill>
+              <a:latin typeface="Century Schoolbook"/>
+            </a:endParaRPr>
+          </a:p>
+        </p:txBody>
+      </p:sp>
+      <p:sp>
+        <p:nvSpPr>
+          <p:cNvPr id="160" name="TextShape 2"/>
+          <p:cNvSpPr txBox="1"/>
+          <p:nvPr/>
+        </p:nvSpPr>
+        <p:spPr>
+          <a:xfrm>
+            <a:off x="457200" y="1600200"/>
+            <a:ext cx="7499176" cy="3629000"/>
+          </a:xfrm>
+          <a:prstGeom prst="rect">
+            <a:avLst/>
+          </a:prstGeom>
+          <a:noFill/>
+          <a:ln>
+            <a:noFill/>
+          </a:ln>
+        </p:spPr>
+        <p:txBody>
+          <a:bodyPr lIns="0" tIns="0" rIns="0" bIns="0"/>
+          <a:lstStyle/>
+          <a:p>
+            <a:pPr marL="432000" indent="-324000">
+              <a:lnSpc>
+                <a:spcPct val="150000"/>
+              </a:lnSpc>
+              <a:buClr>
+                <a:srgbClr val="000000"/>
+              </a:buClr>
+              <a:buSzPct val="45000"/>
+              <a:buFont typeface="Wingdings" charset="2"/>
+              <a:buChar char=""/>
+            </a:pPr>
+            <a:r>
+              <a:rPr lang="pt-BR" sz="2400" spc="-1" dirty="0" smtClean="0">
+                <a:solidFill>
+                  <a:srgbClr val="000000"/>
+                </a:solidFill>
+                <a:uFill>
+                  <a:solidFill>
+                    <a:srgbClr val="FFFFFF"/>
+                  </a:solidFill>
+                </a:uFill>
+                <a:latin typeface="Century Schoolbook"/>
+              </a:rPr>
+              <a:t>Para testar a qualidade das imagens, os três indicadores foram calculados para 5, 10, 50 e 100 imagens.</a:t>
+            </a:r>
+            <a:endParaRPr lang="pt-BR" sz="2400" strike="noStrike" spc="-1" dirty="0" smtClean="0">
+              <a:solidFill>
+                <a:srgbClr val="000000"/>
+              </a:solidFill>
+              <a:uFill>
+                <a:solidFill>
+                  <a:srgbClr val="FFFFFF"/>
+                </a:solidFill>
+              </a:uFill>
+              <a:latin typeface="Century Schoolbook"/>
+            </a:endParaRPr>
+          </a:p>
+          <a:p>
+            <a:pPr marL="432000" indent="-324000">
+              <a:buClr>
+                <a:srgbClr val="000000"/>
+              </a:buClr>
+              <a:buSzPct val="45000"/>
+              <a:buFont typeface="Wingdings" charset="2"/>
+              <a:buChar char=""/>
+            </a:pPr>
+            <a:endParaRPr lang="pt-BR" sz="2400" strike="noStrike" spc="-1" dirty="0">
               <a:solidFill>
                 <a:srgbClr val="000000"/>
               </a:solidFill>
